--- a/Group presentation LEADS.pptx
+++ b/Group presentation LEADS.pptx
@@ -9,8 +9,12 @@
     <p:sldId id="260" r:id="rId3"/>
     <p:sldId id="257" r:id="rId4"/>
     <p:sldId id="258" r:id="rId5"/>
-    <p:sldId id="259" r:id="rId6"/>
-    <p:sldId id="261" r:id="rId7"/>
+    <p:sldId id="264" r:id="rId6"/>
+    <p:sldId id="259" r:id="rId7"/>
+    <p:sldId id="262" r:id="rId8"/>
+    <p:sldId id="265" r:id="rId9"/>
+    <p:sldId id="263" r:id="rId10"/>
+    <p:sldId id="261" r:id="rId11"/>
   </p:sldIdLst>
   <p:sldSz cx="9144000" cy="6858000" type="screen4x3"/>
   <p:notesSz cx="6858000" cy="9144000"/>
@@ -859,753 +863,6 @@
 </dgm:colorsDef>
 </file>
 
-<file path=ppt/diagrams/colors2.xml><?xml version="1.0" encoding="utf-8"?>
-<dgm:colorsDef xmlns:dgm="http://schemas.openxmlformats.org/drawingml/2006/diagram" xmlns:a="http://schemas.openxmlformats.org/drawingml/2006/main" uniqueId="urn:microsoft.com/office/officeart/2005/8/colors/accent1_2">
-  <dgm:title val=""/>
-  <dgm:desc val=""/>
-  <dgm:catLst>
-    <dgm:cat type="accent1" pri="11200"/>
-  </dgm:catLst>
-  <dgm:styleLbl name="node0">
-    <dgm:fillClrLst meth="repeat">
-      <a:schemeClr val="accent1"/>
-    </dgm:fillClrLst>
-    <dgm:linClrLst meth="repeat">
-      <a:schemeClr val="lt1"/>
-    </dgm:linClrLst>
-    <dgm:effectClrLst/>
-    <dgm:txLinClrLst/>
-    <dgm:txFillClrLst/>
-    <dgm:txEffectClrLst/>
-  </dgm:styleLbl>
-  <dgm:styleLbl name="alignNode1">
-    <dgm:fillClrLst meth="repeat">
-      <a:schemeClr val="accent1"/>
-    </dgm:fillClrLst>
-    <dgm:linClrLst meth="repeat">
-      <a:schemeClr val="accent1"/>
-    </dgm:linClrLst>
-    <dgm:effectClrLst/>
-    <dgm:txLinClrLst/>
-    <dgm:txFillClrLst/>
-    <dgm:txEffectClrLst/>
-  </dgm:styleLbl>
-  <dgm:styleLbl name="node1">
-    <dgm:fillClrLst meth="repeat">
-      <a:schemeClr val="accent1"/>
-    </dgm:fillClrLst>
-    <dgm:linClrLst meth="repeat">
-      <a:schemeClr val="lt1"/>
-    </dgm:linClrLst>
-    <dgm:effectClrLst/>
-    <dgm:txLinClrLst/>
-    <dgm:txFillClrLst/>
-    <dgm:txEffectClrLst/>
-  </dgm:styleLbl>
-  <dgm:styleLbl name="lnNode1">
-    <dgm:fillClrLst meth="repeat">
-      <a:schemeClr val="accent1"/>
-    </dgm:fillClrLst>
-    <dgm:linClrLst meth="repeat">
-      <a:schemeClr val="lt1"/>
-    </dgm:linClrLst>
-    <dgm:effectClrLst/>
-    <dgm:txLinClrLst/>
-    <dgm:txFillClrLst/>
-    <dgm:txEffectClrLst/>
-  </dgm:styleLbl>
-  <dgm:styleLbl name="vennNode1">
-    <dgm:fillClrLst meth="repeat">
-      <a:schemeClr val="accent1">
-        <a:alpha val="50000"/>
-      </a:schemeClr>
-    </dgm:fillClrLst>
-    <dgm:linClrLst meth="repeat">
-      <a:schemeClr val="lt1"/>
-    </dgm:linClrLst>
-    <dgm:effectClrLst/>
-    <dgm:txLinClrLst/>
-    <dgm:txFillClrLst/>
-    <dgm:txEffectClrLst/>
-  </dgm:styleLbl>
-  <dgm:styleLbl name="node2">
-    <dgm:fillClrLst meth="repeat">
-      <a:schemeClr val="accent1"/>
-    </dgm:fillClrLst>
-    <dgm:linClrLst meth="repeat">
-      <a:schemeClr val="lt1"/>
-    </dgm:linClrLst>
-    <dgm:effectClrLst/>
-    <dgm:txLinClrLst/>
-    <dgm:txFillClrLst/>
-    <dgm:txEffectClrLst/>
-  </dgm:styleLbl>
-  <dgm:styleLbl name="node3">
-    <dgm:fillClrLst meth="repeat">
-      <a:schemeClr val="accent1"/>
-    </dgm:fillClrLst>
-    <dgm:linClrLst meth="repeat">
-      <a:schemeClr val="lt1"/>
-    </dgm:linClrLst>
-    <dgm:effectClrLst/>
-    <dgm:txLinClrLst/>
-    <dgm:txFillClrLst/>
-    <dgm:txEffectClrLst/>
-  </dgm:styleLbl>
-  <dgm:styleLbl name="node4">
-    <dgm:fillClrLst meth="repeat">
-      <a:schemeClr val="accent1"/>
-    </dgm:fillClrLst>
-    <dgm:linClrLst meth="repeat">
-      <a:schemeClr val="lt1"/>
-    </dgm:linClrLst>
-    <dgm:effectClrLst/>
-    <dgm:txLinClrLst/>
-    <dgm:txFillClrLst/>
-    <dgm:txEffectClrLst/>
-  </dgm:styleLbl>
-  <dgm:styleLbl name="fgImgPlace1">
-    <dgm:fillClrLst meth="repeat">
-      <a:schemeClr val="accent1">
-        <a:tint val="50000"/>
-      </a:schemeClr>
-    </dgm:fillClrLst>
-    <dgm:linClrLst meth="repeat">
-      <a:schemeClr val="lt1"/>
-    </dgm:linClrLst>
-    <dgm:effectClrLst/>
-    <dgm:txLinClrLst/>
-    <dgm:txFillClrLst meth="repeat">
-      <a:schemeClr val="lt1"/>
-    </dgm:txFillClrLst>
-    <dgm:txEffectClrLst/>
-  </dgm:styleLbl>
-  <dgm:styleLbl name="alignImgPlace1">
-    <dgm:fillClrLst meth="repeat">
-      <a:schemeClr val="accent1">
-        <a:tint val="50000"/>
-      </a:schemeClr>
-    </dgm:fillClrLst>
-    <dgm:linClrLst meth="repeat">
-      <a:schemeClr val="lt1"/>
-    </dgm:linClrLst>
-    <dgm:effectClrLst/>
-    <dgm:txLinClrLst/>
-    <dgm:txFillClrLst meth="repeat">
-      <a:schemeClr val="lt1"/>
-    </dgm:txFillClrLst>
-    <dgm:txEffectClrLst/>
-  </dgm:styleLbl>
-  <dgm:styleLbl name="bgImgPlace1">
-    <dgm:fillClrLst meth="repeat">
-      <a:schemeClr val="accent1">
-        <a:tint val="50000"/>
-      </a:schemeClr>
-    </dgm:fillClrLst>
-    <dgm:linClrLst meth="repeat">
-      <a:schemeClr val="lt1"/>
-    </dgm:linClrLst>
-    <dgm:effectClrLst/>
-    <dgm:txLinClrLst/>
-    <dgm:txFillClrLst meth="repeat">
-      <a:schemeClr val="lt1"/>
-    </dgm:txFillClrLst>
-    <dgm:txEffectClrLst/>
-  </dgm:styleLbl>
-  <dgm:styleLbl name="sibTrans2D1">
-    <dgm:fillClrLst meth="repeat">
-      <a:schemeClr val="accent1">
-        <a:tint val="60000"/>
-      </a:schemeClr>
-    </dgm:fillClrLst>
-    <dgm:linClrLst meth="repeat">
-      <a:schemeClr val="accent1">
-        <a:tint val="60000"/>
-      </a:schemeClr>
-    </dgm:linClrLst>
-    <dgm:effectClrLst/>
-    <dgm:txLinClrLst/>
-    <dgm:txFillClrLst/>
-    <dgm:txEffectClrLst/>
-  </dgm:styleLbl>
-  <dgm:styleLbl name="fgSibTrans2D1">
-    <dgm:fillClrLst meth="repeat">
-      <a:schemeClr val="accent1">
-        <a:tint val="60000"/>
-      </a:schemeClr>
-    </dgm:fillClrLst>
-    <dgm:linClrLst meth="repeat">
-      <a:schemeClr val="accent1">
-        <a:tint val="60000"/>
-      </a:schemeClr>
-    </dgm:linClrLst>
-    <dgm:effectClrLst/>
-    <dgm:txLinClrLst/>
-    <dgm:txFillClrLst/>
-    <dgm:txEffectClrLst/>
-  </dgm:styleLbl>
-  <dgm:styleLbl name="bgSibTrans2D1">
-    <dgm:fillClrLst meth="repeat">
-      <a:schemeClr val="accent1">
-        <a:tint val="60000"/>
-      </a:schemeClr>
-    </dgm:fillClrLst>
-    <dgm:linClrLst meth="repeat">
-      <a:schemeClr val="accent1">
-        <a:tint val="60000"/>
-      </a:schemeClr>
-    </dgm:linClrLst>
-    <dgm:effectClrLst/>
-    <dgm:txLinClrLst/>
-    <dgm:txFillClrLst/>
-    <dgm:txEffectClrLst/>
-  </dgm:styleLbl>
-  <dgm:styleLbl name="sibTrans1D1">
-    <dgm:fillClrLst meth="repeat">
-      <a:schemeClr val="accent1"/>
-    </dgm:fillClrLst>
-    <dgm:linClrLst meth="repeat">
-      <a:schemeClr val="accent1"/>
-    </dgm:linClrLst>
-    <dgm:effectClrLst/>
-    <dgm:txLinClrLst/>
-    <dgm:txFillClrLst meth="repeat">
-      <a:schemeClr val="tx1"/>
-    </dgm:txFillClrLst>
-    <dgm:txEffectClrLst/>
-  </dgm:styleLbl>
-  <dgm:styleLbl name="callout">
-    <dgm:fillClrLst meth="repeat">
-      <a:schemeClr val="accent1"/>
-    </dgm:fillClrLst>
-    <dgm:linClrLst meth="repeat">
-      <a:schemeClr val="accent1">
-        <a:tint val="50000"/>
-      </a:schemeClr>
-    </dgm:linClrLst>
-    <dgm:effectClrLst/>
-    <dgm:txLinClrLst/>
-    <dgm:txFillClrLst meth="repeat">
-      <a:schemeClr val="tx1"/>
-    </dgm:txFillClrLst>
-    <dgm:txEffectClrLst/>
-  </dgm:styleLbl>
-  <dgm:styleLbl name="asst0">
-    <dgm:fillClrLst meth="repeat">
-      <a:schemeClr val="accent1"/>
-    </dgm:fillClrLst>
-    <dgm:linClrLst meth="repeat">
-      <a:schemeClr val="lt1"/>
-    </dgm:linClrLst>
-    <dgm:effectClrLst/>
-    <dgm:txLinClrLst/>
-    <dgm:txFillClrLst/>
-    <dgm:txEffectClrLst/>
-  </dgm:styleLbl>
-  <dgm:styleLbl name="asst1">
-    <dgm:fillClrLst meth="repeat">
-      <a:schemeClr val="accent1"/>
-    </dgm:fillClrLst>
-    <dgm:linClrLst meth="repeat">
-      <a:schemeClr val="lt1"/>
-    </dgm:linClrLst>
-    <dgm:effectClrLst/>
-    <dgm:txLinClrLst/>
-    <dgm:txFillClrLst/>
-    <dgm:txEffectClrLst/>
-  </dgm:styleLbl>
-  <dgm:styleLbl name="asst2">
-    <dgm:fillClrLst meth="repeat">
-      <a:schemeClr val="accent1"/>
-    </dgm:fillClrLst>
-    <dgm:linClrLst meth="repeat">
-      <a:schemeClr val="lt1"/>
-    </dgm:linClrLst>
-    <dgm:effectClrLst/>
-    <dgm:txLinClrLst/>
-    <dgm:txFillClrLst/>
-    <dgm:txEffectClrLst/>
-  </dgm:styleLbl>
-  <dgm:styleLbl name="asst3">
-    <dgm:fillClrLst meth="repeat">
-      <a:schemeClr val="accent1"/>
-    </dgm:fillClrLst>
-    <dgm:linClrLst meth="repeat">
-      <a:schemeClr val="lt1"/>
-    </dgm:linClrLst>
-    <dgm:effectClrLst/>
-    <dgm:txLinClrLst/>
-    <dgm:txFillClrLst/>
-    <dgm:txEffectClrLst/>
-  </dgm:styleLbl>
-  <dgm:styleLbl name="asst4">
-    <dgm:fillClrLst meth="repeat">
-      <a:schemeClr val="accent1"/>
-    </dgm:fillClrLst>
-    <dgm:linClrLst meth="repeat">
-      <a:schemeClr val="lt1"/>
-    </dgm:linClrLst>
-    <dgm:effectClrLst/>
-    <dgm:txLinClrLst/>
-    <dgm:txFillClrLst/>
-    <dgm:txEffectClrLst/>
-  </dgm:styleLbl>
-  <dgm:styleLbl name="parChTrans2D1">
-    <dgm:fillClrLst meth="repeat">
-      <a:schemeClr val="accent1">
-        <a:tint val="60000"/>
-      </a:schemeClr>
-    </dgm:fillClrLst>
-    <dgm:linClrLst meth="repeat">
-      <a:schemeClr val="accent1">
-        <a:tint val="60000"/>
-      </a:schemeClr>
-    </dgm:linClrLst>
-    <dgm:effectClrLst/>
-    <dgm:txLinClrLst/>
-    <dgm:txFillClrLst meth="repeat">
-      <a:schemeClr val="lt1"/>
-    </dgm:txFillClrLst>
-    <dgm:txEffectClrLst/>
-  </dgm:styleLbl>
-  <dgm:styleLbl name="parChTrans2D2">
-    <dgm:fillClrLst meth="repeat">
-      <a:schemeClr val="accent1"/>
-    </dgm:fillClrLst>
-    <dgm:linClrLst meth="repeat">
-      <a:schemeClr val="accent1"/>
-    </dgm:linClrLst>
-    <dgm:effectClrLst/>
-    <dgm:txLinClrLst/>
-    <dgm:txFillClrLst meth="repeat">
-      <a:schemeClr val="lt1"/>
-    </dgm:txFillClrLst>
-    <dgm:txEffectClrLst/>
-  </dgm:styleLbl>
-  <dgm:styleLbl name="parChTrans2D3">
-    <dgm:fillClrLst meth="repeat">
-      <a:schemeClr val="accent1"/>
-    </dgm:fillClrLst>
-    <dgm:linClrLst meth="repeat">
-      <a:schemeClr val="accent1"/>
-    </dgm:linClrLst>
-    <dgm:effectClrLst/>
-    <dgm:txLinClrLst/>
-    <dgm:txFillClrLst meth="repeat">
-      <a:schemeClr val="lt1"/>
-    </dgm:txFillClrLst>
-    <dgm:txEffectClrLst/>
-  </dgm:styleLbl>
-  <dgm:styleLbl name="parChTrans2D4">
-    <dgm:fillClrLst meth="repeat">
-      <a:schemeClr val="accent1"/>
-    </dgm:fillClrLst>
-    <dgm:linClrLst meth="repeat">
-      <a:schemeClr val="accent1"/>
-    </dgm:linClrLst>
-    <dgm:effectClrLst/>
-    <dgm:txLinClrLst/>
-    <dgm:txFillClrLst meth="repeat">
-      <a:schemeClr val="lt1"/>
-    </dgm:txFillClrLst>
-    <dgm:txEffectClrLst/>
-  </dgm:styleLbl>
-  <dgm:styleLbl name="parChTrans1D1">
-    <dgm:fillClrLst meth="repeat">
-      <a:schemeClr val="accent1"/>
-    </dgm:fillClrLst>
-    <dgm:linClrLst meth="repeat">
-      <a:schemeClr val="accent1">
-        <a:shade val="60000"/>
-      </a:schemeClr>
-    </dgm:linClrLst>
-    <dgm:effectClrLst/>
-    <dgm:txLinClrLst/>
-    <dgm:txFillClrLst meth="repeat">
-      <a:schemeClr val="tx1"/>
-    </dgm:txFillClrLst>
-    <dgm:txEffectClrLst/>
-  </dgm:styleLbl>
-  <dgm:styleLbl name="parChTrans1D2">
-    <dgm:fillClrLst meth="repeat">
-      <a:schemeClr val="accent1"/>
-    </dgm:fillClrLst>
-    <dgm:linClrLst meth="repeat">
-      <a:schemeClr val="accent1">
-        <a:shade val="60000"/>
-      </a:schemeClr>
-    </dgm:linClrLst>
-    <dgm:effectClrLst/>
-    <dgm:txLinClrLst/>
-    <dgm:txFillClrLst meth="repeat">
-      <a:schemeClr val="tx1"/>
-    </dgm:txFillClrLst>
-    <dgm:txEffectClrLst/>
-  </dgm:styleLbl>
-  <dgm:styleLbl name="parChTrans1D3">
-    <dgm:fillClrLst meth="repeat">
-      <a:schemeClr val="accent1"/>
-    </dgm:fillClrLst>
-    <dgm:linClrLst meth="repeat">
-      <a:schemeClr val="accent1">
-        <a:shade val="80000"/>
-      </a:schemeClr>
-    </dgm:linClrLst>
-    <dgm:effectClrLst/>
-    <dgm:txLinClrLst/>
-    <dgm:txFillClrLst meth="repeat">
-      <a:schemeClr val="tx1"/>
-    </dgm:txFillClrLst>
-    <dgm:txEffectClrLst/>
-  </dgm:styleLbl>
-  <dgm:styleLbl name="parChTrans1D4">
-    <dgm:fillClrLst meth="repeat">
-      <a:schemeClr val="accent1"/>
-    </dgm:fillClrLst>
-    <dgm:linClrLst meth="repeat">
-      <a:schemeClr val="accent1">
-        <a:shade val="80000"/>
-      </a:schemeClr>
-    </dgm:linClrLst>
-    <dgm:effectClrLst/>
-    <dgm:txLinClrLst/>
-    <dgm:txFillClrLst meth="repeat">
-      <a:schemeClr val="tx1"/>
-    </dgm:txFillClrLst>
-    <dgm:txEffectClrLst/>
-  </dgm:styleLbl>
-  <dgm:styleLbl name="fgAcc1">
-    <dgm:fillClrLst meth="repeat">
-      <a:schemeClr val="lt1">
-        <a:alpha val="90000"/>
-      </a:schemeClr>
-    </dgm:fillClrLst>
-    <dgm:linClrLst meth="repeat">
-      <a:schemeClr val="accent1"/>
-    </dgm:linClrLst>
-    <dgm:effectClrLst/>
-    <dgm:txLinClrLst/>
-    <dgm:txFillClrLst meth="repeat">
-      <a:schemeClr val="dk1"/>
-    </dgm:txFillClrLst>
-    <dgm:txEffectClrLst/>
-  </dgm:styleLbl>
-  <dgm:styleLbl name="conFgAcc1">
-    <dgm:fillClrLst meth="repeat">
-      <a:schemeClr val="lt1">
-        <a:alpha val="90000"/>
-      </a:schemeClr>
-    </dgm:fillClrLst>
-    <dgm:linClrLst meth="repeat">
-      <a:schemeClr val="accent1"/>
-    </dgm:linClrLst>
-    <dgm:effectClrLst/>
-    <dgm:txLinClrLst/>
-    <dgm:txFillClrLst meth="repeat">
-      <a:schemeClr val="dk1"/>
-    </dgm:txFillClrLst>
-    <dgm:txEffectClrLst/>
-  </dgm:styleLbl>
-  <dgm:styleLbl name="alignAcc1">
-    <dgm:fillClrLst meth="repeat">
-      <a:schemeClr val="lt1">
-        <a:alpha val="90000"/>
-      </a:schemeClr>
-    </dgm:fillClrLst>
-    <dgm:linClrLst meth="repeat">
-      <a:schemeClr val="accent1"/>
-    </dgm:linClrLst>
-    <dgm:effectClrLst/>
-    <dgm:txLinClrLst/>
-    <dgm:txFillClrLst meth="repeat">
-      <a:schemeClr val="dk1"/>
-    </dgm:txFillClrLst>
-    <dgm:txEffectClrLst/>
-  </dgm:styleLbl>
-  <dgm:styleLbl name="trAlignAcc1">
-    <dgm:fillClrLst meth="repeat">
-      <a:schemeClr val="lt1">
-        <a:alpha val="40000"/>
-      </a:schemeClr>
-    </dgm:fillClrLst>
-    <dgm:linClrLst meth="repeat">
-      <a:schemeClr val="accent1"/>
-    </dgm:linClrLst>
-    <dgm:effectClrLst/>
-    <dgm:txLinClrLst/>
-    <dgm:txFillClrLst meth="repeat">
-      <a:schemeClr val="dk1"/>
-    </dgm:txFillClrLst>
-    <dgm:txEffectClrLst/>
-  </dgm:styleLbl>
-  <dgm:styleLbl name="bgAcc1">
-    <dgm:fillClrLst meth="repeat">
-      <a:schemeClr val="lt1">
-        <a:alpha val="90000"/>
-      </a:schemeClr>
-    </dgm:fillClrLst>
-    <dgm:linClrLst meth="repeat">
-      <a:schemeClr val="accent1"/>
-    </dgm:linClrLst>
-    <dgm:effectClrLst/>
-    <dgm:txLinClrLst/>
-    <dgm:txFillClrLst meth="repeat">
-      <a:schemeClr val="dk1"/>
-    </dgm:txFillClrLst>
-    <dgm:txEffectClrLst/>
-  </dgm:styleLbl>
-  <dgm:styleLbl name="solidFgAcc1">
-    <dgm:fillClrLst meth="repeat">
-      <a:schemeClr val="lt1"/>
-    </dgm:fillClrLst>
-    <dgm:linClrLst meth="repeat">
-      <a:schemeClr val="accent1"/>
-    </dgm:linClrLst>
-    <dgm:effectClrLst/>
-    <dgm:txLinClrLst/>
-    <dgm:txFillClrLst meth="repeat">
-      <a:schemeClr val="dk1"/>
-    </dgm:txFillClrLst>
-    <dgm:txEffectClrLst/>
-  </dgm:styleLbl>
-  <dgm:styleLbl name="solidAlignAcc1">
-    <dgm:fillClrLst meth="repeat">
-      <a:schemeClr val="lt1"/>
-    </dgm:fillClrLst>
-    <dgm:linClrLst meth="repeat">
-      <a:schemeClr val="accent1"/>
-    </dgm:linClrLst>
-    <dgm:effectClrLst/>
-    <dgm:txLinClrLst/>
-    <dgm:txFillClrLst meth="repeat">
-      <a:schemeClr val="dk1"/>
-    </dgm:txFillClrLst>
-    <dgm:txEffectClrLst/>
-  </dgm:styleLbl>
-  <dgm:styleLbl name="solidBgAcc1">
-    <dgm:fillClrLst meth="repeat">
-      <a:schemeClr val="lt1"/>
-    </dgm:fillClrLst>
-    <dgm:linClrLst meth="repeat">
-      <a:schemeClr val="accent1"/>
-    </dgm:linClrLst>
-    <dgm:effectClrLst/>
-    <dgm:txLinClrLst/>
-    <dgm:txFillClrLst meth="repeat">
-      <a:schemeClr val="dk1"/>
-    </dgm:txFillClrLst>
-    <dgm:txEffectClrLst/>
-  </dgm:styleLbl>
-  <dgm:styleLbl name="fgAccFollowNode1">
-    <dgm:fillClrLst meth="repeat">
-      <a:schemeClr val="accent1">
-        <a:alpha val="90000"/>
-        <a:tint val="40000"/>
-      </a:schemeClr>
-    </dgm:fillClrLst>
-    <dgm:linClrLst meth="repeat">
-      <a:schemeClr val="accent1">
-        <a:alpha val="90000"/>
-        <a:tint val="40000"/>
-      </a:schemeClr>
-    </dgm:linClrLst>
-    <dgm:effectClrLst/>
-    <dgm:txLinClrLst/>
-    <dgm:txFillClrLst meth="repeat">
-      <a:schemeClr val="dk1"/>
-    </dgm:txFillClrLst>
-    <dgm:txEffectClrLst/>
-  </dgm:styleLbl>
-  <dgm:styleLbl name="alignAccFollowNode1">
-    <dgm:fillClrLst meth="repeat">
-      <a:schemeClr val="accent1">
-        <a:alpha val="90000"/>
-        <a:tint val="40000"/>
-      </a:schemeClr>
-    </dgm:fillClrLst>
-    <dgm:linClrLst meth="repeat">
-      <a:schemeClr val="accent1">
-        <a:alpha val="90000"/>
-        <a:tint val="40000"/>
-      </a:schemeClr>
-    </dgm:linClrLst>
-    <dgm:effectClrLst/>
-    <dgm:txLinClrLst/>
-    <dgm:txFillClrLst meth="repeat">
-      <a:schemeClr val="dk1"/>
-    </dgm:txFillClrLst>
-    <dgm:txEffectClrLst/>
-  </dgm:styleLbl>
-  <dgm:styleLbl name="bgAccFollowNode1">
-    <dgm:fillClrLst meth="repeat">
-      <a:schemeClr val="accent1">
-        <a:alpha val="90000"/>
-        <a:tint val="40000"/>
-      </a:schemeClr>
-    </dgm:fillClrLst>
-    <dgm:linClrLst meth="repeat">
-      <a:schemeClr val="accent1">
-        <a:alpha val="90000"/>
-        <a:tint val="40000"/>
-      </a:schemeClr>
-    </dgm:linClrLst>
-    <dgm:effectClrLst/>
-    <dgm:txLinClrLst/>
-    <dgm:txFillClrLst meth="repeat">
-      <a:schemeClr val="dk1"/>
-    </dgm:txFillClrLst>
-    <dgm:txEffectClrLst/>
-  </dgm:styleLbl>
-  <dgm:styleLbl name="fgAcc0">
-    <dgm:fillClrLst meth="repeat">
-      <a:schemeClr val="lt1">
-        <a:alpha val="90000"/>
-      </a:schemeClr>
-    </dgm:fillClrLst>
-    <dgm:linClrLst meth="repeat">
-      <a:schemeClr val="accent1"/>
-    </dgm:linClrLst>
-    <dgm:effectClrLst/>
-    <dgm:txLinClrLst/>
-    <dgm:txFillClrLst meth="repeat">
-      <a:schemeClr val="dk1"/>
-    </dgm:txFillClrLst>
-    <dgm:txEffectClrLst/>
-  </dgm:styleLbl>
-  <dgm:styleLbl name="fgAcc2">
-    <dgm:fillClrLst meth="repeat">
-      <a:schemeClr val="lt1">
-        <a:alpha val="90000"/>
-      </a:schemeClr>
-    </dgm:fillClrLst>
-    <dgm:linClrLst meth="repeat">
-      <a:schemeClr val="accent1"/>
-    </dgm:linClrLst>
-    <dgm:effectClrLst/>
-    <dgm:txLinClrLst/>
-    <dgm:txFillClrLst meth="repeat">
-      <a:schemeClr val="dk1"/>
-    </dgm:txFillClrLst>
-    <dgm:txEffectClrLst/>
-  </dgm:styleLbl>
-  <dgm:styleLbl name="fgAcc3">
-    <dgm:fillClrLst meth="repeat">
-      <a:schemeClr val="lt1">
-        <a:alpha val="90000"/>
-      </a:schemeClr>
-    </dgm:fillClrLst>
-    <dgm:linClrLst meth="repeat">
-      <a:schemeClr val="accent1"/>
-    </dgm:linClrLst>
-    <dgm:effectClrLst/>
-    <dgm:txLinClrLst/>
-    <dgm:txFillClrLst meth="repeat">
-      <a:schemeClr val="dk1"/>
-    </dgm:txFillClrLst>
-    <dgm:txEffectClrLst/>
-  </dgm:styleLbl>
-  <dgm:styleLbl name="fgAcc4">
-    <dgm:fillClrLst meth="repeat">
-      <a:schemeClr val="lt1">
-        <a:alpha val="90000"/>
-      </a:schemeClr>
-    </dgm:fillClrLst>
-    <dgm:linClrLst meth="repeat">
-      <a:schemeClr val="accent1"/>
-    </dgm:linClrLst>
-    <dgm:effectClrLst/>
-    <dgm:txLinClrLst/>
-    <dgm:txFillClrLst meth="repeat">
-      <a:schemeClr val="dk1"/>
-    </dgm:txFillClrLst>
-    <dgm:txEffectClrLst/>
-  </dgm:styleLbl>
-  <dgm:styleLbl name="bgShp">
-    <dgm:fillClrLst meth="repeat">
-      <a:schemeClr val="accent1">
-        <a:tint val="40000"/>
-      </a:schemeClr>
-    </dgm:fillClrLst>
-    <dgm:linClrLst meth="repeat">
-      <a:schemeClr val="accent1"/>
-    </dgm:linClrLst>
-    <dgm:effectClrLst/>
-    <dgm:txLinClrLst/>
-    <dgm:txFillClrLst meth="repeat">
-      <a:schemeClr val="dk1"/>
-    </dgm:txFillClrLst>
-    <dgm:txEffectClrLst/>
-  </dgm:styleLbl>
-  <dgm:styleLbl name="dkBgShp">
-    <dgm:fillClrLst meth="repeat">
-      <a:schemeClr val="accent1">
-        <a:shade val="80000"/>
-      </a:schemeClr>
-    </dgm:fillClrLst>
-    <dgm:linClrLst meth="repeat">
-      <a:schemeClr val="accent1"/>
-    </dgm:linClrLst>
-    <dgm:effectClrLst/>
-    <dgm:txLinClrLst/>
-    <dgm:txFillClrLst meth="repeat">
-      <a:schemeClr val="lt1"/>
-    </dgm:txFillClrLst>
-    <dgm:txEffectClrLst/>
-  </dgm:styleLbl>
-  <dgm:styleLbl name="trBgShp">
-    <dgm:fillClrLst meth="repeat">
-      <a:schemeClr val="accent1">
-        <a:tint val="50000"/>
-        <a:alpha val="40000"/>
-      </a:schemeClr>
-    </dgm:fillClrLst>
-    <dgm:linClrLst meth="repeat">
-      <a:schemeClr val="accent1"/>
-    </dgm:linClrLst>
-    <dgm:effectClrLst/>
-    <dgm:txLinClrLst/>
-    <dgm:txFillClrLst meth="repeat">
-      <a:schemeClr val="lt1"/>
-    </dgm:txFillClrLst>
-    <dgm:txEffectClrLst/>
-  </dgm:styleLbl>
-  <dgm:styleLbl name="fgShp">
-    <dgm:fillClrLst meth="repeat">
-      <a:schemeClr val="accent1">
-        <a:tint val="60000"/>
-      </a:schemeClr>
-    </dgm:fillClrLst>
-    <dgm:linClrLst meth="repeat">
-      <a:schemeClr val="lt1"/>
-    </dgm:linClrLst>
-    <dgm:effectClrLst/>
-    <dgm:txLinClrLst/>
-    <dgm:txFillClrLst meth="repeat">
-      <a:schemeClr val="dk1"/>
-    </dgm:txFillClrLst>
-    <dgm:txEffectClrLst/>
-  </dgm:styleLbl>
-  <dgm:styleLbl name="revTx">
-    <dgm:fillClrLst meth="repeat">
-      <a:schemeClr val="lt1">
-        <a:alpha val="0"/>
-      </a:schemeClr>
-    </dgm:fillClrLst>
-    <dgm:linClrLst meth="repeat">
-      <a:schemeClr val="dk1">
-        <a:alpha val="0"/>
-      </a:schemeClr>
-    </dgm:linClrLst>
-    <dgm:effectClrLst/>
-    <dgm:txLinClrLst/>
-    <dgm:txFillClrLst meth="repeat">
-      <a:schemeClr val="tx1"/>
-    </dgm:txFillClrLst>
-    <dgm:txEffectClrLst/>
-  </dgm:styleLbl>
-</dgm:colorsDef>
-</file>
-
 <file path=ppt/diagrams/data1.xml><?xml version="1.0" encoding="utf-8"?>
 <dgm:dataModel xmlns:dgm="http://schemas.openxmlformats.org/drawingml/2006/diagram" xmlns:a="http://schemas.openxmlformats.org/drawingml/2006/main">
   <dgm:ptLst>
@@ -1643,7 +900,7 @@
         <a:lstStyle/>
         <a:p>
           <a:r>
-            <a:rPr lang="en-US" sz="4800" b="1" i="0" cap="none" spc="50" dirty="0" smtClean="0">
+            <a:rPr lang="en-US" sz="3600" b="1" i="0" cap="none" spc="50" dirty="0" smtClean="0">
               <a:ln w="13500">
                 <a:solidFill>
                   <a:schemeClr val="accent1">
@@ -1668,9 +925,9 @@
               <a:latin typeface="Helvetica"/>
               <a:cs typeface="Helvetica"/>
             </a:rPr>
-            <a:t>Smart Homes</a:t>
+            <a:t>Electrical Car Charging</a:t>
           </a:r>
-          <a:endParaRPr lang="en-US" sz="4800" b="1" i="0" cap="none" spc="50" dirty="0">
+          <a:endParaRPr lang="en-US" sz="3600" b="1" i="0" cap="none" spc="50" dirty="0">
             <a:ln w="13500">
               <a:solidFill>
                 <a:schemeClr val="accent1">
@@ -1768,7 +1025,37 @@
               <a:latin typeface="Helvetica"/>
               <a:cs typeface="Helvetica"/>
             </a:rPr>
-            <a:t>Connectivity</a:t>
+            <a:t>Connecting</a:t>
+          </a:r>
+        </a:p>
+        <a:p>
+          <a:r>
+            <a:rPr lang="en-US" sz="1100" b="1" i="0" cap="none" spc="50" dirty="0" smtClean="0">
+              <a:ln w="13500">
+                <a:solidFill>
+                  <a:schemeClr val="accent1">
+                    <a:shade val="2500"/>
+                    <a:alpha val="6500"/>
+                  </a:schemeClr>
+                </a:solidFill>
+                <a:prstDash val="solid"/>
+              </a:ln>
+              <a:solidFill>
+                <a:srgbClr val="7F7F7F">
+                  <a:alpha val="95000"/>
+                </a:srgbClr>
+              </a:solidFill>
+              <a:effectLst>
+                <a:innerShdw blurRad="50900" dist="38500" dir="13500000">
+                  <a:srgbClr val="000000">
+                    <a:alpha val="60000"/>
+                  </a:srgbClr>
+                </a:innerShdw>
+              </a:effectLst>
+              <a:latin typeface="Helvetica"/>
+              <a:cs typeface="Helvetica"/>
+            </a:rPr>
+            <a:t>The Grid</a:t>
           </a:r>
           <a:endParaRPr lang="en-US" sz="1100" b="1" i="0" cap="none" spc="50" dirty="0">
             <a:ln w="13500">
@@ -1843,7 +1130,7 @@
         <a:lstStyle/>
         <a:p>
           <a:r>
-            <a:rPr lang="en-US" sz="1600" b="1" i="0" cap="none" spc="50" dirty="0" smtClean="0">
+            <a:rPr lang="en-US" sz="1200" b="1" i="0" cap="none" spc="50" dirty="0" smtClean="0">
               <a:ln w="13500">
                 <a:solidFill>
                   <a:schemeClr val="accent1">
@@ -1868,9 +1155,9 @@
               <a:latin typeface="Helvetica"/>
               <a:cs typeface="Helvetica"/>
             </a:rPr>
-            <a:t>Comfort</a:t>
+            <a:t>Accessibility</a:t>
           </a:r>
-          <a:endParaRPr lang="en-US" sz="1600" b="1" i="0" cap="none" spc="50" dirty="0">
+          <a:endParaRPr lang="en-US" sz="1200" b="1" i="0" cap="none" spc="50" dirty="0">
             <a:ln w="13500">
               <a:solidFill>
                 <a:schemeClr val="accent1">
@@ -1968,7 +1255,7 @@
               <a:latin typeface="Helvetica"/>
               <a:cs typeface="Helvetica"/>
             </a:rPr>
-            <a:t>Individualism</a:t>
+            <a:t>Environment</a:t>
           </a:r>
           <a:endParaRPr lang="en-US" sz="1100" b="1" i="0" cap="none" spc="50" dirty="0">
             <a:ln w="13500">
@@ -2043,7 +1330,7 @@
         <a:lstStyle/>
         <a:p>
           <a:r>
-            <a:rPr lang="en-US" sz="1600" b="1" i="0" cap="none" spc="50" dirty="0" smtClean="0">
+            <a:rPr lang="en-US" sz="1400" b="1" i="0" cap="none" spc="50" dirty="0" smtClean="0">
               <a:ln w="13500">
                 <a:solidFill>
                   <a:schemeClr val="accent1">
@@ -2068,61 +1355,8 @@
               <a:latin typeface="Helvetica"/>
               <a:cs typeface="Helvetica"/>
             </a:rPr>
-            <a:t>Climate </a:t>
+            <a:t>Energy distribution</a:t>
           </a:r>
-          <a:r>
-            <a:rPr lang="en-US" sz="1600" b="1" i="0" cap="none" spc="50" dirty="0" err="1" smtClean="0">
-              <a:ln w="13500">
-                <a:solidFill>
-                  <a:schemeClr val="accent1">
-                    <a:shade val="2500"/>
-                    <a:alpha val="6500"/>
-                  </a:schemeClr>
-                </a:solidFill>
-                <a:prstDash val="solid"/>
-              </a:ln>
-              <a:solidFill>
-                <a:srgbClr val="7F7F7F">
-                  <a:alpha val="95000"/>
-                </a:srgbClr>
-              </a:solidFill>
-              <a:effectLst>
-                <a:innerShdw blurRad="50900" dist="38500" dir="13500000">
-                  <a:srgbClr val="000000">
-                    <a:alpha val="60000"/>
-                  </a:srgbClr>
-                </a:innerShdw>
-              </a:effectLst>
-              <a:latin typeface="Helvetica"/>
-              <a:cs typeface="Helvetica"/>
-            </a:rPr>
-            <a:t>contol</a:t>
-          </a:r>
-          <a:endParaRPr lang="en-US" sz="1600" b="1" i="0" cap="none" spc="50" dirty="0">
-            <a:ln w="13500">
-              <a:solidFill>
-                <a:schemeClr val="accent1">
-                  <a:shade val="2500"/>
-                  <a:alpha val="6500"/>
-                </a:schemeClr>
-              </a:solidFill>
-              <a:prstDash val="solid"/>
-            </a:ln>
-            <a:solidFill>
-              <a:srgbClr val="7F7F7F">
-                <a:alpha val="95000"/>
-              </a:srgbClr>
-            </a:solidFill>
-            <a:effectLst>
-              <a:innerShdw blurRad="50900" dist="38500" dir="13500000">
-                <a:srgbClr val="000000">
-                  <a:alpha val="60000"/>
-                </a:srgbClr>
-              </a:innerShdw>
-            </a:effectLst>
-            <a:latin typeface="Helvetica"/>
-            <a:cs typeface="Helvetica"/>
-          </a:endParaRPr>
         </a:p>
       </dgm:t>
     </dgm:pt>
@@ -2438,7 +1672,7 @@
       <dgm:spPr/>
     </dgm:pt>
     <dgm:pt modelId="{1B1B4883-C09D-5D49-A92B-AA337716F45D}" type="pres">
-      <dgm:prSet presAssocID="{77C31904-20FC-AE41-9588-CA866F4DE582}" presName="Child2" presStyleLbl="node1" presStyleIdx="8" presStyleCnt="19">
+      <dgm:prSet presAssocID="{77C31904-20FC-AE41-9588-CA866F4DE582}" presName="Child2" presStyleLbl="node1" presStyleIdx="8" presStyleCnt="19" custScaleX="125658" custScaleY="124791" custLinFactNeighborX="-8482" custLinFactNeighborY="5655">
         <dgm:presLayoutVars>
           <dgm:chMax val="0"/>
           <dgm:chPref val="0"/>
@@ -2562,7 +1796,7 @@
       <dgm:spPr/>
     </dgm:pt>
     <dgm:pt modelId="{6CA3D47C-B4B5-2143-ABF6-27B483DC7E50}" type="pres">
-      <dgm:prSet presAssocID="{6C404DC3-F448-1642-8807-7D80C354B908}" presName="Child4" presStyleLbl="node1" presStyleIdx="14" presStyleCnt="19">
+      <dgm:prSet presAssocID="{6C404DC3-F448-1642-8807-7D80C354B908}" presName="Child4" presStyleLbl="node1" presStyleIdx="14" presStyleCnt="19" custScaleX="125653" custScaleY="120633">
         <dgm:presLayoutVars>
           <dgm:chMax val="0"/>
           <dgm:chPref val="0"/>
@@ -2723,1230 +1957,6 @@
 </dgm:dataModel>
 </file>
 
-<file path=ppt/diagrams/data2.xml><?xml version="1.0" encoding="utf-8"?>
-<dgm:dataModel xmlns:dgm="http://schemas.openxmlformats.org/drawingml/2006/diagram" xmlns:a="http://schemas.openxmlformats.org/drawingml/2006/main">
-  <dgm:ptLst>
-    <dgm:pt modelId="{11E32563-24F8-F343-8CFA-19E855156889}" type="doc">
-      <dgm:prSet loTypeId="urn:microsoft.com/office/officeart/2005/8/layout/StepDownProcess" loCatId="" qsTypeId="urn:microsoft.com/office/officeart/2005/8/quickstyle/simple4" qsCatId="simple" csTypeId="urn:microsoft.com/office/officeart/2005/8/colors/accent1_2" csCatId="accent1" phldr="1"/>
-      <dgm:spPr/>
-      <dgm:t>
-        <a:bodyPr/>
-        <a:lstStyle/>
-        <a:p>
-          <a:endParaRPr lang="en-US"/>
-        </a:p>
-      </dgm:t>
-    </dgm:pt>
-    <dgm:pt modelId="{62D6BF2B-1C84-E142-A168-0CB89B94881A}">
-      <dgm:prSet phldrT="[Text]" custT="1">
-        <dgm:style>
-          <a:lnRef idx="1">
-            <a:schemeClr val="accent3"/>
-          </a:lnRef>
-          <a:fillRef idx="3">
-            <a:schemeClr val="accent3"/>
-          </a:fillRef>
-          <a:effectRef idx="2">
-            <a:schemeClr val="accent3"/>
-          </a:effectRef>
-          <a:fontRef idx="minor">
-            <a:schemeClr val="lt1"/>
-          </a:fontRef>
-        </dgm:style>
-      </dgm:prSet>
-      <dgm:spPr/>
-      <dgm:t>
-        <a:bodyPr>
-          <a:scene3d>
-            <a:camera prst="orthographicFront"/>
-            <a:lightRig rig="soft" dir="t">
-              <a:rot lat="0" lon="0" rev="10800000"/>
-            </a:lightRig>
-          </a:scene3d>
-          <a:sp3d>
-            <a:bevelT w="27940" h="12700"/>
-            <a:contourClr>
-              <a:srgbClr val="DDDDDD"/>
-            </a:contourClr>
-          </a:sp3d>
-        </a:bodyPr>
-        <a:lstStyle/>
-        <a:p>
-          <a:r>
-            <a:rPr lang="en-US" sz="3600" b="1" cap="none" spc="150" dirty="0" smtClean="0">
-              <a:ln w="11430"/>
-              <a:solidFill>
-                <a:srgbClr val="7F7F7F"/>
-              </a:solidFill>
-              <a:effectLst>
-                <a:outerShdw blurRad="25400" algn="tl" rotWithShape="0">
-                  <a:srgbClr val="000000">
-                    <a:alpha val="43000"/>
-                  </a:srgbClr>
-                </a:outerShdw>
-              </a:effectLst>
-              <a:latin typeface="Helvetica"/>
-              <a:cs typeface="Helvetica"/>
-            </a:rPr>
-            <a:t>Input</a:t>
-          </a:r>
-          <a:endParaRPr lang="en-US" sz="3600" b="1" cap="none" spc="150" dirty="0">
-            <a:ln w="11430"/>
-            <a:solidFill>
-              <a:srgbClr val="7F7F7F"/>
-            </a:solidFill>
-            <a:effectLst>
-              <a:outerShdw blurRad="25400" algn="tl" rotWithShape="0">
-                <a:srgbClr val="000000">
-                  <a:alpha val="43000"/>
-                </a:srgbClr>
-              </a:outerShdw>
-            </a:effectLst>
-            <a:latin typeface="Helvetica"/>
-            <a:cs typeface="Helvetica"/>
-          </a:endParaRPr>
-        </a:p>
-      </dgm:t>
-    </dgm:pt>
-    <dgm:pt modelId="{9EF98F74-DD6C-0640-8478-8368A6B302B0}" type="parTrans" cxnId="{E72DB521-8341-0D46-BD2C-747D9A3732DF}">
-      <dgm:prSet/>
-      <dgm:spPr/>
-      <dgm:t>
-        <a:bodyPr/>
-        <a:lstStyle/>
-        <a:p>
-          <a:endParaRPr lang="en-US"/>
-        </a:p>
-      </dgm:t>
-    </dgm:pt>
-    <dgm:pt modelId="{F7A516E0-33D1-8D4D-B784-E4FFEF2AF8F2}" type="sibTrans" cxnId="{E72DB521-8341-0D46-BD2C-747D9A3732DF}">
-      <dgm:prSet/>
-      <dgm:spPr/>
-      <dgm:t>
-        <a:bodyPr/>
-        <a:lstStyle/>
-        <a:p>
-          <a:endParaRPr lang="en-US"/>
-        </a:p>
-      </dgm:t>
-    </dgm:pt>
-    <dgm:pt modelId="{4EF41E53-8515-0042-8D30-916E7C5AC79D}">
-      <dgm:prSet phldrT="[Text]" custT="1"/>
-      <dgm:spPr/>
-      <dgm:t>
-        <a:bodyPr>
-          <a:scene3d>
-            <a:camera prst="orthographicFront"/>
-            <a:lightRig rig="soft" dir="t">
-              <a:rot lat="0" lon="0" rev="10800000"/>
-            </a:lightRig>
-          </a:scene3d>
-          <a:sp3d>
-            <a:bevelT w="27940" h="12700"/>
-            <a:contourClr>
-              <a:srgbClr val="DDDDDD"/>
-            </a:contourClr>
-          </a:sp3d>
-        </a:bodyPr>
-        <a:lstStyle/>
-        <a:p>
-          <a:r>
-            <a:rPr lang="en-US" sz="1800" b="1" cap="none" spc="150" dirty="0" smtClean="0">
-              <a:ln w="11430"/>
-              <a:solidFill>
-                <a:srgbClr val="7F7F7F"/>
-              </a:solidFill>
-              <a:effectLst>
-                <a:outerShdw blurRad="25400" algn="tl" rotWithShape="0">
-                  <a:srgbClr val="000000">
-                    <a:alpha val="43000"/>
-                  </a:srgbClr>
-                </a:outerShdw>
-              </a:effectLst>
-              <a:latin typeface="Helvetica"/>
-              <a:cs typeface="Helvetica"/>
-            </a:rPr>
-            <a:t>Time</a:t>
-          </a:r>
-          <a:endParaRPr lang="en-US" sz="1800" b="1" cap="none" spc="150" dirty="0">
-            <a:ln w="11430"/>
-            <a:solidFill>
-              <a:srgbClr val="7F7F7F"/>
-            </a:solidFill>
-            <a:effectLst>
-              <a:outerShdw blurRad="25400" algn="tl" rotWithShape="0">
-                <a:srgbClr val="000000">
-                  <a:alpha val="43000"/>
-                </a:srgbClr>
-              </a:outerShdw>
-            </a:effectLst>
-            <a:latin typeface="Helvetica"/>
-            <a:cs typeface="Helvetica"/>
-          </a:endParaRPr>
-        </a:p>
-      </dgm:t>
-    </dgm:pt>
-    <dgm:pt modelId="{2B60B3B8-DDBE-5847-96C8-4E23A4F703C3}" type="parTrans" cxnId="{A6A7D0E4-63B8-5F42-83A7-4918C3293A25}">
-      <dgm:prSet/>
-      <dgm:spPr/>
-      <dgm:t>
-        <a:bodyPr/>
-        <a:lstStyle/>
-        <a:p>
-          <a:endParaRPr lang="en-US"/>
-        </a:p>
-      </dgm:t>
-    </dgm:pt>
-    <dgm:pt modelId="{475C8F4E-F5F9-1C48-BA58-C90B44ECD8C7}" type="sibTrans" cxnId="{A6A7D0E4-63B8-5F42-83A7-4918C3293A25}">
-      <dgm:prSet/>
-      <dgm:spPr/>
-      <dgm:t>
-        <a:bodyPr/>
-        <a:lstStyle/>
-        <a:p>
-          <a:endParaRPr lang="en-US"/>
-        </a:p>
-      </dgm:t>
-    </dgm:pt>
-    <dgm:pt modelId="{04FC89DE-7BC9-DE44-8869-CC8098BCEA96}">
-      <dgm:prSet phldrT="[Text]" custT="1">
-        <dgm:style>
-          <a:lnRef idx="1">
-            <a:schemeClr val="accent3"/>
-          </a:lnRef>
-          <a:fillRef idx="3">
-            <a:schemeClr val="accent3"/>
-          </a:fillRef>
-          <a:effectRef idx="2">
-            <a:schemeClr val="accent3"/>
-          </a:effectRef>
-          <a:fontRef idx="minor">
-            <a:schemeClr val="lt1"/>
-          </a:fontRef>
-        </dgm:style>
-      </dgm:prSet>
-      <dgm:spPr/>
-      <dgm:t>
-        <a:bodyPr>
-          <a:scene3d>
-            <a:camera prst="orthographicFront"/>
-            <a:lightRig rig="soft" dir="t">
-              <a:rot lat="0" lon="0" rev="10800000"/>
-            </a:lightRig>
-          </a:scene3d>
-          <a:sp3d>
-            <a:bevelT w="27940" h="12700"/>
-            <a:contourClr>
-              <a:srgbClr val="DDDDDD"/>
-            </a:contourClr>
-          </a:sp3d>
-        </a:bodyPr>
-        <a:lstStyle/>
-        <a:p>
-          <a:r>
-            <a:rPr lang="en-US" sz="3200" b="1" cap="none" spc="150" dirty="0" smtClean="0">
-              <a:ln w="11430"/>
-              <a:solidFill>
-                <a:srgbClr val="7F7F7F"/>
-              </a:solidFill>
-              <a:effectLst>
-                <a:outerShdw blurRad="25400" algn="tl" rotWithShape="0">
-                  <a:srgbClr val="000000">
-                    <a:alpha val="43000"/>
-                  </a:srgbClr>
-                </a:outerShdw>
-              </a:effectLst>
-              <a:latin typeface="Helvetica"/>
-              <a:cs typeface="Helvetica"/>
-            </a:rPr>
-            <a:t>Output</a:t>
-          </a:r>
-          <a:endParaRPr lang="en-US" sz="3200" b="1" cap="none" spc="150" dirty="0">
-            <a:ln w="11430"/>
-            <a:solidFill>
-              <a:srgbClr val="7F7F7F"/>
-            </a:solidFill>
-            <a:effectLst>
-              <a:outerShdw blurRad="25400" algn="tl" rotWithShape="0">
-                <a:srgbClr val="000000">
-                  <a:alpha val="43000"/>
-                </a:srgbClr>
-              </a:outerShdw>
-            </a:effectLst>
-            <a:latin typeface="Helvetica"/>
-            <a:cs typeface="Helvetica"/>
-          </a:endParaRPr>
-        </a:p>
-      </dgm:t>
-    </dgm:pt>
-    <dgm:pt modelId="{7ADBA107-9FB6-2E42-BAF2-B680E482CC00}" type="parTrans" cxnId="{980332DF-F46F-FD4F-9CDF-AB78C3396A82}">
-      <dgm:prSet/>
-      <dgm:spPr/>
-      <dgm:t>
-        <a:bodyPr/>
-        <a:lstStyle/>
-        <a:p>
-          <a:endParaRPr lang="en-US"/>
-        </a:p>
-      </dgm:t>
-    </dgm:pt>
-    <dgm:pt modelId="{91D924BF-E945-F446-88E0-C216BB61704A}" type="sibTrans" cxnId="{980332DF-F46F-FD4F-9CDF-AB78C3396A82}">
-      <dgm:prSet/>
-      <dgm:spPr/>
-      <dgm:t>
-        <a:bodyPr/>
-        <a:lstStyle/>
-        <a:p>
-          <a:endParaRPr lang="en-US"/>
-        </a:p>
-      </dgm:t>
-    </dgm:pt>
-    <dgm:pt modelId="{CCB1894F-17E2-4E49-9FD5-ECFDC5CCA455}">
-      <dgm:prSet phldrT="[Text]" custT="1"/>
-      <dgm:spPr/>
-      <dgm:t>
-        <a:bodyPr>
-          <a:scene3d>
-            <a:camera prst="orthographicFront"/>
-            <a:lightRig rig="soft" dir="t">
-              <a:rot lat="0" lon="0" rev="10800000"/>
-            </a:lightRig>
-          </a:scene3d>
-          <a:sp3d>
-            <a:bevelT w="27940" h="12700"/>
-            <a:contourClr>
-              <a:srgbClr val="DDDDDD"/>
-            </a:contourClr>
-          </a:sp3d>
-        </a:bodyPr>
-        <a:lstStyle/>
-        <a:p>
-          <a:r>
-            <a:rPr lang="en-US" sz="1800" b="1" cap="none" spc="150" dirty="0" smtClean="0">
-              <a:ln w="11430"/>
-              <a:solidFill>
-                <a:srgbClr val="7F7F7F"/>
-              </a:solidFill>
-              <a:effectLst>
-                <a:outerShdw blurRad="25400" algn="tl" rotWithShape="0">
-                  <a:srgbClr val="000000">
-                    <a:alpha val="43000"/>
-                  </a:srgbClr>
-                </a:outerShdw>
-              </a:effectLst>
-              <a:latin typeface="Helvetica"/>
-              <a:cs typeface="Helvetica"/>
-            </a:rPr>
-            <a:t>Digital Report</a:t>
-          </a:r>
-          <a:endParaRPr lang="en-US" sz="1800" b="1" cap="none" spc="150" dirty="0">
-            <a:ln w="11430"/>
-            <a:solidFill>
-              <a:srgbClr val="7F7F7F"/>
-            </a:solidFill>
-            <a:effectLst>
-              <a:outerShdw blurRad="25400" algn="tl" rotWithShape="0">
-                <a:srgbClr val="000000">
-                  <a:alpha val="43000"/>
-                </a:srgbClr>
-              </a:outerShdw>
-            </a:effectLst>
-            <a:latin typeface="Helvetica"/>
-            <a:cs typeface="Helvetica"/>
-          </a:endParaRPr>
-        </a:p>
-      </dgm:t>
-    </dgm:pt>
-    <dgm:pt modelId="{AC574256-F7A3-C445-9681-7A0BA6FBE34E}" type="parTrans" cxnId="{830A66F3-9665-ED45-8104-717DA3EEE22B}">
-      <dgm:prSet/>
-      <dgm:spPr/>
-      <dgm:t>
-        <a:bodyPr/>
-        <a:lstStyle/>
-        <a:p>
-          <a:endParaRPr lang="en-US"/>
-        </a:p>
-      </dgm:t>
-    </dgm:pt>
-    <dgm:pt modelId="{671D4B97-8E4E-5F4D-97E3-CB57F1D8440C}" type="sibTrans" cxnId="{830A66F3-9665-ED45-8104-717DA3EEE22B}">
-      <dgm:prSet/>
-      <dgm:spPr/>
-      <dgm:t>
-        <a:bodyPr/>
-        <a:lstStyle/>
-        <a:p>
-          <a:endParaRPr lang="en-US"/>
-        </a:p>
-      </dgm:t>
-    </dgm:pt>
-    <dgm:pt modelId="{D1FC42DA-F5DC-9A47-8A76-D5DCC56FD871}">
-      <dgm:prSet phldrT="[Text]" custT="1">
-        <dgm:style>
-          <a:lnRef idx="1">
-            <a:schemeClr val="accent3"/>
-          </a:lnRef>
-          <a:fillRef idx="3">
-            <a:schemeClr val="accent3"/>
-          </a:fillRef>
-          <a:effectRef idx="2">
-            <a:schemeClr val="accent3"/>
-          </a:effectRef>
-          <a:fontRef idx="minor">
-            <a:schemeClr val="lt1"/>
-          </a:fontRef>
-        </dgm:style>
-      </dgm:prSet>
-      <dgm:spPr/>
-      <dgm:t>
-        <a:bodyPr>
-          <a:scene3d>
-            <a:camera prst="orthographicFront"/>
-            <a:lightRig rig="soft" dir="t">
-              <a:rot lat="0" lon="0" rev="10800000"/>
-            </a:lightRig>
-          </a:scene3d>
-          <a:sp3d>
-            <a:bevelT w="27940" h="12700"/>
-            <a:contourClr>
-              <a:srgbClr val="DDDDDD"/>
-            </a:contourClr>
-          </a:sp3d>
-        </a:bodyPr>
-        <a:lstStyle/>
-        <a:p>
-          <a:r>
-            <a:rPr lang="en-US" sz="2400" b="1" cap="none" spc="150" dirty="0" smtClean="0">
-              <a:ln w="11430"/>
-              <a:solidFill>
-                <a:srgbClr val="7F7F7F"/>
-              </a:solidFill>
-              <a:effectLst>
-                <a:outerShdw blurRad="25400" algn="tl" rotWithShape="0">
-                  <a:srgbClr val="000000">
-                    <a:alpha val="43000"/>
-                  </a:srgbClr>
-                </a:outerShdw>
-              </a:effectLst>
-              <a:latin typeface="Helvetica"/>
-              <a:cs typeface="Helvetica"/>
-            </a:rPr>
-            <a:t>Outcomes</a:t>
-          </a:r>
-          <a:endParaRPr lang="en-US" sz="2400" b="1" cap="none" spc="150" dirty="0">
-            <a:ln w="11430"/>
-            <a:solidFill>
-              <a:srgbClr val="7F7F7F"/>
-            </a:solidFill>
-            <a:effectLst>
-              <a:outerShdw blurRad="25400" algn="tl" rotWithShape="0">
-                <a:srgbClr val="000000">
-                  <a:alpha val="43000"/>
-                </a:srgbClr>
-              </a:outerShdw>
-            </a:effectLst>
-            <a:latin typeface="Helvetica"/>
-            <a:cs typeface="Helvetica"/>
-          </a:endParaRPr>
-        </a:p>
-      </dgm:t>
-    </dgm:pt>
-    <dgm:pt modelId="{48D1E240-3571-D64A-8F9C-7FAEA408D797}" type="parTrans" cxnId="{13EDE773-AF51-0249-A382-E08B865E7EE0}">
-      <dgm:prSet/>
-      <dgm:spPr/>
-      <dgm:t>
-        <a:bodyPr/>
-        <a:lstStyle/>
-        <a:p>
-          <a:endParaRPr lang="en-US"/>
-        </a:p>
-      </dgm:t>
-    </dgm:pt>
-    <dgm:pt modelId="{07C5A335-AA5D-AB4F-99C5-559045809D67}" type="sibTrans" cxnId="{13EDE773-AF51-0249-A382-E08B865E7EE0}">
-      <dgm:prSet/>
-      <dgm:spPr/>
-      <dgm:t>
-        <a:bodyPr/>
-        <a:lstStyle/>
-        <a:p>
-          <a:endParaRPr lang="en-US"/>
-        </a:p>
-      </dgm:t>
-    </dgm:pt>
-    <dgm:pt modelId="{A9FB0A97-50F4-D148-ADC1-8EE8B023925B}">
-      <dgm:prSet phldrT="[Text]" custT="1"/>
-      <dgm:spPr/>
-      <dgm:t>
-        <a:bodyPr>
-          <a:scene3d>
-            <a:camera prst="orthographicFront"/>
-            <a:lightRig rig="soft" dir="t">
-              <a:rot lat="0" lon="0" rev="10800000"/>
-            </a:lightRig>
-          </a:scene3d>
-          <a:sp3d>
-            <a:bevelT w="27940" h="12700"/>
-            <a:contourClr>
-              <a:srgbClr val="DDDDDD"/>
-            </a:contourClr>
-          </a:sp3d>
-        </a:bodyPr>
-        <a:lstStyle/>
-        <a:p>
-          <a:r>
-            <a:rPr lang="en-US" sz="2000" b="1" cap="none" spc="150" dirty="0" smtClean="0">
-              <a:ln w="11430"/>
-              <a:solidFill>
-                <a:srgbClr val="7F7F7F"/>
-              </a:solidFill>
-              <a:effectLst>
-                <a:outerShdw blurRad="25400" algn="tl" rotWithShape="0">
-                  <a:srgbClr val="000000">
-                    <a:alpha val="43000"/>
-                  </a:srgbClr>
-                </a:outerShdw>
-              </a:effectLst>
-              <a:latin typeface="Helvetica"/>
-              <a:cs typeface="Helvetica"/>
-            </a:rPr>
-            <a:t>Global strategy for Smart Homes</a:t>
-          </a:r>
-          <a:endParaRPr lang="en-US" sz="2000" b="1" cap="none" spc="150" dirty="0">
-            <a:ln w="11430"/>
-            <a:solidFill>
-              <a:srgbClr val="7F7F7F"/>
-            </a:solidFill>
-            <a:effectLst>
-              <a:outerShdw blurRad="25400" algn="tl" rotWithShape="0">
-                <a:srgbClr val="000000">
-                  <a:alpha val="43000"/>
-                </a:srgbClr>
-              </a:outerShdw>
-            </a:effectLst>
-            <a:latin typeface="Helvetica"/>
-            <a:cs typeface="Helvetica"/>
-          </a:endParaRPr>
-        </a:p>
-      </dgm:t>
-    </dgm:pt>
-    <dgm:pt modelId="{D9BA2F65-5E9C-F44A-AC87-FEDA15C05087}" type="parTrans" cxnId="{AF4BA977-87CD-4049-BA50-7F4604D98F07}">
-      <dgm:prSet/>
-      <dgm:spPr/>
-      <dgm:t>
-        <a:bodyPr/>
-        <a:lstStyle/>
-        <a:p>
-          <a:endParaRPr lang="en-US"/>
-        </a:p>
-      </dgm:t>
-    </dgm:pt>
-    <dgm:pt modelId="{C25D9BAE-996D-5143-800C-DAD141A867DE}" type="sibTrans" cxnId="{AF4BA977-87CD-4049-BA50-7F4604D98F07}">
-      <dgm:prSet/>
-      <dgm:spPr/>
-      <dgm:t>
-        <a:bodyPr/>
-        <a:lstStyle/>
-        <a:p>
-          <a:endParaRPr lang="en-US"/>
-        </a:p>
-      </dgm:t>
-    </dgm:pt>
-    <dgm:pt modelId="{D0D9D0C4-370A-1A4C-8BD3-8061C38D6DEF}">
-      <dgm:prSet phldrT="[Text]" custT="1"/>
-      <dgm:spPr/>
-      <dgm:t>
-        <a:bodyPr>
-          <a:scene3d>
-            <a:camera prst="orthographicFront"/>
-            <a:lightRig rig="soft" dir="t">
-              <a:rot lat="0" lon="0" rev="10800000"/>
-            </a:lightRig>
-          </a:scene3d>
-          <a:sp3d>
-            <a:bevelT w="27940" h="12700"/>
-            <a:contourClr>
-              <a:srgbClr val="DDDDDD"/>
-            </a:contourClr>
-          </a:sp3d>
-        </a:bodyPr>
-        <a:lstStyle/>
-        <a:p>
-          <a:r>
-            <a:rPr lang="en-US" sz="1800" b="1" cap="none" spc="150" dirty="0" err="1" smtClean="0">
-              <a:ln w="11430"/>
-              <a:solidFill>
-                <a:srgbClr val="7F7F7F"/>
-              </a:solidFill>
-              <a:effectLst>
-                <a:outerShdw blurRad="25400" algn="tl" rotWithShape="0">
-                  <a:srgbClr val="000000">
-                    <a:alpha val="43000"/>
-                  </a:srgbClr>
-                </a:outerShdw>
-              </a:effectLst>
-              <a:latin typeface="Helvetica"/>
-              <a:cs typeface="Helvetica"/>
-            </a:rPr>
-            <a:t>Knowlegde</a:t>
-          </a:r>
-          <a:endParaRPr lang="en-US" sz="1800" b="1" cap="none" spc="150" dirty="0">
-            <a:ln w="11430"/>
-            <a:solidFill>
-              <a:srgbClr val="7F7F7F"/>
-            </a:solidFill>
-            <a:effectLst>
-              <a:outerShdw blurRad="25400" algn="tl" rotWithShape="0">
-                <a:srgbClr val="000000">
-                  <a:alpha val="43000"/>
-                </a:srgbClr>
-              </a:outerShdw>
-            </a:effectLst>
-            <a:latin typeface="Helvetica"/>
-            <a:cs typeface="Helvetica"/>
-          </a:endParaRPr>
-        </a:p>
-      </dgm:t>
-    </dgm:pt>
-    <dgm:pt modelId="{F4066846-8235-9A41-BA85-4FD82F549474}" type="parTrans" cxnId="{A624FDF0-04CA-864A-BE65-F191E6392BB8}">
-      <dgm:prSet/>
-      <dgm:spPr/>
-      <dgm:t>
-        <a:bodyPr/>
-        <a:lstStyle/>
-        <a:p>
-          <a:endParaRPr lang="en-US"/>
-        </a:p>
-      </dgm:t>
-    </dgm:pt>
-    <dgm:pt modelId="{9457C3FC-A62A-9A43-968A-EFC5DAA6FD69}" type="sibTrans" cxnId="{A624FDF0-04CA-864A-BE65-F191E6392BB8}">
-      <dgm:prSet/>
-      <dgm:spPr/>
-      <dgm:t>
-        <a:bodyPr/>
-        <a:lstStyle/>
-        <a:p>
-          <a:endParaRPr lang="en-US"/>
-        </a:p>
-      </dgm:t>
-    </dgm:pt>
-    <dgm:pt modelId="{8B6708AA-4D1E-614B-9DF5-7441540E187F}">
-      <dgm:prSet phldrT="[Text]" custT="1"/>
-      <dgm:spPr/>
-      <dgm:t>
-        <a:bodyPr>
-          <a:scene3d>
-            <a:camera prst="orthographicFront"/>
-            <a:lightRig rig="soft" dir="t">
-              <a:rot lat="0" lon="0" rev="10800000"/>
-            </a:lightRig>
-          </a:scene3d>
-          <a:sp3d>
-            <a:bevelT w="27940" h="12700"/>
-            <a:contourClr>
-              <a:srgbClr val="DDDDDD"/>
-            </a:contourClr>
-          </a:sp3d>
-        </a:bodyPr>
-        <a:lstStyle/>
-        <a:p>
-          <a:r>
-            <a:rPr lang="en-US" sz="1800" b="1" cap="none" spc="150" dirty="0" smtClean="0">
-              <a:ln w="11430"/>
-              <a:solidFill>
-                <a:srgbClr val="7F7F7F"/>
-              </a:solidFill>
-              <a:effectLst>
-                <a:outerShdw blurRad="25400" algn="tl" rotWithShape="0">
-                  <a:srgbClr val="000000">
-                    <a:alpha val="43000"/>
-                  </a:srgbClr>
-                </a:outerShdw>
-              </a:effectLst>
-              <a:latin typeface="Helvetica"/>
-              <a:cs typeface="Helvetica"/>
-            </a:rPr>
-            <a:t>Effort</a:t>
-          </a:r>
-          <a:endParaRPr lang="en-US" sz="1800" b="1" cap="none" spc="150" dirty="0">
-            <a:ln w="11430"/>
-            <a:solidFill>
-              <a:srgbClr val="7F7F7F"/>
-            </a:solidFill>
-            <a:effectLst>
-              <a:outerShdw blurRad="25400" algn="tl" rotWithShape="0">
-                <a:srgbClr val="000000">
-                  <a:alpha val="43000"/>
-                </a:srgbClr>
-              </a:outerShdw>
-            </a:effectLst>
-            <a:latin typeface="Helvetica"/>
-            <a:cs typeface="Helvetica"/>
-          </a:endParaRPr>
-        </a:p>
-      </dgm:t>
-    </dgm:pt>
-    <dgm:pt modelId="{864666E8-AF0A-C843-AE3C-5696123F94DD}" type="parTrans" cxnId="{6C586B40-3507-2D41-9312-593F5E19D3DD}">
-      <dgm:prSet/>
-      <dgm:spPr/>
-      <dgm:t>
-        <a:bodyPr/>
-        <a:lstStyle/>
-        <a:p>
-          <a:endParaRPr lang="en-US"/>
-        </a:p>
-      </dgm:t>
-    </dgm:pt>
-    <dgm:pt modelId="{1C52FDAE-0557-4B48-8F85-ABCA3E5E24A3}" type="sibTrans" cxnId="{6C586B40-3507-2D41-9312-593F5E19D3DD}">
-      <dgm:prSet/>
-      <dgm:spPr/>
-      <dgm:t>
-        <a:bodyPr/>
-        <a:lstStyle/>
-        <a:p>
-          <a:endParaRPr lang="en-US"/>
-        </a:p>
-      </dgm:t>
-    </dgm:pt>
-    <dgm:pt modelId="{6B494264-18C8-574E-92E0-2464A13C2A67}">
-      <dgm:prSet phldrT="[Text]" custT="1"/>
-      <dgm:spPr/>
-      <dgm:t>
-        <a:bodyPr>
-          <a:scene3d>
-            <a:camera prst="orthographicFront"/>
-            <a:lightRig rig="soft" dir="t">
-              <a:rot lat="0" lon="0" rev="10800000"/>
-            </a:lightRig>
-          </a:scene3d>
-          <a:sp3d>
-            <a:bevelT w="27940" h="12700"/>
-            <a:contourClr>
-              <a:srgbClr val="DDDDDD"/>
-            </a:contourClr>
-          </a:sp3d>
-        </a:bodyPr>
-        <a:lstStyle/>
-        <a:p>
-          <a:r>
-            <a:rPr lang="en-US" sz="1800" b="1" cap="none" spc="150" dirty="0" smtClean="0">
-              <a:ln w="11430"/>
-              <a:solidFill>
-                <a:srgbClr val="7F7F7F"/>
-              </a:solidFill>
-              <a:effectLst>
-                <a:outerShdw blurRad="25400" algn="tl" rotWithShape="0">
-                  <a:srgbClr val="000000">
-                    <a:alpha val="43000"/>
-                  </a:srgbClr>
-                </a:outerShdw>
-              </a:effectLst>
-              <a:latin typeface="Helvetica"/>
-              <a:cs typeface="Helvetica"/>
-            </a:rPr>
-            <a:t>Funds</a:t>
-          </a:r>
-          <a:endParaRPr lang="en-US" sz="1800" b="1" cap="none" spc="150" dirty="0">
-            <a:ln w="11430"/>
-            <a:solidFill>
-              <a:srgbClr val="7F7F7F"/>
-            </a:solidFill>
-            <a:effectLst>
-              <a:outerShdw blurRad="25400" algn="tl" rotWithShape="0">
-                <a:srgbClr val="000000">
-                  <a:alpha val="43000"/>
-                </a:srgbClr>
-              </a:outerShdw>
-            </a:effectLst>
-            <a:latin typeface="Helvetica"/>
-            <a:cs typeface="Helvetica"/>
-          </a:endParaRPr>
-        </a:p>
-      </dgm:t>
-    </dgm:pt>
-    <dgm:pt modelId="{60B2F93F-1C4C-C84A-9B9E-9F77F790D803}" type="parTrans" cxnId="{12A41572-B76D-5845-9D05-D3972207CED5}">
-      <dgm:prSet/>
-      <dgm:spPr/>
-      <dgm:t>
-        <a:bodyPr/>
-        <a:lstStyle/>
-        <a:p>
-          <a:endParaRPr lang="en-US"/>
-        </a:p>
-      </dgm:t>
-    </dgm:pt>
-    <dgm:pt modelId="{6DA4B824-C373-D441-9D00-D2163A7D6D3C}" type="sibTrans" cxnId="{12A41572-B76D-5845-9D05-D3972207CED5}">
-      <dgm:prSet/>
-      <dgm:spPr/>
-      <dgm:t>
-        <a:bodyPr/>
-        <a:lstStyle/>
-        <a:p>
-          <a:endParaRPr lang="en-US"/>
-        </a:p>
-      </dgm:t>
-    </dgm:pt>
-    <dgm:pt modelId="{79533341-72EA-1948-8C13-8690B9141B3B}">
-      <dgm:prSet phldrT="[Text]" custT="1"/>
-      <dgm:spPr/>
-      <dgm:t>
-        <a:bodyPr>
-          <a:scene3d>
-            <a:camera prst="orthographicFront"/>
-            <a:lightRig rig="soft" dir="t">
-              <a:rot lat="0" lon="0" rev="10800000"/>
-            </a:lightRig>
-          </a:scene3d>
-          <a:sp3d>
-            <a:bevelT w="27940" h="12700"/>
-            <a:contourClr>
-              <a:srgbClr val="DDDDDD"/>
-            </a:contourClr>
-          </a:sp3d>
-        </a:bodyPr>
-        <a:lstStyle/>
-        <a:p>
-          <a:r>
-            <a:rPr lang="en-US" sz="1800" b="1" cap="none" spc="150" dirty="0" err="1" smtClean="0">
-              <a:ln w="11430"/>
-              <a:solidFill>
-                <a:srgbClr val="7F7F7F"/>
-              </a:solidFill>
-              <a:effectLst>
-                <a:outerShdw blurRad="25400" algn="tl" rotWithShape="0">
-                  <a:srgbClr val="000000">
-                    <a:alpha val="43000"/>
-                  </a:srgbClr>
-                </a:outerShdw>
-              </a:effectLst>
-              <a:latin typeface="Helvetica"/>
-              <a:cs typeface="Helvetica"/>
-            </a:rPr>
-            <a:t>Git</a:t>
-          </a:r>
-          <a:r>
-            <a:rPr lang="en-US" sz="1800" b="1" cap="none" spc="150" dirty="0" smtClean="0">
-              <a:ln w="11430"/>
-              <a:solidFill>
-                <a:srgbClr val="7F7F7F"/>
-              </a:solidFill>
-              <a:effectLst>
-                <a:outerShdw blurRad="25400" algn="tl" rotWithShape="0">
-                  <a:srgbClr val="000000">
-                    <a:alpha val="43000"/>
-                  </a:srgbClr>
-                </a:outerShdw>
-              </a:effectLst>
-              <a:latin typeface="Helvetica"/>
-              <a:cs typeface="Helvetica"/>
-            </a:rPr>
-            <a:t> Record</a:t>
-          </a:r>
-          <a:endParaRPr lang="en-US" sz="1800" b="1" cap="none" spc="150" dirty="0">
-            <a:ln w="11430"/>
-            <a:solidFill>
-              <a:srgbClr val="7F7F7F"/>
-            </a:solidFill>
-            <a:effectLst>
-              <a:outerShdw blurRad="25400" algn="tl" rotWithShape="0">
-                <a:srgbClr val="000000">
-                  <a:alpha val="43000"/>
-                </a:srgbClr>
-              </a:outerShdw>
-            </a:effectLst>
-            <a:latin typeface="Helvetica"/>
-            <a:cs typeface="Helvetica"/>
-          </a:endParaRPr>
-        </a:p>
-      </dgm:t>
-    </dgm:pt>
-    <dgm:pt modelId="{E83CFEA9-BA1D-E843-A3FA-DA8F5F8179D3}" type="parTrans" cxnId="{26FF3AE8-180C-854D-8474-6A994040ACFD}">
-      <dgm:prSet/>
-      <dgm:spPr/>
-      <dgm:t>
-        <a:bodyPr/>
-        <a:lstStyle/>
-        <a:p>
-          <a:endParaRPr lang="en-US"/>
-        </a:p>
-      </dgm:t>
-    </dgm:pt>
-    <dgm:pt modelId="{E607E815-5E71-BF45-B1DF-7E24E9FFF2C5}" type="sibTrans" cxnId="{26FF3AE8-180C-854D-8474-6A994040ACFD}">
-      <dgm:prSet/>
-      <dgm:spPr/>
-      <dgm:t>
-        <a:bodyPr/>
-        <a:lstStyle/>
-        <a:p>
-          <a:endParaRPr lang="en-US"/>
-        </a:p>
-      </dgm:t>
-    </dgm:pt>
-    <dgm:pt modelId="{17EB5BDF-0510-5B43-9F6B-37051B644F77}">
-      <dgm:prSet phldrT="[Text]" custT="1"/>
-      <dgm:spPr/>
-      <dgm:t>
-        <a:bodyPr>
-          <a:scene3d>
-            <a:camera prst="orthographicFront"/>
-            <a:lightRig rig="soft" dir="t">
-              <a:rot lat="0" lon="0" rev="10800000"/>
-            </a:lightRig>
-          </a:scene3d>
-          <a:sp3d>
-            <a:bevelT w="27940" h="12700"/>
-            <a:contourClr>
-              <a:srgbClr val="DDDDDD"/>
-            </a:contourClr>
-          </a:sp3d>
-        </a:bodyPr>
-        <a:lstStyle/>
-        <a:p>
-          <a:r>
-            <a:rPr lang="en-US" sz="1800" b="1" cap="none" spc="150" dirty="0" smtClean="0">
-              <a:ln w="11430"/>
-              <a:solidFill>
-                <a:srgbClr val="7F7F7F"/>
-              </a:solidFill>
-              <a:effectLst>
-                <a:outerShdw blurRad="25400" algn="tl" rotWithShape="0">
-                  <a:srgbClr val="000000">
-                    <a:alpha val="43000"/>
-                  </a:srgbClr>
-                </a:outerShdw>
-              </a:effectLst>
-              <a:latin typeface="Helvetica"/>
-              <a:cs typeface="Helvetica"/>
-            </a:rPr>
-            <a:t>Printed Report</a:t>
-          </a:r>
-          <a:endParaRPr lang="en-US" sz="1800" b="1" cap="none" spc="150" dirty="0">
-            <a:ln w="11430"/>
-            <a:solidFill>
-              <a:srgbClr val="7F7F7F"/>
-            </a:solidFill>
-            <a:effectLst>
-              <a:outerShdw blurRad="25400" algn="tl" rotWithShape="0">
-                <a:srgbClr val="000000">
-                  <a:alpha val="43000"/>
-                </a:srgbClr>
-              </a:outerShdw>
-            </a:effectLst>
-            <a:latin typeface="Helvetica"/>
-            <a:cs typeface="Helvetica"/>
-          </a:endParaRPr>
-        </a:p>
-      </dgm:t>
-    </dgm:pt>
-    <dgm:pt modelId="{CAC42862-5908-6143-BBF7-7D2AAF04F2BD}" type="parTrans" cxnId="{74FCEA6E-B1C0-3D4F-9651-32F34396EA63}">
-      <dgm:prSet/>
-      <dgm:spPr/>
-      <dgm:t>
-        <a:bodyPr/>
-        <a:lstStyle/>
-        <a:p>
-          <a:endParaRPr lang="en-US"/>
-        </a:p>
-      </dgm:t>
-    </dgm:pt>
-    <dgm:pt modelId="{C24E9E28-8D86-AE42-BABD-48181FF2608B}" type="sibTrans" cxnId="{74FCEA6E-B1C0-3D4F-9651-32F34396EA63}">
-      <dgm:prSet/>
-      <dgm:spPr/>
-      <dgm:t>
-        <a:bodyPr/>
-        <a:lstStyle/>
-        <a:p>
-          <a:endParaRPr lang="en-US"/>
-        </a:p>
-      </dgm:t>
-    </dgm:pt>
-    <dgm:pt modelId="{91C9A374-25E8-F44E-98A6-26FE9D2814B4}" type="pres">
-      <dgm:prSet presAssocID="{11E32563-24F8-F343-8CFA-19E855156889}" presName="rootnode" presStyleCnt="0">
-        <dgm:presLayoutVars>
-          <dgm:chMax/>
-          <dgm:chPref/>
-          <dgm:dir/>
-          <dgm:animLvl val="lvl"/>
-        </dgm:presLayoutVars>
-      </dgm:prSet>
-      <dgm:spPr/>
-      <dgm:t>
-        <a:bodyPr/>
-        <a:lstStyle/>
-        <a:p>
-          <a:endParaRPr lang="en-US"/>
-        </a:p>
-      </dgm:t>
-    </dgm:pt>
-    <dgm:pt modelId="{6E5C8309-5BF6-5E45-9D11-2EA30BA870E6}" type="pres">
-      <dgm:prSet presAssocID="{62D6BF2B-1C84-E142-A168-0CB89B94881A}" presName="composite" presStyleCnt="0"/>
-      <dgm:spPr/>
-    </dgm:pt>
-    <dgm:pt modelId="{E723D4A8-8B13-8541-A3D9-CC17D9F79DA1}" type="pres">
-      <dgm:prSet presAssocID="{62D6BF2B-1C84-E142-A168-0CB89B94881A}" presName="bentUpArrow1" presStyleLbl="alignImgPlace1" presStyleIdx="0" presStyleCnt="2" custLinFactNeighborX="18225" custLinFactNeighborY="0">
-        <dgm:style>
-          <a:lnRef idx="1">
-            <a:schemeClr val="dk1"/>
-          </a:lnRef>
-          <a:fillRef idx="2">
-            <a:schemeClr val="dk1"/>
-          </a:fillRef>
-          <a:effectRef idx="1">
-            <a:schemeClr val="dk1"/>
-          </a:effectRef>
-          <a:fontRef idx="minor">
-            <a:schemeClr val="dk1"/>
-          </a:fontRef>
-        </dgm:style>
-      </dgm:prSet>
-      <dgm:spPr>
-        <a:gradFill flip="none" rotWithShape="0">
-          <a:gsLst>
-            <a:gs pos="0">
-              <a:schemeClr val="dk1">
-                <a:tint val="50000"/>
-                <a:satMod val="300000"/>
-                <a:alpha val="24000"/>
-              </a:schemeClr>
-            </a:gs>
-            <a:gs pos="35000">
-              <a:schemeClr val="dk1">
-                <a:tint val="37000"/>
-                <a:satMod val="300000"/>
-                <a:alpha val="24000"/>
-              </a:schemeClr>
-            </a:gs>
-            <a:gs pos="100000">
-              <a:schemeClr val="dk1">
-                <a:tint val="15000"/>
-                <a:satMod val="350000"/>
-                <a:alpha val="24000"/>
-              </a:schemeClr>
-            </a:gs>
-          </a:gsLst>
-          <a:lin ang="16200000" scaled="1"/>
-          <a:tileRect/>
-        </a:gradFill>
-        <a:ln>
-          <a:noFill/>
-        </a:ln>
-      </dgm:spPr>
-    </dgm:pt>
-    <dgm:pt modelId="{3D508DA1-5FC9-EC42-8125-14CCFB03DA1D}" type="pres">
-      <dgm:prSet presAssocID="{62D6BF2B-1C84-E142-A168-0CB89B94881A}" presName="ParentText" presStyleLbl="node1" presStyleIdx="0" presStyleCnt="3">
-        <dgm:presLayoutVars>
-          <dgm:chMax val="1"/>
-          <dgm:chPref val="1"/>
-          <dgm:bulletEnabled val="1"/>
-        </dgm:presLayoutVars>
-      </dgm:prSet>
-      <dgm:spPr/>
-      <dgm:t>
-        <a:bodyPr/>
-        <a:lstStyle/>
-        <a:p>
-          <a:endParaRPr lang="en-US"/>
-        </a:p>
-      </dgm:t>
-    </dgm:pt>
-    <dgm:pt modelId="{1E5CEC14-2D92-4649-AD90-9D56647742EF}" type="pres">
-      <dgm:prSet presAssocID="{62D6BF2B-1C84-E142-A168-0CB89B94881A}" presName="ChildText" presStyleLbl="revTx" presStyleIdx="0" presStyleCnt="3" custScaleX="151507" custLinFactNeighborX="33890" custLinFactNeighborY="2179">
-        <dgm:presLayoutVars>
-          <dgm:chMax val="0"/>
-          <dgm:chPref val="0"/>
-          <dgm:bulletEnabled val="1"/>
-        </dgm:presLayoutVars>
-      </dgm:prSet>
-      <dgm:spPr/>
-      <dgm:t>
-        <a:bodyPr/>
-        <a:lstStyle/>
-        <a:p>
-          <a:endParaRPr lang="en-US"/>
-        </a:p>
-      </dgm:t>
-    </dgm:pt>
-    <dgm:pt modelId="{C08F4A84-1E3F-1B4B-A56C-0BBFE36D6E71}" type="pres">
-      <dgm:prSet presAssocID="{F7A516E0-33D1-8D4D-B784-E4FFEF2AF8F2}" presName="sibTrans" presStyleCnt="0"/>
-      <dgm:spPr/>
-    </dgm:pt>
-    <dgm:pt modelId="{FD2540D9-23C7-DA4A-874C-AB73C462C87F}" type="pres">
-      <dgm:prSet presAssocID="{04FC89DE-7BC9-DE44-8869-CC8098BCEA96}" presName="composite" presStyleCnt="0"/>
-      <dgm:spPr/>
-    </dgm:pt>
-    <dgm:pt modelId="{2B3EAB0C-7911-1647-9226-2C37E017C917}" type="pres">
-      <dgm:prSet presAssocID="{04FC89DE-7BC9-DE44-8869-CC8098BCEA96}" presName="bentUpArrow1" presStyleLbl="alignImgPlace1" presStyleIdx="1" presStyleCnt="2" custLinFactNeighborX="18225" custLinFactNeighborY="-1038">
-        <dgm:style>
-          <a:lnRef idx="1">
-            <a:schemeClr val="dk1"/>
-          </a:lnRef>
-          <a:fillRef idx="2">
-            <a:schemeClr val="dk1"/>
-          </a:fillRef>
-          <a:effectRef idx="1">
-            <a:schemeClr val="dk1"/>
-          </a:effectRef>
-          <a:fontRef idx="minor">
-            <a:schemeClr val="dk1"/>
-          </a:fontRef>
-        </dgm:style>
-      </dgm:prSet>
-      <dgm:spPr>
-        <a:gradFill flip="none" rotWithShape="0">
-          <a:gsLst>
-            <a:gs pos="0">
-              <a:schemeClr val="dk1">
-                <a:tint val="50000"/>
-                <a:satMod val="300000"/>
-                <a:alpha val="24000"/>
-              </a:schemeClr>
-            </a:gs>
-            <a:gs pos="35000">
-              <a:schemeClr val="dk1">
-                <a:tint val="37000"/>
-                <a:satMod val="300000"/>
-                <a:alpha val="24000"/>
-              </a:schemeClr>
-            </a:gs>
-            <a:gs pos="100000">
-              <a:schemeClr val="dk1">
-                <a:tint val="15000"/>
-                <a:satMod val="350000"/>
-                <a:alpha val="24000"/>
-              </a:schemeClr>
-            </a:gs>
-          </a:gsLst>
-          <a:lin ang="16200000" scaled="1"/>
-          <a:tileRect/>
-        </a:gradFill>
-        <a:ln>
-          <a:noFill/>
-        </a:ln>
-      </dgm:spPr>
-    </dgm:pt>
-    <dgm:pt modelId="{233DF953-5151-3543-BF15-395C4205D29B}" type="pres">
-      <dgm:prSet presAssocID="{04FC89DE-7BC9-DE44-8869-CC8098BCEA96}" presName="ParentText" presStyleLbl="node1" presStyleIdx="1" presStyleCnt="3">
-        <dgm:presLayoutVars>
-          <dgm:chMax val="1"/>
-          <dgm:chPref val="1"/>
-          <dgm:bulletEnabled val="1"/>
-        </dgm:presLayoutVars>
-      </dgm:prSet>
-      <dgm:spPr/>
-      <dgm:t>
-        <a:bodyPr/>
-        <a:lstStyle/>
-        <a:p>
-          <a:endParaRPr lang="en-US"/>
-        </a:p>
-      </dgm:t>
-    </dgm:pt>
-    <dgm:pt modelId="{B1949324-F429-E943-8604-AE519D7DB3F6}" type="pres">
-      <dgm:prSet presAssocID="{04FC89DE-7BC9-DE44-8869-CC8098BCEA96}" presName="ChildText" presStyleLbl="revTx" presStyleIdx="1" presStyleCnt="3" custScaleX="194652" custLinFactNeighborX="53381">
-        <dgm:presLayoutVars>
-          <dgm:chMax val="0"/>
-          <dgm:chPref val="0"/>
-          <dgm:bulletEnabled val="1"/>
-        </dgm:presLayoutVars>
-      </dgm:prSet>
-      <dgm:spPr/>
-      <dgm:t>
-        <a:bodyPr/>
-        <a:lstStyle/>
-        <a:p>
-          <a:endParaRPr lang="en-US"/>
-        </a:p>
-      </dgm:t>
-    </dgm:pt>
-    <dgm:pt modelId="{1B54B82C-739B-1F46-933E-02371EA5B520}" type="pres">
-      <dgm:prSet presAssocID="{91D924BF-E945-F446-88E0-C216BB61704A}" presName="sibTrans" presStyleCnt="0"/>
-      <dgm:spPr/>
-    </dgm:pt>
-    <dgm:pt modelId="{F3163B87-BC3C-9846-814A-A353E245787E}" type="pres">
-      <dgm:prSet presAssocID="{D1FC42DA-F5DC-9A47-8A76-D5DCC56FD871}" presName="composite" presStyleCnt="0"/>
-      <dgm:spPr/>
-    </dgm:pt>
-    <dgm:pt modelId="{47653E83-8507-5144-9599-9F549F208820}" type="pres">
-      <dgm:prSet presAssocID="{D1FC42DA-F5DC-9A47-8A76-D5DCC56FD871}" presName="ParentText" presStyleLbl="node1" presStyleIdx="2" presStyleCnt="3">
-        <dgm:presLayoutVars>
-          <dgm:chMax val="1"/>
-          <dgm:chPref val="1"/>
-          <dgm:bulletEnabled val="1"/>
-        </dgm:presLayoutVars>
-      </dgm:prSet>
-      <dgm:spPr/>
-      <dgm:t>
-        <a:bodyPr/>
-        <a:lstStyle/>
-        <a:p>
-          <a:endParaRPr lang="en-US"/>
-        </a:p>
-      </dgm:t>
-    </dgm:pt>
-    <dgm:pt modelId="{9FD8DC8B-AE38-004F-AAE1-BFE0E9A45867}" type="pres">
-      <dgm:prSet presAssocID="{D1FC42DA-F5DC-9A47-8A76-D5DCC56FD871}" presName="FinalChildText" presStyleLbl="revTx" presStyleIdx="2" presStyleCnt="3" custScaleX="136816" custLinFactNeighborX="22125" custLinFactNeighborY="1089">
-        <dgm:presLayoutVars>
-          <dgm:chMax val="0"/>
-          <dgm:chPref val="0"/>
-          <dgm:bulletEnabled val="1"/>
-        </dgm:presLayoutVars>
-      </dgm:prSet>
-      <dgm:spPr/>
-      <dgm:t>
-        <a:bodyPr/>
-        <a:lstStyle/>
-        <a:p>
-          <a:endParaRPr lang="en-US"/>
-        </a:p>
-      </dgm:t>
-    </dgm:pt>
-  </dgm:ptLst>
-  <dgm:cxnLst>
-    <dgm:cxn modelId="{59B30A10-64EE-984D-8803-E16EEE09591F}" type="presOf" srcId="{CCB1894F-17E2-4E49-9FD5-ECFDC5CCA455}" destId="{B1949324-F429-E943-8604-AE519D7DB3F6}" srcOrd="0" destOrd="1" presId="urn:microsoft.com/office/officeart/2005/8/layout/StepDownProcess"/>
-    <dgm:cxn modelId="{64A04C36-DC36-9A4C-AEAF-CF97F779FABE}" type="presOf" srcId="{6B494264-18C8-574E-92E0-2464A13C2A67}" destId="{1E5CEC14-2D92-4649-AD90-9D56647742EF}" srcOrd="0" destOrd="3" presId="urn:microsoft.com/office/officeart/2005/8/layout/StepDownProcess"/>
-    <dgm:cxn modelId="{1C2C25AE-27CB-2E49-BDAD-8DDF3DCBC011}" type="presOf" srcId="{D1FC42DA-F5DC-9A47-8A76-D5DCC56FD871}" destId="{47653E83-8507-5144-9599-9F549F208820}" srcOrd="0" destOrd="0" presId="urn:microsoft.com/office/officeart/2005/8/layout/StepDownProcess"/>
-    <dgm:cxn modelId="{A624FDF0-04CA-864A-BE65-F191E6392BB8}" srcId="{62D6BF2B-1C84-E142-A168-0CB89B94881A}" destId="{D0D9D0C4-370A-1A4C-8BD3-8061C38D6DEF}" srcOrd="1" destOrd="0" parTransId="{F4066846-8235-9A41-BA85-4FD82F549474}" sibTransId="{9457C3FC-A62A-9A43-968A-EFC5DAA6FD69}"/>
-    <dgm:cxn modelId="{A6A7D0E4-63B8-5F42-83A7-4918C3293A25}" srcId="{62D6BF2B-1C84-E142-A168-0CB89B94881A}" destId="{4EF41E53-8515-0042-8D30-916E7C5AC79D}" srcOrd="0" destOrd="0" parTransId="{2B60B3B8-DDBE-5847-96C8-4E23A4F703C3}" sibTransId="{475C8F4E-F5F9-1C48-BA58-C90B44ECD8C7}"/>
-    <dgm:cxn modelId="{3E854A7E-19F0-7C49-8019-B33B69E6BAA8}" type="presOf" srcId="{79533341-72EA-1948-8C13-8690B9141B3B}" destId="{B1949324-F429-E943-8604-AE519D7DB3F6}" srcOrd="0" destOrd="2" presId="urn:microsoft.com/office/officeart/2005/8/layout/StepDownProcess"/>
-    <dgm:cxn modelId="{6BFA6F5C-31E1-C84C-AAF0-0C05E97CAF7C}" type="presOf" srcId="{04FC89DE-7BC9-DE44-8869-CC8098BCEA96}" destId="{233DF953-5151-3543-BF15-395C4205D29B}" srcOrd="0" destOrd="0" presId="urn:microsoft.com/office/officeart/2005/8/layout/StepDownProcess"/>
-    <dgm:cxn modelId="{AF4BA977-87CD-4049-BA50-7F4604D98F07}" srcId="{D1FC42DA-F5DC-9A47-8A76-D5DCC56FD871}" destId="{A9FB0A97-50F4-D148-ADC1-8EE8B023925B}" srcOrd="0" destOrd="0" parTransId="{D9BA2F65-5E9C-F44A-AC87-FEDA15C05087}" sibTransId="{C25D9BAE-996D-5143-800C-DAD141A867DE}"/>
-    <dgm:cxn modelId="{26FF3AE8-180C-854D-8474-6A994040ACFD}" srcId="{04FC89DE-7BC9-DE44-8869-CC8098BCEA96}" destId="{79533341-72EA-1948-8C13-8690B9141B3B}" srcOrd="2" destOrd="0" parTransId="{E83CFEA9-BA1D-E843-A3FA-DA8F5F8179D3}" sibTransId="{E607E815-5E71-BF45-B1DF-7E24E9FFF2C5}"/>
-    <dgm:cxn modelId="{13EDE773-AF51-0249-A382-E08B865E7EE0}" srcId="{11E32563-24F8-F343-8CFA-19E855156889}" destId="{D1FC42DA-F5DC-9A47-8A76-D5DCC56FD871}" srcOrd="2" destOrd="0" parTransId="{48D1E240-3571-D64A-8F9C-7FAEA408D797}" sibTransId="{07C5A335-AA5D-AB4F-99C5-559045809D67}"/>
-    <dgm:cxn modelId="{830A66F3-9665-ED45-8104-717DA3EEE22B}" srcId="{04FC89DE-7BC9-DE44-8869-CC8098BCEA96}" destId="{CCB1894F-17E2-4E49-9FD5-ECFDC5CCA455}" srcOrd="1" destOrd="0" parTransId="{AC574256-F7A3-C445-9681-7A0BA6FBE34E}" sibTransId="{671D4B97-8E4E-5F4D-97E3-CB57F1D8440C}"/>
-    <dgm:cxn modelId="{3683E9B5-473C-6B49-8B14-3154C8D3EEA8}" type="presOf" srcId="{A9FB0A97-50F4-D148-ADC1-8EE8B023925B}" destId="{9FD8DC8B-AE38-004F-AAE1-BFE0E9A45867}" srcOrd="0" destOrd="0" presId="urn:microsoft.com/office/officeart/2005/8/layout/StepDownProcess"/>
-    <dgm:cxn modelId="{74FCEA6E-B1C0-3D4F-9651-32F34396EA63}" srcId="{04FC89DE-7BC9-DE44-8869-CC8098BCEA96}" destId="{17EB5BDF-0510-5B43-9F6B-37051B644F77}" srcOrd="0" destOrd="0" parTransId="{CAC42862-5908-6143-BBF7-7D2AAF04F2BD}" sibTransId="{C24E9E28-8D86-AE42-BABD-48181FF2608B}"/>
-    <dgm:cxn modelId="{E72DB521-8341-0D46-BD2C-747D9A3732DF}" srcId="{11E32563-24F8-F343-8CFA-19E855156889}" destId="{62D6BF2B-1C84-E142-A168-0CB89B94881A}" srcOrd="0" destOrd="0" parTransId="{9EF98F74-DD6C-0640-8478-8368A6B302B0}" sibTransId="{F7A516E0-33D1-8D4D-B784-E4FFEF2AF8F2}"/>
-    <dgm:cxn modelId="{12A41572-B76D-5845-9D05-D3972207CED5}" srcId="{62D6BF2B-1C84-E142-A168-0CB89B94881A}" destId="{6B494264-18C8-574E-92E0-2464A13C2A67}" srcOrd="3" destOrd="0" parTransId="{60B2F93F-1C4C-C84A-9B9E-9F77F790D803}" sibTransId="{6DA4B824-C373-D441-9D00-D2163A7D6D3C}"/>
-    <dgm:cxn modelId="{6C586B40-3507-2D41-9312-593F5E19D3DD}" srcId="{62D6BF2B-1C84-E142-A168-0CB89B94881A}" destId="{8B6708AA-4D1E-614B-9DF5-7441540E187F}" srcOrd="2" destOrd="0" parTransId="{864666E8-AF0A-C843-AE3C-5696123F94DD}" sibTransId="{1C52FDAE-0557-4B48-8F85-ABCA3E5E24A3}"/>
-    <dgm:cxn modelId="{C8283240-84E2-2841-81FA-387D814A2ABE}" type="presOf" srcId="{11E32563-24F8-F343-8CFA-19E855156889}" destId="{91C9A374-25E8-F44E-98A6-26FE9D2814B4}" srcOrd="0" destOrd="0" presId="urn:microsoft.com/office/officeart/2005/8/layout/StepDownProcess"/>
-    <dgm:cxn modelId="{1FAA51BD-4C84-0244-A14D-09D08365D956}" type="presOf" srcId="{17EB5BDF-0510-5B43-9F6B-37051B644F77}" destId="{B1949324-F429-E943-8604-AE519D7DB3F6}" srcOrd="0" destOrd="0" presId="urn:microsoft.com/office/officeart/2005/8/layout/StepDownProcess"/>
-    <dgm:cxn modelId="{949D892C-9B1B-804C-B360-C0C8A2C31BF3}" type="presOf" srcId="{62D6BF2B-1C84-E142-A168-0CB89B94881A}" destId="{3D508DA1-5FC9-EC42-8125-14CCFB03DA1D}" srcOrd="0" destOrd="0" presId="urn:microsoft.com/office/officeart/2005/8/layout/StepDownProcess"/>
-    <dgm:cxn modelId="{35F4A71F-6359-2346-9649-12FEEFDE921D}" type="presOf" srcId="{4EF41E53-8515-0042-8D30-916E7C5AC79D}" destId="{1E5CEC14-2D92-4649-AD90-9D56647742EF}" srcOrd="0" destOrd="0" presId="urn:microsoft.com/office/officeart/2005/8/layout/StepDownProcess"/>
-    <dgm:cxn modelId="{980332DF-F46F-FD4F-9CDF-AB78C3396A82}" srcId="{11E32563-24F8-F343-8CFA-19E855156889}" destId="{04FC89DE-7BC9-DE44-8869-CC8098BCEA96}" srcOrd="1" destOrd="0" parTransId="{7ADBA107-9FB6-2E42-BAF2-B680E482CC00}" sibTransId="{91D924BF-E945-F446-88E0-C216BB61704A}"/>
-    <dgm:cxn modelId="{441E1DDC-DECB-B743-93A5-536D92B25321}" type="presOf" srcId="{D0D9D0C4-370A-1A4C-8BD3-8061C38D6DEF}" destId="{1E5CEC14-2D92-4649-AD90-9D56647742EF}" srcOrd="0" destOrd="1" presId="urn:microsoft.com/office/officeart/2005/8/layout/StepDownProcess"/>
-    <dgm:cxn modelId="{75442D96-CB1A-0048-B118-ED54142B2D51}" type="presOf" srcId="{8B6708AA-4D1E-614B-9DF5-7441540E187F}" destId="{1E5CEC14-2D92-4649-AD90-9D56647742EF}" srcOrd="0" destOrd="2" presId="urn:microsoft.com/office/officeart/2005/8/layout/StepDownProcess"/>
-    <dgm:cxn modelId="{E8DC5FD1-8C26-0042-B710-2C3211D8546E}" type="presParOf" srcId="{91C9A374-25E8-F44E-98A6-26FE9D2814B4}" destId="{6E5C8309-5BF6-5E45-9D11-2EA30BA870E6}" srcOrd="0" destOrd="0" presId="urn:microsoft.com/office/officeart/2005/8/layout/StepDownProcess"/>
-    <dgm:cxn modelId="{5AA4F7C4-785F-DE4D-9EE7-300B3C02FFB6}" type="presParOf" srcId="{6E5C8309-5BF6-5E45-9D11-2EA30BA870E6}" destId="{E723D4A8-8B13-8541-A3D9-CC17D9F79DA1}" srcOrd="0" destOrd="0" presId="urn:microsoft.com/office/officeart/2005/8/layout/StepDownProcess"/>
-    <dgm:cxn modelId="{E598F8AD-A3A4-3E41-8A52-E48BE118CF55}" type="presParOf" srcId="{6E5C8309-5BF6-5E45-9D11-2EA30BA870E6}" destId="{3D508DA1-5FC9-EC42-8125-14CCFB03DA1D}" srcOrd="1" destOrd="0" presId="urn:microsoft.com/office/officeart/2005/8/layout/StepDownProcess"/>
-    <dgm:cxn modelId="{197ADCD0-2F8E-C442-8F38-45CFB1559C34}" type="presParOf" srcId="{6E5C8309-5BF6-5E45-9D11-2EA30BA870E6}" destId="{1E5CEC14-2D92-4649-AD90-9D56647742EF}" srcOrd="2" destOrd="0" presId="urn:microsoft.com/office/officeart/2005/8/layout/StepDownProcess"/>
-    <dgm:cxn modelId="{3C0474CB-002B-2944-BFEF-390423A2638B}" type="presParOf" srcId="{91C9A374-25E8-F44E-98A6-26FE9D2814B4}" destId="{C08F4A84-1E3F-1B4B-A56C-0BBFE36D6E71}" srcOrd="1" destOrd="0" presId="urn:microsoft.com/office/officeart/2005/8/layout/StepDownProcess"/>
-    <dgm:cxn modelId="{909BCEB1-A450-714B-AF5F-6897B230F2B6}" type="presParOf" srcId="{91C9A374-25E8-F44E-98A6-26FE9D2814B4}" destId="{FD2540D9-23C7-DA4A-874C-AB73C462C87F}" srcOrd="2" destOrd="0" presId="urn:microsoft.com/office/officeart/2005/8/layout/StepDownProcess"/>
-    <dgm:cxn modelId="{1DA5C37E-F695-B745-98F2-3DB615F4454A}" type="presParOf" srcId="{FD2540D9-23C7-DA4A-874C-AB73C462C87F}" destId="{2B3EAB0C-7911-1647-9226-2C37E017C917}" srcOrd="0" destOrd="0" presId="urn:microsoft.com/office/officeart/2005/8/layout/StepDownProcess"/>
-    <dgm:cxn modelId="{B46635CC-7C9C-144A-98C9-C5B3FA60658B}" type="presParOf" srcId="{FD2540D9-23C7-DA4A-874C-AB73C462C87F}" destId="{233DF953-5151-3543-BF15-395C4205D29B}" srcOrd="1" destOrd="0" presId="urn:microsoft.com/office/officeart/2005/8/layout/StepDownProcess"/>
-    <dgm:cxn modelId="{41787D2D-D7C5-FC46-984D-5B350E1515E7}" type="presParOf" srcId="{FD2540D9-23C7-DA4A-874C-AB73C462C87F}" destId="{B1949324-F429-E943-8604-AE519D7DB3F6}" srcOrd="2" destOrd="0" presId="urn:microsoft.com/office/officeart/2005/8/layout/StepDownProcess"/>
-    <dgm:cxn modelId="{006809CC-F80C-8E4D-9FDB-84CFE0473CB4}" type="presParOf" srcId="{91C9A374-25E8-F44E-98A6-26FE9D2814B4}" destId="{1B54B82C-739B-1F46-933E-02371EA5B520}" srcOrd="3" destOrd="0" presId="urn:microsoft.com/office/officeart/2005/8/layout/StepDownProcess"/>
-    <dgm:cxn modelId="{D85DB6D9-7DF8-DB4F-B21D-CAAC1F47384E}" type="presParOf" srcId="{91C9A374-25E8-F44E-98A6-26FE9D2814B4}" destId="{F3163B87-BC3C-9846-814A-A353E245787E}" srcOrd="4" destOrd="0" presId="urn:microsoft.com/office/officeart/2005/8/layout/StepDownProcess"/>
-    <dgm:cxn modelId="{467356AC-DEE6-B341-BE75-F150F9ACF23F}" type="presParOf" srcId="{F3163B87-BC3C-9846-814A-A353E245787E}" destId="{47653E83-8507-5144-9599-9F549F208820}" srcOrd="0" destOrd="0" presId="urn:microsoft.com/office/officeart/2005/8/layout/StepDownProcess"/>
-    <dgm:cxn modelId="{7F466CB8-940B-D64D-B119-103F1CDF2B38}" type="presParOf" srcId="{F3163B87-BC3C-9846-814A-A353E245787E}" destId="{9FD8DC8B-AE38-004F-AAE1-BFE0E9A45867}" srcOrd="1" destOrd="0" presId="urn:microsoft.com/office/officeart/2005/8/layout/StepDownProcess"/>
-  </dgm:cxnLst>
-  <dgm:bg/>
-  <dgm:whole/>
-  <dgm:extLst>
-    <a:ext uri="http://schemas.microsoft.com/office/drawing/2008/diagram">
-      <dsp:dataModelExt xmlns:dsp="http://schemas.microsoft.com/office/drawing/2008/diagram" relId="rId6" minVer="http://schemas.openxmlformats.org/drawingml/2006/diagram"/>
-    </a:ext>
-  </dgm:extLst>
-</dgm:dataModel>
-</file>
-
 <file path=ppt/diagrams/drawing1.xml><?xml version="1.0" encoding="utf-8"?>
 <dsp:drawing xmlns:dgm="http://schemas.openxmlformats.org/drawingml/2006/diagram" xmlns:dsp="http://schemas.microsoft.com/office/drawing/2008/diagram" xmlns:a="http://schemas.openxmlformats.org/drawingml/2006/main">
   <dsp:spTree>
@@ -3962,7 +1972,7 @@
       </dsp:nvSpPr>
       <dsp:spPr>
         <a:xfrm>
-          <a:off x="1961257" y="1176704"/>
+          <a:off x="1961257" y="1104293"/>
           <a:ext cx="3452388" cy="3452982"/>
         </a:xfrm>
         <a:prstGeom prst="ellipse">
@@ -4019,12 +2029,12 @@
         </a:fontRef>
       </dsp:style>
       <dsp:txBody>
-        <a:bodyPr spcFirstLastPara="0" vert="horz" wrap="square" lIns="182880" tIns="182880" rIns="182880" bIns="182880" numCol="1" spcCol="1270" anchor="ctr" anchorCtr="0">
+        <a:bodyPr spcFirstLastPara="0" vert="horz" wrap="square" lIns="137160" tIns="137160" rIns="137160" bIns="137160" numCol="1" spcCol="1270" anchor="ctr" anchorCtr="0">
           <a:noAutofit/>
         </a:bodyPr>
         <a:lstStyle/>
         <a:p>
-          <a:pPr lvl="0" algn="ctr" defTabSz="2133600">
+          <a:pPr lvl="0" algn="ctr" defTabSz="1600200">
             <a:lnSpc>
               <a:spcPct val="90000"/>
             </a:lnSpc>
@@ -4036,7 +2046,7 @@
             </a:spcAft>
           </a:pPr>
           <a:r>
-            <a:rPr lang="en-US" sz="4800" b="1" i="0" kern="1200" cap="none" spc="50" dirty="0" smtClean="0">
+            <a:rPr lang="en-US" sz="3600" b="1" i="0" kern="1200" cap="none" spc="50" dirty="0" smtClean="0">
               <a:ln w="13500">
                 <a:solidFill>
                   <a:schemeClr val="accent1">
@@ -4061,9 +2071,9 @@
               <a:latin typeface="Helvetica"/>
               <a:cs typeface="Helvetica"/>
             </a:rPr>
-            <a:t>Smart Homes</a:t>
+            <a:t>Electrical Car Charging</a:t>
           </a:r>
-          <a:endParaRPr lang="en-US" sz="4800" b="1" i="0" kern="1200" cap="none" spc="50" dirty="0">
+          <a:endParaRPr lang="en-US" sz="3600" b="1" i="0" kern="1200" cap="none" spc="50" dirty="0">
             <a:ln w="13500">
               <a:solidFill>
                 <a:schemeClr val="accent1">
@@ -4091,7 +2101,7 @@
         </a:p>
       </dsp:txBody>
       <dsp:txXfrm>
-        <a:off x="2466848" y="1682382"/>
+        <a:off x="2466848" y="1609971"/>
         <a:ext cx="2441206" cy="2441626"/>
       </dsp:txXfrm>
     </dsp:sp>
@@ -4102,7 +2112,7 @@
       </dsp:nvSpPr>
       <dsp:spPr>
         <a:xfrm>
-          <a:off x="3022822" y="4372995"/>
+          <a:off x="3022822" y="4300585"/>
           <a:ext cx="278315" cy="278287"/>
         </a:xfrm>
         <a:prstGeom prst="ellipse">
@@ -4166,7 +2176,7 @@
       </dsp:nvSpPr>
       <dsp:spPr>
         <a:xfrm>
-          <a:off x="5636014" y="2578012"/>
+          <a:off x="5636014" y="2505602"/>
           <a:ext cx="278315" cy="278287"/>
         </a:xfrm>
         <a:prstGeom prst="ellipse">
@@ -4230,7 +2240,7 @@
       </dsp:nvSpPr>
       <dsp:spPr>
         <a:xfrm>
-          <a:off x="4306048" y="4669177"/>
+          <a:off x="4306048" y="4596766"/>
           <a:ext cx="383834" cy="384418"/>
         </a:xfrm>
         <a:prstGeom prst="ellipse">
@@ -4294,7 +2304,7 @@
       </dsp:nvSpPr>
       <dsp:spPr>
         <a:xfrm>
-          <a:off x="3100722" y="1564825"/>
+          <a:off x="3100722" y="1492415"/>
           <a:ext cx="278315" cy="278287"/>
         </a:xfrm>
         <a:prstGeom prst="ellipse">
@@ -4358,7 +2368,7 @@
       </dsp:nvSpPr>
       <dsp:spPr>
         <a:xfrm>
-          <a:off x="2224700" y="3157417"/>
+          <a:off x="2224700" y="3085007"/>
           <a:ext cx="278315" cy="278287"/>
         </a:xfrm>
         <a:prstGeom prst="ellipse">
@@ -4422,7 +2432,7 @@
       </dsp:nvSpPr>
       <dsp:spPr>
         <a:xfrm>
-          <a:off x="881987" y="1799919"/>
+          <a:off x="881987" y="1727509"/>
           <a:ext cx="1403617" cy="1403776"/>
         </a:xfrm>
         <a:prstGeom prst="ellipse">
@@ -4521,7 +2531,48 @@
               <a:latin typeface="Helvetica"/>
               <a:cs typeface="Helvetica"/>
             </a:rPr>
-            <a:t>Connectivity</a:t>
+            <a:t>Connecting</a:t>
+          </a:r>
+        </a:p>
+        <a:p>
+          <a:pPr lvl="0" algn="ctr" defTabSz="488950">
+            <a:lnSpc>
+              <a:spcPct val="90000"/>
+            </a:lnSpc>
+            <a:spcBef>
+              <a:spcPct val="0"/>
+            </a:spcBef>
+            <a:spcAft>
+              <a:spcPct val="35000"/>
+            </a:spcAft>
+          </a:pPr>
+          <a:r>
+            <a:rPr lang="en-US" sz="1100" b="1" i="0" kern="1200" cap="none" spc="50" dirty="0" smtClean="0">
+              <a:ln w="13500">
+                <a:solidFill>
+                  <a:schemeClr val="accent1">
+                    <a:shade val="2500"/>
+                    <a:alpha val="6500"/>
+                  </a:schemeClr>
+                </a:solidFill>
+                <a:prstDash val="solid"/>
+              </a:ln>
+              <a:solidFill>
+                <a:srgbClr val="7F7F7F">
+                  <a:alpha val="95000"/>
+                </a:srgbClr>
+              </a:solidFill>
+              <a:effectLst>
+                <a:innerShdw blurRad="50900" dist="38500" dir="13500000">
+                  <a:srgbClr val="000000">
+                    <a:alpha val="60000"/>
+                  </a:srgbClr>
+                </a:innerShdw>
+              </a:effectLst>
+              <a:latin typeface="Helvetica"/>
+              <a:cs typeface="Helvetica"/>
+            </a:rPr>
+            <a:t>The Grid</a:t>
           </a:r>
           <a:endParaRPr lang="en-US" sz="1100" b="1" i="0" kern="1200" cap="none" spc="50" dirty="0">
             <a:ln w="13500">
@@ -4551,7 +2602,7 @@
         </a:p>
       </dsp:txBody>
       <dsp:txXfrm>
-        <a:off x="1087542" y="2005497"/>
+        <a:off x="1087542" y="1933087"/>
         <a:ext cx="992507" cy="992620"/>
       </dsp:txXfrm>
     </dsp:sp>
@@ -4562,7 +2613,7 @@
       </dsp:nvSpPr>
       <dsp:spPr>
         <a:xfrm>
-          <a:off x="3543336" y="1577166"/>
+          <a:off x="3543336" y="1504755"/>
           <a:ext cx="383834" cy="384418"/>
         </a:xfrm>
         <a:prstGeom prst="ellipse">
@@ -4626,7 +2677,7 @@
       </dsp:nvSpPr>
       <dsp:spPr>
         <a:xfrm>
-          <a:off x="1014417" y="3614647"/>
+          <a:off x="1014417" y="3542237"/>
           <a:ext cx="694018" cy="694175"/>
         </a:xfrm>
         <a:prstGeom prst="ellipse">
@@ -4690,8 +2741,8 @@
       </dsp:nvSpPr>
       <dsp:spPr>
         <a:xfrm>
-          <a:off x="5768444" y="1139681"/>
-          <a:ext cx="1403617" cy="1403776"/>
+          <a:off x="5469319" y="972649"/>
+          <a:ext cx="1763757" cy="1751786"/>
         </a:xfrm>
         <a:prstGeom prst="ellipse">
           <a:avLst/>
@@ -4747,12 +2798,12 @@
         </a:fontRef>
       </dsp:style>
       <dsp:txBody>
-        <a:bodyPr spcFirstLastPara="0" vert="horz" wrap="square" lIns="60960" tIns="60960" rIns="60960" bIns="60960" numCol="1" spcCol="1270" anchor="ctr" anchorCtr="0">
+        <a:bodyPr spcFirstLastPara="0" vert="horz" wrap="square" lIns="45720" tIns="45720" rIns="45720" bIns="45720" numCol="1" spcCol="1270" anchor="ctr" anchorCtr="0">
           <a:noAutofit/>
         </a:bodyPr>
         <a:lstStyle/>
         <a:p>
-          <a:pPr lvl="0" algn="ctr" defTabSz="711200">
+          <a:pPr lvl="0" algn="ctr" defTabSz="533400">
             <a:lnSpc>
               <a:spcPct val="90000"/>
             </a:lnSpc>
@@ -4764,7 +2815,7 @@
             </a:spcAft>
           </a:pPr>
           <a:r>
-            <a:rPr lang="en-US" sz="1600" b="1" i="0" kern="1200" cap="none" spc="50" dirty="0" smtClean="0">
+            <a:rPr lang="en-US" sz="1200" b="1" i="0" kern="1200" cap="none" spc="50" dirty="0" smtClean="0">
               <a:ln w="13500">
                 <a:solidFill>
                   <a:schemeClr val="accent1">
@@ -4789,9 +2840,9 @@
               <a:latin typeface="Helvetica"/>
               <a:cs typeface="Helvetica"/>
             </a:rPr>
-            <a:t>Comfort</a:t>
+            <a:t>Accessibility</a:t>
           </a:r>
-          <a:endParaRPr lang="en-US" sz="1600" b="1" i="0" kern="1200" cap="none" spc="50" dirty="0">
+          <a:endParaRPr lang="en-US" sz="1200" b="1" i="0" kern="1200" cap="none" spc="50" dirty="0">
             <a:ln w="13500">
               <a:solidFill>
                 <a:schemeClr val="accent1">
@@ -4819,8 +2870,8 @@
         </a:p>
       </dsp:txBody>
       <dsp:txXfrm>
-        <a:off x="5973999" y="1345259"/>
-        <a:ext cx="992507" cy="992620"/>
+        <a:off x="5727615" y="1229192"/>
+        <a:ext cx="1247165" cy="1238700"/>
       </dsp:txXfrm>
     </dsp:sp>
     <dsp:sp modelId="{04A54448-6A14-A046-B330-80FDC40FC7CC}">
@@ -4830,7 +2881,7 @@
       </dsp:nvSpPr>
       <dsp:spPr>
         <a:xfrm>
-          <a:off x="5141703" y="2108441"/>
+          <a:off x="5141703" y="2036031"/>
           <a:ext cx="383834" cy="384418"/>
         </a:xfrm>
         <a:prstGeom prst="ellipse">
@@ -4894,7 +2945,7 @@
       </dsp:nvSpPr>
       <dsp:spPr>
         <a:xfrm>
-          <a:off x="750265" y="4440870"/>
+          <a:off x="750265" y="4368460"/>
           <a:ext cx="278315" cy="278287"/>
         </a:xfrm>
         <a:prstGeom prst="ellipse">
@@ -4958,7 +3009,7 @@
       </dsp:nvSpPr>
       <dsp:spPr>
         <a:xfrm>
-          <a:off x="3523506" y="4044728"/>
+          <a:off x="3523506" y="3972317"/>
           <a:ext cx="278315" cy="278287"/>
         </a:xfrm>
         <a:prstGeom prst="ellipse">
@@ -5022,7 +3073,7 @@
       </dsp:nvSpPr>
       <dsp:spPr>
         <a:xfrm>
-          <a:off x="6428470" y="3565284"/>
+          <a:off x="6428470" y="3492873"/>
           <a:ext cx="1403617" cy="1403776"/>
         </a:xfrm>
         <a:prstGeom prst="ellipse">
@@ -5121,7 +3172,7 @@
               <a:latin typeface="Helvetica"/>
               <a:cs typeface="Helvetica"/>
             </a:rPr>
-            <a:t>Individualism</a:t>
+            <a:t>Environment</a:t>
           </a:r>
           <a:endParaRPr lang="en-US" sz="1100" b="1" i="0" kern="1200" cap="none" spc="50" dirty="0">
             <a:ln w="13500">
@@ -5151,7 +3202,7 @@
         </a:p>
       </dsp:txBody>
       <dsp:txXfrm>
-        <a:off x="6634025" y="3770862"/>
+        <a:off x="6634025" y="3698451"/>
         <a:ext cx="992507" cy="992620"/>
       </dsp:txXfrm>
     </dsp:sp>
@@ -5162,7 +3213,7 @@
       </dsp:nvSpPr>
       <dsp:spPr>
         <a:xfrm>
-          <a:off x="6032596" y="3516537"/>
+          <a:off x="6032596" y="3444127"/>
           <a:ext cx="278315" cy="278287"/>
         </a:xfrm>
         <a:prstGeom prst="ellipse">
@@ -5226,8 +3277,8 @@
       </dsp:nvSpPr>
       <dsp:spPr>
         <a:xfrm>
-          <a:off x="2399621" y="4766670"/>
-          <a:ext cx="1403617" cy="1403776"/>
+          <a:off x="2219586" y="4549439"/>
+          <a:ext cx="1763687" cy="1693417"/>
         </a:xfrm>
         <a:prstGeom prst="ellipse">
           <a:avLst/>
@@ -5283,12 +3334,12 @@
         </a:fontRef>
       </dsp:style>
       <dsp:txBody>
-        <a:bodyPr spcFirstLastPara="0" vert="horz" wrap="square" lIns="60960" tIns="60960" rIns="60960" bIns="60960" numCol="1" spcCol="1270" anchor="ctr" anchorCtr="0">
+        <a:bodyPr spcFirstLastPara="0" vert="horz" wrap="square" lIns="53340" tIns="53340" rIns="53340" bIns="53340" numCol="1" spcCol="1270" anchor="ctr" anchorCtr="0">
           <a:noAutofit/>
         </a:bodyPr>
         <a:lstStyle/>
         <a:p>
-          <a:pPr lvl="0" algn="ctr" defTabSz="711200">
+          <a:pPr lvl="0" algn="ctr" defTabSz="622300">
             <a:lnSpc>
               <a:spcPct val="90000"/>
             </a:lnSpc>
@@ -5300,7 +3351,7 @@
             </a:spcAft>
           </a:pPr>
           <a:r>
-            <a:rPr lang="en-US" sz="1600" b="1" i="0" kern="1200" cap="none" spc="50" dirty="0" smtClean="0">
+            <a:rPr lang="en-US" sz="1400" b="1" i="0" kern="1200" cap="none" spc="50" dirty="0" smtClean="0">
               <a:ln w="13500">
                 <a:solidFill>
                   <a:schemeClr val="accent1">
@@ -5325,66 +3376,13 @@
               <a:latin typeface="Helvetica"/>
               <a:cs typeface="Helvetica"/>
             </a:rPr>
-            <a:t>Climate </a:t>
+            <a:t>Energy distribution</a:t>
           </a:r>
-          <a:r>
-            <a:rPr lang="en-US" sz="1600" b="1" i="0" kern="1200" cap="none" spc="50" dirty="0" err="1" smtClean="0">
-              <a:ln w="13500">
-                <a:solidFill>
-                  <a:schemeClr val="accent1">
-                    <a:shade val="2500"/>
-                    <a:alpha val="6500"/>
-                  </a:schemeClr>
-                </a:solidFill>
-                <a:prstDash val="solid"/>
-              </a:ln>
-              <a:solidFill>
-                <a:srgbClr val="7F7F7F">
-                  <a:alpha val="95000"/>
-                </a:srgbClr>
-              </a:solidFill>
-              <a:effectLst>
-                <a:innerShdw blurRad="50900" dist="38500" dir="13500000">
-                  <a:srgbClr val="000000">
-                    <a:alpha val="60000"/>
-                  </a:srgbClr>
-                </a:innerShdw>
-              </a:effectLst>
-              <a:latin typeface="Helvetica"/>
-              <a:cs typeface="Helvetica"/>
-            </a:rPr>
-            <a:t>contol</a:t>
-          </a:r>
-          <a:endParaRPr lang="en-US" sz="1600" b="1" i="0" kern="1200" cap="none" spc="50" dirty="0">
-            <a:ln w="13500">
-              <a:solidFill>
-                <a:schemeClr val="accent1">
-                  <a:shade val="2500"/>
-                  <a:alpha val="6500"/>
-                </a:schemeClr>
-              </a:solidFill>
-              <a:prstDash val="solid"/>
-            </a:ln>
-            <a:solidFill>
-              <a:srgbClr val="7F7F7F">
-                <a:alpha val="95000"/>
-              </a:srgbClr>
-            </a:solidFill>
-            <a:effectLst>
-              <a:innerShdw blurRad="50900" dist="38500" dir="13500000">
-                <a:srgbClr val="000000">
-                  <a:alpha val="60000"/>
-                </a:srgbClr>
-              </a:innerShdw>
-            </a:effectLst>
-            <a:latin typeface="Helvetica"/>
-            <a:cs typeface="Helvetica"/>
-          </a:endParaRPr>
         </a:p>
       </dsp:txBody>
       <dsp:txXfrm>
-        <a:off x="2605176" y="4972248"/>
-        <a:ext cx="992507" cy="992620"/>
+        <a:off x="2477872" y="4797434"/>
+        <a:ext cx="1247115" cy="1197427"/>
       </dsp:txXfrm>
     </dsp:sp>
     <dsp:sp modelId="{3D6757D4-6B08-3747-AC14-7FA69F109B0B}">
@@ -5394,7 +3392,7 @@
       </dsp:nvSpPr>
       <dsp:spPr>
         <a:xfrm>
-          <a:off x="3653104" y="4719157"/>
+          <a:off x="3653104" y="4646747"/>
           <a:ext cx="278315" cy="278287"/>
         </a:xfrm>
         <a:prstGeom prst="ellipse">
@@ -5458,7 +3456,7 @@
       </dsp:nvSpPr>
       <dsp:spPr>
         <a:xfrm>
-          <a:off x="3738086" y="0"/>
+          <a:off x="3738086" y="-72410"/>
           <a:ext cx="1403617" cy="1403776"/>
         </a:xfrm>
         <a:prstGeom prst="ellipse">
@@ -5587,7 +3585,7 @@
         </a:p>
       </dsp:txBody>
       <dsp:txXfrm>
-        <a:off x="3943641" y="205578"/>
+        <a:off x="3943641" y="133168"/>
         <a:ext cx="992507" cy="992620"/>
       </dsp:txXfrm>
     </dsp:sp>
@@ -5598,7 +3596,7 @@
       </dsp:nvSpPr>
       <dsp:spPr>
         <a:xfrm>
-          <a:off x="2007288" y="1521632"/>
+          <a:off x="2007288" y="1449221"/>
           <a:ext cx="278315" cy="278287"/>
         </a:xfrm>
         <a:prstGeom prst="ellipse">
@@ -5662,7 +3660,7 @@
       </dsp:nvSpPr>
       <dsp:spPr>
         <a:xfrm>
-          <a:off x="5247930" y="345545"/>
+          <a:off x="5247930" y="273134"/>
           <a:ext cx="278315" cy="278287"/>
         </a:xfrm>
         <a:prstGeom prst="ellipse">
@@ -5718,1118 +3716,6 @@
           <a:schemeClr val="lt1"/>
         </a:fontRef>
       </dsp:style>
-    </dsp:sp>
-  </dsp:spTree>
-</dsp:drawing>
-</file>
-
-<file path=ppt/diagrams/drawing2.xml><?xml version="1.0" encoding="utf-8"?>
-<dsp:drawing xmlns:dgm="http://schemas.openxmlformats.org/drawingml/2006/diagram" xmlns:dsp="http://schemas.microsoft.com/office/drawing/2008/diagram" xmlns:a="http://schemas.openxmlformats.org/drawingml/2006/main">
-  <dsp:spTree>
-    <dsp:nvGrpSpPr>
-      <dsp:cNvPr id="0" name=""/>
-      <dsp:cNvGrpSpPr/>
-    </dsp:nvGrpSpPr>
-    <dsp:grpSpPr/>
-    <dsp:sp modelId="{E723D4A8-8B13-8541-A3D9-CC17D9F79DA1}">
-      <dsp:nvSpPr>
-        <dsp:cNvPr id="0" name=""/>
-        <dsp:cNvSpPr/>
-      </dsp:nvSpPr>
-      <dsp:spPr>
-        <a:xfrm rot="5400000">
-          <a:off x="911439" y="1441772"/>
-          <a:ext cx="1275123" cy="1451682"/>
-        </a:xfrm>
-        <a:prstGeom prst="bentUpArrow">
-          <a:avLst>
-            <a:gd name="adj1" fmla="val 32840"/>
-            <a:gd name="adj2" fmla="val 25000"/>
-            <a:gd name="adj3" fmla="val 35780"/>
-          </a:avLst>
-        </a:prstGeom>
-        <a:gradFill flip="none" rotWithShape="0">
-          <a:gsLst>
-            <a:gs pos="0">
-              <a:schemeClr val="dk1">
-                <a:tint val="50000"/>
-                <a:satMod val="300000"/>
-                <a:alpha val="24000"/>
-              </a:schemeClr>
-            </a:gs>
-            <a:gs pos="35000">
-              <a:schemeClr val="dk1">
-                <a:tint val="37000"/>
-                <a:satMod val="300000"/>
-                <a:alpha val="24000"/>
-              </a:schemeClr>
-            </a:gs>
-            <a:gs pos="100000">
-              <a:schemeClr val="dk1">
-                <a:tint val="15000"/>
-                <a:satMod val="350000"/>
-                <a:alpha val="24000"/>
-              </a:schemeClr>
-            </a:gs>
-          </a:gsLst>
-          <a:lin ang="16200000" scaled="1"/>
-          <a:tileRect/>
-        </a:gradFill>
-        <a:ln w="9525" cap="flat" cmpd="sng" algn="ctr">
-          <a:noFill/>
-          <a:prstDash val="solid"/>
-        </a:ln>
-        <a:effectLst>
-          <a:outerShdw blurRad="40000" dist="20000" dir="5400000" rotWithShape="0">
-            <a:srgbClr val="000000">
-              <a:alpha val="38000"/>
-            </a:srgbClr>
-          </a:outerShdw>
-        </a:effectLst>
-      </dsp:spPr>
-      <dsp:style>
-        <a:lnRef idx="1">
-          <a:schemeClr val="dk1"/>
-        </a:lnRef>
-        <a:fillRef idx="2">
-          <a:schemeClr val="dk1"/>
-        </a:fillRef>
-        <a:effectRef idx="1">
-          <a:schemeClr val="dk1"/>
-        </a:effectRef>
-        <a:fontRef idx="minor">
-          <a:schemeClr val="dk1"/>
-        </a:fontRef>
-      </dsp:style>
-    </dsp:sp>
-    <dsp:sp modelId="{3D508DA1-5FC9-EC42-8125-14CCFB03DA1D}">
-      <dsp:nvSpPr>
-        <dsp:cNvPr id="0" name=""/>
-        <dsp:cNvSpPr/>
-      </dsp:nvSpPr>
-      <dsp:spPr>
-        <a:xfrm>
-          <a:off x="309039" y="28272"/>
-          <a:ext cx="2146556" cy="1502520"/>
-        </a:xfrm>
-        <a:prstGeom prst="roundRect">
-          <a:avLst>
-            <a:gd name="adj" fmla="val 16670"/>
-          </a:avLst>
-        </a:prstGeom>
-        <a:gradFill rotWithShape="1">
-          <a:gsLst>
-            <a:gs pos="0">
-              <a:schemeClr val="accent3">
-                <a:tint val="100000"/>
-                <a:shade val="100000"/>
-                <a:satMod val="130000"/>
-              </a:schemeClr>
-            </a:gs>
-            <a:gs pos="100000">
-              <a:schemeClr val="accent3">
-                <a:tint val="50000"/>
-                <a:shade val="100000"/>
-                <a:satMod val="350000"/>
-              </a:schemeClr>
-            </a:gs>
-          </a:gsLst>
-          <a:lin ang="16200000" scaled="0"/>
-        </a:gradFill>
-        <a:ln w="9525" cap="flat" cmpd="sng" algn="ctr">
-          <a:solidFill>
-            <a:schemeClr val="accent3">
-              <a:shade val="95000"/>
-              <a:satMod val="105000"/>
-            </a:schemeClr>
-          </a:solidFill>
-          <a:prstDash val="solid"/>
-        </a:ln>
-        <a:effectLst>
-          <a:outerShdw blurRad="40000" dist="23000" dir="5400000" rotWithShape="0">
-            <a:srgbClr val="000000">
-              <a:alpha val="35000"/>
-            </a:srgbClr>
-          </a:outerShdw>
-        </a:effectLst>
-      </dsp:spPr>
-      <dsp:style>
-        <a:lnRef idx="1">
-          <a:schemeClr val="accent3"/>
-        </a:lnRef>
-        <a:fillRef idx="3">
-          <a:schemeClr val="accent3"/>
-        </a:fillRef>
-        <a:effectRef idx="2">
-          <a:schemeClr val="accent3"/>
-        </a:effectRef>
-        <a:fontRef idx="minor">
-          <a:schemeClr val="lt1"/>
-        </a:fontRef>
-      </dsp:style>
-      <dsp:txBody>
-        <a:bodyPr spcFirstLastPara="0" vert="horz" wrap="square" lIns="137160" tIns="137160" rIns="137160" bIns="137160" numCol="1" spcCol="1270" anchor="ctr" anchorCtr="0">
-          <a:noAutofit/>
-          <a:scene3d>
-            <a:camera prst="orthographicFront"/>
-            <a:lightRig rig="soft" dir="t">
-              <a:rot lat="0" lon="0" rev="10800000"/>
-            </a:lightRig>
-          </a:scene3d>
-          <a:sp3d>
-            <a:bevelT w="27940" h="12700"/>
-            <a:contourClr>
-              <a:srgbClr val="DDDDDD"/>
-            </a:contourClr>
-          </a:sp3d>
-        </a:bodyPr>
-        <a:lstStyle/>
-        <a:p>
-          <a:pPr lvl="0" algn="ctr" defTabSz="1600200">
-            <a:lnSpc>
-              <a:spcPct val="90000"/>
-            </a:lnSpc>
-            <a:spcBef>
-              <a:spcPct val="0"/>
-            </a:spcBef>
-            <a:spcAft>
-              <a:spcPct val="35000"/>
-            </a:spcAft>
-          </a:pPr>
-          <a:r>
-            <a:rPr lang="en-US" sz="3600" b="1" kern="1200" cap="none" spc="150" dirty="0" smtClean="0">
-              <a:ln w="11430"/>
-              <a:solidFill>
-                <a:srgbClr val="7F7F7F"/>
-              </a:solidFill>
-              <a:effectLst>
-                <a:outerShdw blurRad="25400" algn="tl" rotWithShape="0">
-                  <a:srgbClr val="000000">
-                    <a:alpha val="43000"/>
-                  </a:srgbClr>
-                </a:outerShdw>
-              </a:effectLst>
-              <a:latin typeface="Helvetica"/>
-              <a:cs typeface="Helvetica"/>
-            </a:rPr>
-            <a:t>Input</a:t>
-          </a:r>
-          <a:endParaRPr lang="en-US" sz="3600" b="1" kern="1200" cap="none" spc="150" dirty="0">
-            <a:ln w="11430"/>
-            <a:solidFill>
-              <a:srgbClr val="7F7F7F"/>
-            </a:solidFill>
-            <a:effectLst>
-              <a:outerShdw blurRad="25400" algn="tl" rotWithShape="0">
-                <a:srgbClr val="000000">
-                  <a:alpha val="43000"/>
-                </a:srgbClr>
-              </a:outerShdw>
-            </a:effectLst>
-            <a:latin typeface="Helvetica"/>
-            <a:cs typeface="Helvetica"/>
-          </a:endParaRPr>
-        </a:p>
-      </dsp:txBody>
-      <dsp:txXfrm>
-        <a:off x="382399" y="101632"/>
-        <a:ext cx="1999836" cy="1355800"/>
-      </dsp:txXfrm>
-    </dsp:sp>
-    <dsp:sp modelId="{1E5CEC14-2D92-4649-AD90-9D56647742EF}">
-      <dsp:nvSpPr>
-        <dsp:cNvPr id="0" name=""/>
-        <dsp:cNvSpPr/>
-      </dsp:nvSpPr>
-      <dsp:spPr>
-        <a:xfrm>
-          <a:off x="2582623" y="198033"/>
-          <a:ext cx="2365328" cy="1214403"/>
-        </a:xfrm>
-        <a:prstGeom prst="rect">
-          <a:avLst/>
-        </a:prstGeom>
-        <a:noFill/>
-        <a:ln>
-          <a:noFill/>
-        </a:ln>
-        <a:effectLst/>
-      </dsp:spPr>
-      <dsp:style>
-        <a:lnRef idx="0">
-          <a:scrgbClr r="0" g="0" b="0"/>
-        </a:lnRef>
-        <a:fillRef idx="0">
-          <a:scrgbClr r="0" g="0" b="0"/>
-        </a:fillRef>
-        <a:effectRef idx="0">
-          <a:scrgbClr r="0" g="0" b="0"/>
-        </a:effectRef>
-        <a:fontRef idx="minor"/>
-      </dsp:style>
-      <dsp:txBody>
-        <a:bodyPr spcFirstLastPara="0" vert="horz" wrap="square" lIns="68580" tIns="68580" rIns="68580" bIns="68580" numCol="1" spcCol="1270" anchor="ctr" anchorCtr="0">
-          <a:noAutofit/>
-          <a:scene3d>
-            <a:camera prst="orthographicFront"/>
-            <a:lightRig rig="soft" dir="t">
-              <a:rot lat="0" lon="0" rev="10800000"/>
-            </a:lightRig>
-          </a:scene3d>
-          <a:sp3d>
-            <a:bevelT w="27940" h="12700"/>
-            <a:contourClr>
-              <a:srgbClr val="DDDDDD"/>
-            </a:contourClr>
-          </a:sp3d>
-        </a:bodyPr>
-        <a:lstStyle/>
-        <a:p>
-          <a:pPr marL="171450" lvl="1" indent="-171450" algn="l" defTabSz="800100">
-            <a:lnSpc>
-              <a:spcPct val="90000"/>
-            </a:lnSpc>
-            <a:spcBef>
-              <a:spcPct val="0"/>
-            </a:spcBef>
-            <a:spcAft>
-              <a:spcPct val="15000"/>
-            </a:spcAft>
-            <a:buChar char="••"/>
-          </a:pPr>
-          <a:r>
-            <a:rPr lang="en-US" sz="1800" b="1" kern="1200" cap="none" spc="150" dirty="0" smtClean="0">
-              <a:ln w="11430"/>
-              <a:solidFill>
-                <a:srgbClr val="7F7F7F"/>
-              </a:solidFill>
-              <a:effectLst>
-                <a:outerShdw blurRad="25400" algn="tl" rotWithShape="0">
-                  <a:srgbClr val="000000">
-                    <a:alpha val="43000"/>
-                  </a:srgbClr>
-                </a:outerShdw>
-              </a:effectLst>
-              <a:latin typeface="Helvetica"/>
-              <a:cs typeface="Helvetica"/>
-            </a:rPr>
-            <a:t>Time</a:t>
-          </a:r>
-          <a:endParaRPr lang="en-US" sz="1800" b="1" kern="1200" cap="none" spc="150" dirty="0">
-            <a:ln w="11430"/>
-            <a:solidFill>
-              <a:srgbClr val="7F7F7F"/>
-            </a:solidFill>
-            <a:effectLst>
-              <a:outerShdw blurRad="25400" algn="tl" rotWithShape="0">
-                <a:srgbClr val="000000">
-                  <a:alpha val="43000"/>
-                </a:srgbClr>
-              </a:outerShdw>
-            </a:effectLst>
-            <a:latin typeface="Helvetica"/>
-            <a:cs typeface="Helvetica"/>
-          </a:endParaRPr>
-        </a:p>
-        <a:p>
-          <a:pPr marL="171450" lvl="1" indent="-171450" algn="l" defTabSz="800100">
-            <a:lnSpc>
-              <a:spcPct val="90000"/>
-            </a:lnSpc>
-            <a:spcBef>
-              <a:spcPct val="0"/>
-            </a:spcBef>
-            <a:spcAft>
-              <a:spcPct val="15000"/>
-            </a:spcAft>
-            <a:buChar char="••"/>
-          </a:pPr>
-          <a:r>
-            <a:rPr lang="en-US" sz="1800" b="1" kern="1200" cap="none" spc="150" dirty="0" err="1" smtClean="0">
-              <a:ln w="11430"/>
-              <a:solidFill>
-                <a:srgbClr val="7F7F7F"/>
-              </a:solidFill>
-              <a:effectLst>
-                <a:outerShdw blurRad="25400" algn="tl" rotWithShape="0">
-                  <a:srgbClr val="000000">
-                    <a:alpha val="43000"/>
-                  </a:srgbClr>
-                </a:outerShdw>
-              </a:effectLst>
-              <a:latin typeface="Helvetica"/>
-              <a:cs typeface="Helvetica"/>
-            </a:rPr>
-            <a:t>Knowlegde</a:t>
-          </a:r>
-          <a:endParaRPr lang="en-US" sz="1800" b="1" kern="1200" cap="none" spc="150" dirty="0">
-            <a:ln w="11430"/>
-            <a:solidFill>
-              <a:srgbClr val="7F7F7F"/>
-            </a:solidFill>
-            <a:effectLst>
-              <a:outerShdw blurRad="25400" algn="tl" rotWithShape="0">
-                <a:srgbClr val="000000">
-                  <a:alpha val="43000"/>
-                </a:srgbClr>
-              </a:outerShdw>
-            </a:effectLst>
-            <a:latin typeface="Helvetica"/>
-            <a:cs typeface="Helvetica"/>
-          </a:endParaRPr>
-        </a:p>
-        <a:p>
-          <a:pPr marL="171450" lvl="1" indent="-171450" algn="l" defTabSz="800100">
-            <a:lnSpc>
-              <a:spcPct val="90000"/>
-            </a:lnSpc>
-            <a:spcBef>
-              <a:spcPct val="0"/>
-            </a:spcBef>
-            <a:spcAft>
-              <a:spcPct val="15000"/>
-            </a:spcAft>
-            <a:buChar char="••"/>
-          </a:pPr>
-          <a:r>
-            <a:rPr lang="en-US" sz="1800" b="1" kern="1200" cap="none" spc="150" dirty="0" smtClean="0">
-              <a:ln w="11430"/>
-              <a:solidFill>
-                <a:srgbClr val="7F7F7F"/>
-              </a:solidFill>
-              <a:effectLst>
-                <a:outerShdw blurRad="25400" algn="tl" rotWithShape="0">
-                  <a:srgbClr val="000000">
-                    <a:alpha val="43000"/>
-                  </a:srgbClr>
-                </a:outerShdw>
-              </a:effectLst>
-              <a:latin typeface="Helvetica"/>
-              <a:cs typeface="Helvetica"/>
-            </a:rPr>
-            <a:t>Effort</a:t>
-          </a:r>
-          <a:endParaRPr lang="en-US" sz="1800" b="1" kern="1200" cap="none" spc="150" dirty="0">
-            <a:ln w="11430"/>
-            <a:solidFill>
-              <a:srgbClr val="7F7F7F"/>
-            </a:solidFill>
-            <a:effectLst>
-              <a:outerShdw blurRad="25400" algn="tl" rotWithShape="0">
-                <a:srgbClr val="000000">
-                  <a:alpha val="43000"/>
-                </a:srgbClr>
-              </a:outerShdw>
-            </a:effectLst>
-            <a:latin typeface="Helvetica"/>
-            <a:cs typeface="Helvetica"/>
-          </a:endParaRPr>
-        </a:p>
-        <a:p>
-          <a:pPr marL="171450" lvl="1" indent="-171450" algn="l" defTabSz="800100">
-            <a:lnSpc>
-              <a:spcPct val="90000"/>
-            </a:lnSpc>
-            <a:spcBef>
-              <a:spcPct val="0"/>
-            </a:spcBef>
-            <a:spcAft>
-              <a:spcPct val="15000"/>
-            </a:spcAft>
-            <a:buChar char="••"/>
-          </a:pPr>
-          <a:r>
-            <a:rPr lang="en-US" sz="1800" b="1" kern="1200" cap="none" spc="150" dirty="0" smtClean="0">
-              <a:ln w="11430"/>
-              <a:solidFill>
-                <a:srgbClr val="7F7F7F"/>
-              </a:solidFill>
-              <a:effectLst>
-                <a:outerShdw blurRad="25400" algn="tl" rotWithShape="0">
-                  <a:srgbClr val="000000">
-                    <a:alpha val="43000"/>
-                  </a:srgbClr>
-                </a:outerShdw>
-              </a:effectLst>
-              <a:latin typeface="Helvetica"/>
-              <a:cs typeface="Helvetica"/>
-            </a:rPr>
-            <a:t>Funds</a:t>
-          </a:r>
-          <a:endParaRPr lang="en-US" sz="1800" b="1" kern="1200" cap="none" spc="150" dirty="0">
-            <a:ln w="11430"/>
-            <a:solidFill>
-              <a:srgbClr val="7F7F7F"/>
-            </a:solidFill>
-            <a:effectLst>
-              <a:outerShdw blurRad="25400" algn="tl" rotWithShape="0">
-                <a:srgbClr val="000000">
-                  <a:alpha val="43000"/>
-                </a:srgbClr>
-              </a:outerShdw>
-            </a:effectLst>
-            <a:latin typeface="Helvetica"/>
-            <a:cs typeface="Helvetica"/>
-          </a:endParaRPr>
-        </a:p>
-      </dsp:txBody>
-      <dsp:txXfrm>
-        <a:off x="2582623" y="198033"/>
-        <a:ext cx="2365328" cy="1214403"/>
-      </dsp:txXfrm>
-    </dsp:sp>
-    <dsp:sp modelId="{2B3EAB0C-7911-1647-9226-2C37E017C917}">
-      <dsp:nvSpPr>
-        <dsp:cNvPr id="0" name=""/>
-        <dsp:cNvSpPr/>
-      </dsp:nvSpPr>
-      <dsp:spPr>
-        <a:xfrm rot="5400000">
-          <a:off x="2884153" y="3116362"/>
-          <a:ext cx="1275123" cy="1451682"/>
-        </a:xfrm>
-        <a:prstGeom prst="bentUpArrow">
-          <a:avLst>
-            <a:gd name="adj1" fmla="val 32840"/>
-            <a:gd name="adj2" fmla="val 25000"/>
-            <a:gd name="adj3" fmla="val 35780"/>
-          </a:avLst>
-        </a:prstGeom>
-        <a:gradFill flip="none" rotWithShape="0">
-          <a:gsLst>
-            <a:gs pos="0">
-              <a:schemeClr val="dk1">
-                <a:tint val="50000"/>
-                <a:satMod val="300000"/>
-                <a:alpha val="24000"/>
-              </a:schemeClr>
-            </a:gs>
-            <a:gs pos="35000">
-              <a:schemeClr val="dk1">
-                <a:tint val="37000"/>
-                <a:satMod val="300000"/>
-                <a:alpha val="24000"/>
-              </a:schemeClr>
-            </a:gs>
-            <a:gs pos="100000">
-              <a:schemeClr val="dk1">
-                <a:tint val="15000"/>
-                <a:satMod val="350000"/>
-                <a:alpha val="24000"/>
-              </a:schemeClr>
-            </a:gs>
-          </a:gsLst>
-          <a:lin ang="16200000" scaled="1"/>
-          <a:tileRect/>
-        </a:gradFill>
-        <a:ln w="9525" cap="flat" cmpd="sng" algn="ctr">
-          <a:noFill/>
-          <a:prstDash val="solid"/>
-        </a:ln>
-        <a:effectLst>
-          <a:outerShdw blurRad="40000" dist="20000" dir="5400000" rotWithShape="0">
-            <a:srgbClr val="000000">
-              <a:alpha val="38000"/>
-            </a:srgbClr>
-          </a:outerShdw>
-        </a:effectLst>
-      </dsp:spPr>
-      <dsp:style>
-        <a:lnRef idx="1">
-          <a:schemeClr val="dk1"/>
-        </a:lnRef>
-        <a:fillRef idx="2">
-          <a:schemeClr val="dk1"/>
-        </a:fillRef>
-        <a:effectRef idx="1">
-          <a:schemeClr val="dk1"/>
-        </a:effectRef>
-        <a:fontRef idx="minor">
-          <a:schemeClr val="dk1"/>
-        </a:fontRef>
-      </dsp:style>
-    </dsp:sp>
-    <dsp:sp modelId="{233DF953-5151-3543-BF15-395C4205D29B}">
-      <dsp:nvSpPr>
-        <dsp:cNvPr id="0" name=""/>
-        <dsp:cNvSpPr/>
-      </dsp:nvSpPr>
-      <dsp:spPr>
-        <a:xfrm>
-          <a:off x="2281754" y="1716098"/>
-          <a:ext cx="2146556" cy="1502520"/>
-        </a:xfrm>
-        <a:prstGeom prst="roundRect">
-          <a:avLst>
-            <a:gd name="adj" fmla="val 16670"/>
-          </a:avLst>
-        </a:prstGeom>
-        <a:gradFill rotWithShape="1">
-          <a:gsLst>
-            <a:gs pos="0">
-              <a:schemeClr val="accent3">
-                <a:tint val="100000"/>
-                <a:shade val="100000"/>
-                <a:satMod val="130000"/>
-              </a:schemeClr>
-            </a:gs>
-            <a:gs pos="100000">
-              <a:schemeClr val="accent3">
-                <a:tint val="50000"/>
-                <a:shade val="100000"/>
-                <a:satMod val="350000"/>
-              </a:schemeClr>
-            </a:gs>
-          </a:gsLst>
-          <a:lin ang="16200000" scaled="0"/>
-        </a:gradFill>
-        <a:ln w="9525" cap="flat" cmpd="sng" algn="ctr">
-          <a:solidFill>
-            <a:schemeClr val="accent3">
-              <a:shade val="95000"/>
-              <a:satMod val="105000"/>
-            </a:schemeClr>
-          </a:solidFill>
-          <a:prstDash val="solid"/>
-        </a:ln>
-        <a:effectLst>
-          <a:outerShdw blurRad="40000" dist="23000" dir="5400000" rotWithShape="0">
-            <a:srgbClr val="000000">
-              <a:alpha val="35000"/>
-            </a:srgbClr>
-          </a:outerShdw>
-        </a:effectLst>
-      </dsp:spPr>
-      <dsp:style>
-        <a:lnRef idx="1">
-          <a:schemeClr val="accent3"/>
-        </a:lnRef>
-        <a:fillRef idx="3">
-          <a:schemeClr val="accent3"/>
-        </a:fillRef>
-        <a:effectRef idx="2">
-          <a:schemeClr val="accent3"/>
-        </a:effectRef>
-        <a:fontRef idx="minor">
-          <a:schemeClr val="lt1"/>
-        </a:fontRef>
-      </dsp:style>
-      <dsp:txBody>
-        <a:bodyPr spcFirstLastPara="0" vert="horz" wrap="square" lIns="121920" tIns="121920" rIns="121920" bIns="121920" numCol="1" spcCol="1270" anchor="ctr" anchorCtr="0">
-          <a:noAutofit/>
-          <a:scene3d>
-            <a:camera prst="orthographicFront"/>
-            <a:lightRig rig="soft" dir="t">
-              <a:rot lat="0" lon="0" rev="10800000"/>
-            </a:lightRig>
-          </a:scene3d>
-          <a:sp3d>
-            <a:bevelT w="27940" h="12700"/>
-            <a:contourClr>
-              <a:srgbClr val="DDDDDD"/>
-            </a:contourClr>
-          </a:sp3d>
-        </a:bodyPr>
-        <a:lstStyle/>
-        <a:p>
-          <a:pPr lvl="0" algn="ctr" defTabSz="1422400">
-            <a:lnSpc>
-              <a:spcPct val="90000"/>
-            </a:lnSpc>
-            <a:spcBef>
-              <a:spcPct val="0"/>
-            </a:spcBef>
-            <a:spcAft>
-              <a:spcPct val="35000"/>
-            </a:spcAft>
-          </a:pPr>
-          <a:r>
-            <a:rPr lang="en-US" sz="3200" b="1" kern="1200" cap="none" spc="150" dirty="0" smtClean="0">
-              <a:ln w="11430"/>
-              <a:solidFill>
-                <a:srgbClr val="7F7F7F"/>
-              </a:solidFill>
-              <a:effectLst>
-                <a:outerShdw blurRad="25400" algn="tl" rotWithShape="0">
-                  <a:srgbClr val="000000">
-                    <a:alpha val="43000"/>
-                  </a:srgbClr>
-                </a:outerShdw>
-              </a:effectLst>
-              <a:latin typeface="Helvetica"/>
-              <a:cs typeface="Helvetica"/>
-            </a:rPr>
-            <a:t>Output</a:t>
-          </a:r>
-          <a:endParaRPr lang="en-US" sz="3200" b="1" kern="1200" cap="none" spc="150" dirty="0">
-            <a:ln w="11430"/>
-            <a:solidFill>
-              <a:srgbClr val="7F7F7F"/>
-            </a:solidFill>
-            <a:effectLst>
-              <a:outerShdw blurRad="25400" algn="tl" rotWithShape="0">
-                <a:srgbClr val="000000">
-                  <a:alpha val="43000"/>
-                </a:srgbClr>
-              </a:outerShdw>
-            </a:effectLst>
-            <a:latin typeface="Helvetica"/>
-            <a:cs typeface="Helvetica"/>
-          </a:endParaRPr>
-        </a:p>
-      </dsp:txBody>
-      <dsp:txXfrm>
-        <a:off x="2355114" y="1789458"/>
-        <a:ext cx="1999836" cy="1355800"/>
-      </dsp:txXfrm>
-    </dsp:sp>
-    <dsp:sp modelId="{B1949324-F429-E943-8604-AE519D7DB3F6}">
-      <dsp:nvSpPr>
-        <dsp:cNvPr id="0" name=""/>
-        <dsp:cNvSpPr/>
-      </dsp:nvSpPr>
-      <dsp:spPr>
-        <a:xfrm>
-          <a:off x="4522841" y="1859397"/>
-          <a:ext cx="3038908" cy="1214403"/>
-        </a:xfrm>
-        <a:prstGeom prst="rect">
-          <a:avLst/>
-        </a:prstGeom>
-        <a:noFill/>
-        <a:ln>
-          <a:noFill/>
-        </a:ln>
-        <a:effectLst/>
-      </dsp:spPr>
-      <dsp:style>
-        <a:lnRef idx="0">
-          <a:scrgbClr r="0" g="0" b="0"/>
-        </a:lnRef>
-        <a:fillRef idx="0">
-          <a:scrgbClr r="0" g="0" b="0"/>
-        </a:fillRef>
-        <a:effectRef idx="0">
-          <a:scrgbClr r="0" g="0" b="0"/>
-        </a:effectRef>
-        <a:fontRef idx="minor"/>
-      </dsp:style>
-      <dsp:txBody>
-        <a:bodyPr spcFirstLastPara="0" vert="horz" wrap="square" lIns="68580" tIns="68580" rIns="68580" bIns="68580" numCol="1" spcCol="1270" anchor="ctr" anchorCtr="0">
-          <a:noAutofit/>
-          <a:scene3d>
-            <a:camera prst="orthographicFront"/>
-            <a:lightRig rig="soft" dir="t">
-              <a:rot lat="0" lon="0" rev="10800000"/>
-            </a:lightRig>
-          </a:scene3d>
-          <a:sp3d>
-            <a:bevelT w="27940" h="12700"/>
-            <a:contourClr>
-              <a:srgbClr val="DDDDDD"/>
-            </a:contourClr>
-          </a:sp3d>
-        </a:bodyPr>
-        <a:lstStyle/>
-        <a:p>
-          <a:pPr marL="171450" lvl="1" indent="-171450" algn="l" defTabSz="800100">
-            <a:lnSpc>
-              <a:spcPct val="90000"/>
-            </a:lnSpc>
-            <a:spcBef>
-              <a:spcPct val="0"/>
-            </a:spcBef>
-            <a:spcAft>
-              <a:spcPct val="15000"/>
-            </a:spcAft>
-            <a:buChar char="••"/>
-          </a:pPr>
-          <a:r>
-            <a:rPr lang="en-US" sz="1800" b="1" kern="1200" cap="none" spc="150" dirty="0" smtClean="0">
-              <a:ln w="11430"/>
-              <a:solidFill>
-                <a:srgbClr val="7F7F7F"/>
-              </a:solidFill>
-              <a:effectLst>
-                <a:outerShdw blurRad="25400" algn="tl" rotWithShape="0">
-                  <a:srgbClr val="000000">
-                    <a:alpha val="43000"/>
-                  </a:srgbClr>
-                </a:outerShdw>
-              </a:effectLst>
-              <a:latin typeface="Helvetica"/>
-              <a:cs typeface="Helvetica"/>
-            </a:rPr>
-            <a:t>Printed Report</a:t>
-          </a:r>
-          <a:endParaRPr lang="en-US" sz="1800" b="1" kern="1200" cap="none" spc="150" dirty="0">
-            <a:ln w="11430"/>
-            <a:solidFill>
-              <a:srgbClr val="7F7F7F"/>
-            </a:solidFill>
-            <a:effectLst>
-              <a:outerShdw blurRad="25400" algn="tl" rotWithShape="0">
-                <a:srgbClr val="000000">
-                  <a:alpha val="43000"/>
-                </a:srgbClr>
-              </a:outerShdw>
-            </a:effectLst>
-            <a:latin typeface="Helvetica"/>
-            <a:cs typeface="Helvetica"/>
-          </a:endParaRPr>
-        </a:p>
-        <a:p>
-          <a:pPr marL="171450" lvl="1" indent="-171450" algn="l" defTabSz="800100">
-            <a:lnSpc>
-              <a:spcPct val="90000"/>
-            </a:lnSpc>
-            <a:spcBef>
-              <a:spcPct val="0"/>
-            </a:spcBef>
-            <a:spcAft>
-              <a:spcPct val="15000"/>
-            </a:spcAft>
-            <a:buChar char="••"/>
-          </a:pPr>
-          <a:r>
-            <a:rPr lang="en-US" sz="1800" b="1" kern="1200" cap="none" spc="150" dirty="0" smtClean="0">
-              <a:ln w="11430"/>
-              <a:solidFill>
-                <a:srgbClr val="7F7F7F"/>
-              </a:solidFill>
-              <a:effectLst>
-                <a:outerShdw blurRad="25400" algn="tl" rotWithShape="0">
-                  <a:srgbClr val="000000">
-                    <a:alpha val="43000"/>
-                  </a:srgbClr>
-                </a:outerShdw>
-              </a:effectLst>
-              <a:latin typeface="Helvetica"/>
-              <a:cs typeface="Helvetica"/>
-            </a:rPr>
-            <a:t>Digital Report</a:t>
-          </a:r>
-          <a:endParaRPr lang="en-US" sz="1800" b="1" kern="1200" cap="none" spc="150" dirty="0">
-            <a:ln w="11430"/>
-            <a:solidFill>
-              <a:srgbClr val="7F7F7F"/>
-            </a:solidFill>
-            <a:effectLst>
-              <a:outerShdw blurRad="25400" algn="tl" rotWithShape="0">
-                <a:srgbClr val="000000">
-                  <a:alpha val="43000"/>
-                </a:srgbClr>
-              </a:outerShdw>
-            </a:effectLst>
-            <a:latin typeface="Helvetica"/>
-            <a:cs typeface="Helvetica"/>
-          </a:endParaRPr>
-        </a:p>
-        <a:p>
-          <a:pPr marL="171450" lvl="1" indent="-171450" algn="l" defTabSz="800100">
-            <a:lnSpc>
-              <a:spcPct val="90000"/>
-            </a:lnSpc>
-            <a:spcBef>
-              <a:spcPct val="0"/>
-            </a:spcBef>
-            <a:spcAft>
-              <a:spcPct val="15000"/>
-            </a:spcAft>
-            <a:buChar char="••"/>
-          </a:pPr>
-          <a:r>
-            <a:rPr lang="en-US" sz="1800" b="1" kern="1200" cap="none" spc="150" dirty="0" err="1" smtClean="0">
-              <a:ln w="11430"/>
-              <a:solidFill>
-                <a:srgbClr val="7F7F7F"/>
-              </a:solidFill>
-              <a:effectLst>
-                <a:outerShdw blurRad="25400" algn="tl" rotWithShape="0">
-                  <a:srgbClr val="000000">
-                    <a:alpha val="43000"/>
-                  </a:srgbClr>
-                </a:outerShdw>
-              </a:effectLst>
-              <a:latin typeface="Helvetica"/>
-              <a:cs typeface="Helvetica"/>
-            </a:rPr>
-            <a:t>Git</a:t>
-          </a:r>
-          <a:r>
-            <a:rPr lang="en-US" sz="1800" b="1" kern="1200" cap="none" spc="150" dirty="0" smtClean="0">
-              <a:ln w="11430"/>
-              <a:solidFill>
-                <a:srgbClr val="7F7F7F"/>
-              </a:solidFill>
-              <a:effectLst>
-                <a:outerShdw blurRad="25400" algn="tl" rotWithShape="0">
-                  <a:srgbClr val="000000">
-                    <a:alpha val="43000"/>
-                  </a:srgbClr>
-                </a:outerShdw>
-              </a:effectLst>
-              <a:latin typeface="Helvetica"/>
-              <a:cs typeface="Helvetica"/>
-            </a:rPr>
-            <a:t> Record</a:t>
-          </a:r>
-          <a:endParaRPr lang="en-US" sz="1800" b="1" kern="1200" cap="none" spc="150" dirty="0">
-            <a:ln w="11430"/>
-            <a:solidFill>
-              <a:srgbClr val="7F7F7F"/>
-            </a:solidFill>
-            <a:effectLst>
-              <a:outerShdw blurRad="25400" algn="tl" rotWithShape="0">
-                <a:srgbClr val="000000">
-                  <a:alpha val="43000"/>
-                </a:srgbClr>
-              </a:outerShdw>
-            </a:effectLst>
-            <a:latin typeface="Helvetica"/>
-            <a:cs typeface="Helvetica"/>
-          </a:endParaRPr>
-        </a:p>
-      </dsp:txBody>
-      <dsp:txXfrm>
-        <a:off x="4522841" y="1859397"/>
-        <a:ext cx="3038908" cy="1214403"/>
-      </dsp:txXfrm>
-    </dsp:sp>
-    <dsp:sp modelId="{47653E83-8507-5144-9599-9F549F208820}">
-      <dsp:nvSpPr>
-        <dsp:cNvPr id="0" name=""/>
-        <dsp:cNvSpPr/>
-      </dsp:nvSpPr>
-      <dsp:spPr>
-        <a:xfrm>
-          <a:off x="4254468" y="3403924"/>
-          <a:ext cx="2146556" cy="1502520"/>
-        </a:xfrm>
-        <a:prstGeom prst="roundRect">
-          <a:avLst>
-            <a:gd name="adj" fmla="val 16670"/>
-          </a:avLst>
-        </a:prstGeom>
-        <a:gradFill rotWithShape="1">
-          <a:gsLst>
-            <a:gs pos="0">
-              <a:schemeClr val="accent3">
-                <a:tint val="100000"/>
-                <a:shade val="100000"/>
-                <a:satMod val="130000"/>
-              </a:schemeClr>
-            </a:gs>
-            <a:gs pos="100000">
-              <a:schemeClr val="accent3">
-                <a:tint val="50000"/>
-                <a:shade val="100000"/>
-                <a:satMod val="350000"/>
-              </a:schemeClr>
-            </a:gs>
-          </a:gsLst>
-          <a:lin ang="16200000" scaled="0"/>
-        </a:gradFill>
-        <a:ln w="9525" cap="flat" cmpd="sng" algn="ctr">
-          <a:solidFill>
-            <a:schemeClr val="accent3">
-              <a:shade val="95000"/>
-              <a:satMod val="105000"/>
-            </a:schemeClr>
-          </a:solidFill>
-          <a:prstDash val="solid"/>
-        </a:ln>
-        <a:effectLst>
-          <a:outerShdw blurRad="40000" dist="23000" dir="5400000" rotWithShape="0">
-            <a:srgbClr val="000000">
-              <a:alpha val="35000"/>
-            </a:srgbClr>
-          </a:outerShdw>
-        </a:effectLst>
-      </dsp:spPr>
-      <dsp:style>
-        <a:lnRef idx="1">
-          <a:schemeClr val="accent3"/>
-        </a:lnRef>
-        <a:fillRef idx="3">
-          <a:schemeClr val="accent3"/>
-        </a:fillRef>
-        <a:effectRef idx="2">
-          <a:schemeClr val="accent3"/>
-        </a:effectRef>
-        <a:fontRef idx="minor">
-          <a:schemeClr val="lt1"/>
-        </a:fontRef>
-      </dsp:style>
-      <dsp:txBody>
-        <a:bodyPr spcFirstLastPara="0" vert="horz" wrap="square" lIns="91440" tIns="91440" rIns="91440" bIns="91440" numCol="1" spcCol="1270" anchor="ctr" anchorCtr="0">
-          <a:noAutofit/>
-          <a:scene3d>
-            <a:camera prst="orthographicFront"/>
-            <a:lightRig rig="soft" dir="t">
-              <a:rot lat="0" lon="0" rev="10800000"/>
-            </a:lightRig>
-          </a:scene3d>
-          <a:sp3d>
-            <a:bevelT w="27940" h="12700"/>
-            <a:contourClr>
-              <a:srgbClr val="DDDDDD"/>
-            </a:contourClr>
-          </a:sp3d>
-        </a:bodyPr>
-        <a:lstStyle/>
-        <a:p>
-          <a:pPr lvl="0" algn="ctr" defTabSz="1066800">
-            <a:lnSpc>
-              <a:spcPct val="90000"/>
-            </a:lnSpc>
-            <a:spcBef>
-              <a:spcPct val="0"/>
-            </a:spcBef>
-            <a:spcAft>
-              <a:spcPct val="35000"/>
-            </a:spcAft>
-          </a:pPr>
-          <a:r>
-            <a:rPr lang="en-US" sz="2400" b="1" kern="1200" cap="none" spc="150" dirty="0" smtClean="0">
-              <a:ln w="11430"/>
-              <a:solidFill>
-                <a:srgbClr val="7F7F7F"/>
-              </a:solidFill>
-              <a:effectLst>
-                <a:outerShdw blurRad="25400" algn="tl" rotWithShape="0">
-                  <a:srgbClr val="000000">
-                    <a:alpha val="43000"/>
-                  </a:srgbClr>
-                </a:outerShdw>
-              </a:effectLst>
-              <a:latin typeface="Helvetica"/>
-              <a:cs typeface="Helvetica"/>
-            </a:rPr>
-            <a:t>Outcomes</a:t>
-          </a:r>
-          <a:endParaRPr lang="en-US" sz="2400" b="1" kern="1200" cap="none" spc="150" dirty="0">
-            <a:ln w="11430"/>
-            <a:solidFill>
-              <a:srgbClr val="7F7F7F"/>
-            </a:solidFill>
-            <a:effectLst>
-              <a:outerShdw blurRad="25400" algn="tl" rotWithShape="0">
-                <a:srgbClr val="000000">
-                  <a:alpha val="43000"/>
-                </a:srgbClr>
-              </a:outerShdw>
-            </a:effectLst>
-            <a:latin typeface="Helvetica"/>
-            <a:cs typeface="Helvetica"/>
-          </a:endParaRPr>
-        </a:p>
-      </dsp:txBody>
-      <dsp:txXfrm>
-        <a:off x="4327828" y="3477284"/>
-        <a:ext cx="1999836" cy="1355800"/>
-      </dsp:txXfrm>
-    </dsp:sp>
-    <dsp:sp modelId="{9FD8DC8B-AE38-004F-AAE1-BFE0E9A45867}">
-      <dsp:nvSpPr>
-        <dsp:cNvPr id="0" name=""/>
-        <dsp:cNvSpPr/>
-      </dsp:nvSpPr>
-      <dsp:spPr>
-        <a:xfrm>
-          <a:off x="6422679" y="3560448"/>
-          <a:ext cx="2135972" cy="1214403"/>
-        </a:xfrm>
-        <a:prstGeom prst="rect">
-          <a:avLst/>
-        </a:prstGeom>
-        <a:noFill/>
-        <a:ln>
-          <a:noFill/>
-        </a:ln>
-        <a:effectLst/>
-      </dsp:spPr>
-      <dsp:style>
-        <a:lnRef idx="0">
-          <a:scrgbClr r="0" g="0" b="0"/>
-        </a:lnRef>
-        <a:fillRef idx="0">
-          <a:scrgbClr r="0" g="0" b="0"/>
-        </a:fillRef>
-        <a:effectRef idx="0">
-          <a:scrgbClr r="0" g="0" b="0"/>
-        </a:effectRef>
-        <a:fontRef idx="minor"/>
-      </dsp:style>
-      <dsp:txBody>
-        <a:bodyPr spcFirstLastPara="0" vert="horz" wrap="square" lIns="76200" tIns="76200" rIns="76200" bIns="76200" numCol="1" spcCol="1270" anchor="ctr" anchorCtr="0">
-          <a:noAutofit/>
-          <a:scene3d>
-            <a:camera prst="orthographicFront"/>
-            <a:lightRig rig="soft" dir="t">
-              <a:rot lat="0" lon="0" rev="10800000"/>
-            </a:lightRig>
-          </a:scene3d>
-          <a:sp3d>
-            <a:bevelT w="27940" h="12700"/>
-            <a:contourClr>
-              <a:srgbClr val="DDDDDD"/>
-            </a:contourClr>
-          </a:sp3d>
-        </a:bodyPr>
-        <a:lstStyle/>
-        <a:p>
-          <a:pPr marL="228600" lvl="1" indent="-228600" algn="l" defTabSz="889000">
-            <a:lnSpc>
-              <a:spcPct val="90000"/>
-            </a:lnSpc>
-            <a:spcBef>
-              <a:spcPct val="0"/>
-            </a:spcBef>
-            <a:spcAft>
-              <a:spcPct val="15000"/>
-            </a:spcAft>
-            <a:buChar char="••"/>
-          </a:pPr>
-          <a:r>
-            <a:rPr lang="en-US" sz="2000" b="1" kern="1200" cap="none" spc="150" dirty="0" smtClean="0">
-              <a:ln w="11430"/>
-              <a:solidFill>
-                <a:srgbClr val="7F7F7F"/>
-              </a:solidFill>
-              <a:effectLst>
-                <a:outerShdw blurRad="25400" algn="tl" rotWithShape="0">
-                  <a:srgbClr val="000000">
-                    <a:alpha val="43000"/>
-                  </a:srgbClr>
-                </a:outerShdw>
-              </a:effectLst>
-              <a:latin typeface="Helvetica"/>
-              <a:cs typeface="Helvetica"/>
-            </a:rPr>
-            <a:t>Global strategy for Smart Homes</a:t>
-          </a:r>
-          <a:endParaRPr lang="en-US" sz="2000" b="1" kern="1200" cap="none" spc="150" dirty="0">
-            <a:ln w="11430"/>
-            <a:solidFill>
-              <a:srgbClr val="7F7F7F"/>
-            </a:solidFill>
-            <a:effectLst>
-              <a:outerShdw blurRad="25400" algn="tl" rotWithShape="0">
-                <a:srgbClr val="000000">
-                  <a:alpha val="43000"/>
-                </a:srgbClr>
-              </a:outerShdw>
-            </a:effectLst>
-            <a:latin typeface="Helvetica"/>
-            <a:cs typeface="Helvetica"/>
-          </a:endParaRPr>
-        </a:p>
-      </dsp:txBody>
-      <dsp:txXfrm>
-        <a:off x="6422679" y="3560448"/>
-        <a:ext cx="2135972" cy="1214403"/>
-      </dsp:txXfrm>
     </dsp:sp>
   </dsp:spTree>
 </dsp:drawing>
@@ -7627,1359 +4513,7 @@
 </dgm:layoutDef>
 </file>
 
-<file path=ppt/diagrams/layout2.xml><?xml version="1.0" encoding="utf-8"?>
-<dgm:layoutDef xmlns:dgm="http://schemas.openxmlformats.org/drawingml/2006/diagram" xmlns:a="http://schemas.openxmlformats.org/drawingml/2006/main" uniqueId="urn:microsoft.com/office/officeart/2005/8/layout/StepDownProcess">
-  <dgm:title val=""/>
-  <dgm:desc val=""/>
-  <dgm:catLst>
-    <dgm:cat type="process" pri="1600"/>
-  </dgm:catLst>
-  <dgm:sampData>
-    <dgm:dataModel>
-      <dgm:ptLst>
-        <dgm:pt modelId="0" type="doc"/>
-        <dgm:pt modelId="10">
-          <dgm:prSet phldr="1"/>
-        </dgm:pt>
-        <dgm:pt modelId="11">
-          <dgm:prSet phldr="1"/>
-        </dgm:pt>
-        <dgm:pt modelId="20">
-          <dgm:prSet phldr="1"/>
-        </dgm:pt>
-        <dgm:pt modelId="21">
-          <dgm:prSet phldr="1"/>
-        </dgm:pt>
-        <dgm:pt modelId="30">
-          <dgm:prSet phldr="1"/>
-        </dgm:pt>
-        <dgm:pt modelId="31">
-          <dgm:prSet phldr="1"/>
-        </dgm:pt>
-      </dgm:ptLst>
-      <dgm:cxnLst>
-        <dgm:cxn modelId="60" srcId="0" destId="10" srcOrd="0" destOrd="0"/>
-        <dgm:cxn modelId="12" srcId="10" destId="11" srcOrd="0" destOrd="0"/>
-        <dgm:cxn modelId="70" srcId="0" destId="20" srcOrd="1" destOrd="0"/>
-        <dgm:cxn modelId="22" srcId="20" destId="21" srcOrd="0" destOrd="0"/>
-        <dgm:cxn modelId="80" srcId="0" destId="30" srcOrd="2" destOrd="0"/>
-        <dgm:cxn modelId="32" srcId="30" destId="31" srcOrd="0" destOrd="0"/>
-      </dgm:cxnLst>
-      <dgm:bg/>
-      <dgm:whole/>
-    </dgm:dataModel>
-  </dgm:sampData>
-  <dgm:styleData>
-    <dgm:dataModel>
-      <dgm:ptLst>
-        <dgm:pt modelId="0" type="doc"/>
-        <dgm:pt modelId="10">
-          <dgm:prSet phldr="1"/>
-        </dgm:pt>
-        <dgm:pt modelId="20">
-          <dgm:prSet phldr="1"/>
-        </dgm:pt>
-      </dgm:ptLst>
-      <dgm:cxnLst>
-        <dgm:cxn modelId="60" srcId="0" destId="10" srcOrd="0" destOrd="0"/>
-        <dgm:cxn modelId="70" srcId="0" destId="20" srcOrd="1" destOrd="0"/>
-      </dgm:cxnLst>
-      <dgm:bg/>
-      <dgm:whole/>
-    </dgm:dataModel>
-  </dgm:styleData>
-  <dgm:clrData>
-    <dgm:dataModel>
-      <dgm:ptLst>
-        <dgm:pt modelId="0" type="doc"/>
-        <dgm:pt modelId="10">
-          <dgm:prSet phldr="1"/>
-        </dgm:pt>
-        <dgm:pt modelId="20">
-          <dgm:prSet phldr="1"/>
-        </dgm:pt>
-        <dgm:pt modelId="30">
-          <dgm:prSet phldr="1"/>
-        </dgm:pt>
-        <dgm:pt modelId="40">
-          <dgm:prSet phldr="1"/>
-        </dgm:pt>
-      </dgm:ptLst>
-      <dgm:cxnLst>
-        <dgm:cxn modelId="60" srcId="0" destId="10" srcOrd="0" destOrd="0"/>
-        <dgm:cxn modelId="70" srcId="0" destId="20" srcOrd="1" destOrd="0"/>
-        <dgm:cxn modelId="80" srcId="0" destId="30" srcOrd="2" destOrd="0"/>
-        <dgm:cxn modelId="90" srcId="0" destId="40" srcOrd="3" destOrd="0"/>
-      </dgm:cxnLst>
-      <dgm:bg/>
-      <dgm:whole/>
-    </dgm:dataModel>
-  </dgm:clrData>
-  <dgm:layoutNode name="rootnode">
-    <dgm:varLst>
-      <dgm:chMax/>
-      <dgm:chPref/>
-      <dgm:dir/>
-      <dgm:animLvl val="lvl"/>
-    </dgm:varLst>
-    <dgm:choose name="Name0">
-      <dgm:if name="Name1" func="var" arg="dir" op="equ" val="norm">
-        <dgm:alg type="snake">
-          <dgm:param type="grDir" val="tL"/>
-          <dgm:param type="flowDir" val="row"/>
-          <dgm:param type="off" val="off"/>
-          <dgm:param type="bkpt" val="fixed"/>
-          <dgm:param type="bkPtFixedVal" val="1"/>
-        </dgm:alg>
-      </dgm:if>
-      <dgm:else name="Name2">
-        <dgm:alg type="snake">
-          <dgm:param type="grDir" val="tR"/>
-          <dgm:param type="flowDir" val="row"/>
-          <dgm:param type="off" val="off"/>
-          <dgm:param type="bkpt" val="fixed"/>
-          <dgm:param type="bkPtFixedVal" val="1"/>
-        </dgm:alg>
-      </dgm:else>
-    </dgm:choose>
-    <dgm:shape xmlns:r="http://schemas.openxmlformats.org/officeDocument/2006/relationships" r:blip="">
-      <dgm:adjLst/>
-    </dgm:shape>
-    <dgm:choose name="Name3">
-      <dgm:if name="Name4" func="var" arg="dir" op="equ" val="norm">
-        <dgm:constrLst>
-          <dgm:constr type="alignOff" forName="rootnode" val="0.48"/>
-          <dgm:constr type="primFontSz" for="des" forName="ParentText" val="65"/>
-          <dgm:constr type="primFontSz" for="des" forName="ChildText" refType="primFontSz" refFor="des" refForName="ParentText" op="lte"/>
-          <dgm:constr type="w" for="ch" forName="composite" refType="w"/>
-          <dgm:constr type="h" for="ch" forName="composite" refType="h"/>
-          <dgm:constr type="sp" refType="h" refFor="ch" refForName="composite" op="equ" fact="-0.38"/>
-        </dgm:constrLst>
-      </dgm:if>
-      <dgm:else name="Name5">
-        <dgm:constrLst>
-          <dgm:constr type="alignOff" forName="rootnode" val="0.48"/>
-          <dgm:constr type="primFontSz" for="des" forName="ParentText" val="65"/>
-          <dgm:constr type="primFontSz" for="des" forName="ChildText" refType="primFontSz" refFor="des" refForName="ParentText" op="lte"/>
-          <dgm:constr type="w" for="ch" forName="composite" refType="w"/>
-          <dgm:constr type="h" for="ch" forName="composite" refType="h"/>
-          <dgm:constr type="sp" refType="h" refFor="ch" refForName="composite" op="equ" fact="-0.38"/>
-        </dgm:constrLst>
-      </dgm:else>
-    </dgm:choose>
-    <dgm:forEach name="nodesForEach" axis="ch" ptType="node">
-      <dgm:layoutNode name="composite">
-        <dgm:alg type="composite">
-          <dgm:param type="ar" val="1.2439"/>
-        </dgm:alg>
-        <dgm:shape xmlns:r="http://schemas.openxmlformats.org/officeDocument/2006/relationships" r:blip="">
-          <dgm:adjLst/>
-        </dgm:shape>
-        <dgm:choose name="Name6">
-          <dgm:if name="Name7" func="var" arg="dir" op="equ" val="norm">
-            <dgm:constrLst>
-              <dgm:constr type="l" for="ch" forName="bentUpArrow1" refType="w" fact="0.07"/>
-              <dgm:constr type="t" for="ch" forName="bentUpArrow1" refType="h" fact="0.524"/>
-              <dgm:constr type="w" for="ch" forName="bentUpArrow1" refType="w" fact="0.3844"/>
-              <dgm:constr type="h" for="ch" forName="bentUpArrow1" refType="h" fact="0.42"/>
-              <dgm:constr type="l" for="ch" forName="ParentText" refType="w" fact="0"/>
-              <dgm:constr type="t" for="ch" forName="ParentText" refType="h" fact="0"/>
-              <dgm:constr type="w" for="ch" forName="ParentText" refType="w" fact="0.5684"/>
-              <dgm:constr type="h" for="ch" forName="ParentText" refType="h" fact="0.4949"/>
-              <dgm:constr type="l" for="ch" forName="ChildText" refType="w" refFor="ch" refForName="ParentText"/>
-              <dgm:constr type="t" for="ch" forName="ChildText" refType="h" fact="0.05"/>
-              <dgm:constr type="w" for="ch" forName="ChildText" refType="w" fact="0.4134"/>
-              <dgm:constr type="h" for="ch" forName="ChildText" refType="h" fact="0.4"/>
-              <dgm:constr type="l" for="ch" forName="FinalChildText" refType="w" refFor="ch" refForName="ParentText"/>
-              <dgm:constr type="t" for="ch" forName="FinalChildText" refType="h" fact="0.05"/>
-              <dgm:constr type="w" for="ch" forName="FinalChildText" refType="w" fact="0.4134"/>
-              <dgm:constr type="h" for="ch" forName="FinalChildText" refType="h" fact="0.4"/>
-            </dgm:constrLst>
-          </dgm:if>
-          <dgm:else name="Name8">
-            <dgm:constrLst>
-              <dgm:constr type="r" for="ch" forName="bentUpArrow1" refType="w" fact="0.97"/>
-              <dgm:constr type="t" for="ch" forName="bentUpArrow1" refType="h" fact="0.524"/>
-              <dgm:constr type="w" for="ch" forName="bentUpArrow1" refType="w" fact="0.3844"/>
-              <dgm:constr type="h" for="ch" forName="bentUpArrow1" refType="h" fact="0.42"/>
-              <dgm:constr type="l" for="ch" forName="ParentText" refType="w" fact="0.4316"/>
-              <dgm:constr type="t" for="ch" forName="ParentText" refType="h" fact="0"/>
-              <dgm:constr type="w" for="ch" forName="ParentText" refType="w" fact="0.5684"/>
-              <dgm:constr type="h" for="ch" forName="ParentText" refType="h" fact="0.4949"/>
-              <dgm:constr type="l" for="ch" forName="ChildText" refType="w" fact="0"/>
-              <dgm:constr type="t" for="ch" forName="ChildText" refType="h" fact="0.05"/>
-              <dgm:constr type="w" for="ch" forName="ChildText" refType="w" fact="0.4134"/>
-              <dgm:constr type="h" for="ch" forName="ChildText" refType="h" fact="0.4"/>
-              <dgm:constr type="l" for="ch" forName="FinalChildText" refType="w" fact="0"/>
-              <dgm:constr type="t" for="ch" forName="FinalChildText" refType="h" fact="0.05"/>
-              <dgm:constr type="w" for="ch" forName="FinalChildText" refType="w" fact="0.4134"/>
-              <dgm:constr type="h" for="ch" forName="FinalChildText" refType="h" fact="0.4"/>
-            </dgm:constrLst>
-          </dgm:else>
-        </dgm:choose>
-        <dgm:choose name="Name9">
-          <dgm:if name="Name10" axis="followSib" ptType="node" func="cnt" op="gte" val="1">
-            <dgm:layoutNode name="bentUpArrow1" styleLbl="alignImgPlace1">
-              <dgm:alg type="sp"/>
-              <dgm:choose name="Name11">
-                <dgm:if name="Name12" func="var" arg="dir" op="equ" val="norm">
-                  <dgm:shape xmlns:r="http://schemas.openxmlformats.org/officeDocument/2006/relationships" rot="90" type="bentUpArrow" r:blip="">
-                    <dgm:adjLst>
-                      <dgm:adj idx="1" val="0.3284"/>
-                      <dgm:adj idx="2" val="0.25"/>
-                      <dgm:adj idx="3" val="0.3578"/>
-                    </dgm:adjLst>
-                  </dgm:shape>
-                </dgm:if>
-                <dgm:else name="Name13">
-                  <dgm:shape xmlns:r="http://schemas.openxmlformats.org/officeDocument/2006/relationships" rot="180" type="bentArrow" r:blip="">
-                    <dgm:adjLst>
-                      <dgm:adj idx="1" val="0.3284"/>
-                      <dgm:adj idx="2" val="0.25"/>
-                      <dgm:adj idx="3" val="0.3578"/>
-                      <dgm:adj idx="4" val="0"/>
-                    </dgm:adjLst>
-                  </dgm:shape>
-                </dgm:else>
-              </dgm:choose>
-              <dgm:presOf/>
-            </dgm:layoutNode>
-          </dgm:if>
-          <dgm:else name="Name14"/>
-        </dgm:choose>
-        <dgm:layoutNode name="ParentText" styleLbl="node1">
-          <dgm:varLst>
-            <dgm:chMax val="1"/>
-            <dgm:chPref val="1"/>
-            <dgm:bulletEnabled val="1"/>
-          </dgm:varLst>
-          <dgm:alg type="tx"/>
-          <dgm:shape xmlns:r="http://schemas.openxmlformats.org/officeDocument/2006/relationships" type="roundRect" r:blip="">
-            <dgm:adjLst>
-              <dgm:adj idx="1" val="0.1667"/>
-            </dgm:adjLst>
-          </dgm:shape>
-          <dgm:presOf axis="self" ptType="node"/>
-          <dgm:constrLst>
-            <dgm:constr type="lMarg" refType="primFontSz" fact="0.3"/>
-            <dgm:constr type="rMarg" refType="primFontSz" fact="0.3"/>
-            <dgm:constr type="tMarg" refType="primFontSz" fact="0.3"/>
-            <dgm:constr type="bMarg" refType="primFontSz" fact="0.3"/>
-          </dgm:constrLst>
-          <dgm:ruleLst>
-            <dgm:rule type="primFontSz" val="5" fact="NaN" max="NaN"/>
-          </dgm:ruleLst>
-        </dgm:layoutNode>
-        <dgm:choose name="Name15">
-          <dgm:if name="Name16" axis="followSib" ptType="node" func="cnt" op="equ" val="0">
-            <dgm:choose name="Name17">
-              <dgm:if name="Name18" axis="ch" ptType="node" func="cnt" op="gte" val="1">
-                <dgm:layoutNode name="FinalChildText" styleLbl="revTx">
-                  <dgm:varLst>
-                    <dgm:chMax val="0"/>
-                    <dgm:chPref val="0"/>
-                    <dgm:bulletEnabled val="1"/>
-                  </dgm:varLst>
-                  <dgm:alg type="tx">
-                    <dgm:param type="stBulletLvl" val="1"/>
-                    <dgm:param type="txAnchorVertCh" val="mid"/>
-                    <dgm:param type="parTxLTRAlign" val="l"/>
-                  </dgm:alg>
-                  <dgm:shape xmlns:r="http://schemas.openxmlformats.org/officeDocument/2006/relationships" type="rect" r:blip="">
-                    <dgm:adjLst/>
-                  </dgm:shape>
-                  <dgm:presOf axis="des" ptType="node"/>
-                  <dgm:constrLst>
-                    <dgm:constr type="lMarg" refType="primFontSz" fact="0.3"/>
-                    <dgm:constr type="rMarg" refType="primFontSz" fact="0.3"/>
-                    <dgm:constr type="tMarg" refType="primFontSz" fact="0.3"/>
-                    <dgm:constr type="bMarg" refType="primFontSz" fact="0.3"/>
-                  </dgm:constrLst>
-                  <dgm:ruleLst>
-                    <dgm:rule type="primFontSz" val="5" fact="NaN" max="NaN"/>
-                  </dgm:ruleLst>
-                </dgm:layoutNode>
-              </dgm:if>
-              <dgm:else name="Name19"/>
-            </dgm:choose>
-          </dgm:if>
-          <dgm:else name="Name20">
-            <dgm:layoutNode name="ChildText" styleLbl="revTx">
-              <dgm:varLst>
-                <dgm:chMax val="0"/>
-                <dgm:chPref val="0"/>
-                <dgm:bulletEnabled val="1"/>
-              </dgm:varLst>
-              <dgm:alg type="tx">
-                <dgm:param type="stBulletLvl" val="1"/>
-                <dgm:param type="txAnchorVertCh" val="mid"/>
-                <dgm:param type="parTxLTRAlign" val="l"/>
-              </dgm:alg>
-              <dgm:shape xmlns:r="http://schemas.openxmlformats.org/officeDocument/2006/relationships" type="rect" r:blip="">
-                <dgm:adjLst/>
-              </dgm:shape>
-              <dgm:presOf axis="des" ptType="node"/>
-              <dgm:constrLst>
-                <dgm:constr type="lMarg" refType="primFontSz" fact="0.3"/>
-                <dgm:constr type="rMarg" refType="primFontSz" fact="0.3"/>
-                <dgm:constr type="tMarg" refType="primFontSz" fact="0.3"/>
-                <dgm:constr type="bMarg" refType="primFontSz" fact="0.3"/>
-              </dgm:constrLst>
-              <dgm:ruleLst>
-                <dgm:rule type="primFontSz" val="5" fact="NaN" max="NaN"/>
-              </dgm:ruleLst>
-            </dgm:layoutNode>
-          </dgm:else>
-        </dgm:choose>
-      </dgm:layoutNode>
-      <dgm:forEach name="sibTransForEach" axis="followSib" ptType="sibTrans" cnt="1">
-        <dgm:layoutNode name="sibTrans">
-          <dgm:alg type="sp"/>
-          <dgm:shape xmlns:r="http://schemas.openxmlformats.org/officeDocument/2006/relationships" r:blip="">
-            <dgm:adjLst/>
-          </dgm:shape>
-        </dgm:layoutNode>
-      </dgm:forEach>
-    </dgm:forEach>
-  </dgm:layoutNode>
-</dgm:layoutDef>
-</file>
-
 <file path=ppt/diagrams/quickStyle1.xml><?xml version="1.0" encoding="utf-8"?>
-<dgm:styleDef xmlns:dgm="http://schemas.openxmlformats.org/drawingml/2006/diagram" xmlns:a="http://schemas.openxmlformats.org/drawingml/2006/main" uniqueId="urn:microsoft.com/office/officeart/2005/8/quickstyle/simple4">
-  <dgm:title val=""/>
-  <dgm:desc val=""/>
-  <dgm:catLst>
-    <dgm:cat type="simple" pri="10400"/>
-  </dgm:catLst>
-  <dgm:scene3d>
-    <a:camera prst="orthographicFront"/>
-    <a:lightRig rig="threePt" dir="t"/>
-  </dgm:scene3d>
-  <dgm:styleLbl name="node0">
-    <dgm:scene3d>
-      <a:camera prst="orthographicFront"/>
-      <a:lightRig rig="threePt" dir="t"/>
-    </dgm:scene3d>
-    <dgm:sp3d/>
-    <dgm:txPr/>
-    <dgm:style>
-      <a:lnRef idx="0">
-        <a:scrgbClr r="0" g="0" b="0"/>
-      </a:lnRef>
-      <a:fillRef idx="3">
-        <a:scrgbClr r="0" g="0" b="0"/>
-      </a:fillRef>
-      <a:effectRef idx="2">
-        <a:scrgbClr r="0" g="0" b="0"/>
-      </a:effectRef>
-      <a:fontRef idx="minor">
-        <a:schemeClr val="lt1"/>
-      </a:fontRef>
-    </dgm:style>
-  </dgm:styleLbl>
-  <dgm:styleLbl name="lnNode1">
-    <dgm:scene3d>
-      <a:camera prst="orthographicFront"/>
-      <a:lightRig rig="threePt" dir="t"/>
-    </dgm:scene3d>
-    <dgm:sp3d/>
-    <dgm:txPr/>
-    <dgm:style>
-      <a:lnRef idx="1">
-        <a:scrgbClr r="0" g="0" b="0"/>
-      </a:lnRef>
-      <a:fillRef idx="3">
-        <a:scrgbClr r="0" g="0" b="0"/>
-      </a:fillRef>
-      <a:effectRef idx="2">
-        <a:scrgbClr r="0" g="0" b="0"/>
-      </a:effectRef>
-      <a:fontRef idx="minor">
-        <a:schemeClr val="lt1"/>
-      </a:fontRef>
-    </dgm:style>
-  </dgm:styleLbl>
-  <dgm:styleLbl name="vennNode1">
-    <dgm:scene3d>
-      <a:camera prst="orthographicFront"/>
-      <a:lightRig rig="threePt" dir="t"/>
-    </dgm:scene3d>
-    <dgm:sp3d/>
-    <dgm:txPr/>
-    <dgm:style>
-      <a:lnRef idx="0">
-        <a:scrgbClr r="0" g="0" b="0"/>
-      </a:lnRef>
-      <a:fillRef idx="3">
-        <a:scrgbClr r="0" g="0" b="0"/>
-      </a:fillRef>
-      <a:effectRef idx="0">
-        <a:scrgbClr r="0" g="0" b="0"/>
-      </a:effectRef>
-      <a:fontRef idx="minor">
-        <a:schemeClr val="tx1"/>
-      </a:fontRef>
-    </dgm:style>
-  </dgm:styleLbl>
-  <dgm:styleLbl name="alignNode1">
-    <dgm:scene3d>
-      <a:camera prst="orthographicFront"/>
-      <a:lightRig rig="threePt" dir="t"/>
-    </dgm:scene3d>
-    <dgm:sp3d/>
-    <dgm:txPr/>
-    <dgm:style>
-      <a:lnRef idx="1">
-        <a:scrgbClr r="0" g="0" b="0"/>
-      </a:lnRef>
-      <a:fillRef idx="3">
-        <a:scrgbClr r="0" g="0" b="0"/>
-      </a:fillRef>
-      <a:effectRef idx="2">
-        <a:scrgbClr r="0" g="0" b="0"/>
-      </a:effectRef>
-      <a:fontRef idx="minor">
-        <a:schemeClr val="lt1"/>
-      </a:fontRef>
-    </dgm:style>
-  </dgm:styleLbl>
-  <dgm:styleLbl name="node1">
-    <dgm:scene3d>
-      <a:camera prst="orthographicFront"/>
-      <a:lightRig rig="threePt" dir="t"/>
-    </dgm:scene3d>
-    <dgm:sp3d/>
-    <dgm:txPr/>
-    <dgm:style>
-      <a:lnRef idx="0">
-        <a:scrgbClr r="0" g="0" b="0"/>
-      </a:lnRef>
-      <a:fillRef idx="3">
-        <a:scrgbClr r="0" g="0" b="0"/>
-      </a:fillRef>
-      <a:effectRef idx="2">
-        <a:scrgbClr r="0" g="0" b="0"/>
-      </a:effectRef>
-      <a:fontRef idx="minor">
-        <a:schemeClr val="lt1"/>
-      </a:fontRef>
-    </dgm:style>
-  </dgm:styleLbl>
-  <dgm:styleLbl name="node2">
-    <dgm:scene3d>
-      <a:camera prst="orthographicFront"/>
-      <a:lightRig rig="threePt" dir="t"/>
-    </dgm:scene3d>
-    <dgm:sp3d/>
-    <dgm:txPr/>
-    <dgm:style>
-      <a:lnRef idx="0">
-        <a:scrgbClr r="0" g="0" b="0"/>
-      </a:lnRef>
-      <a:fillRef idx="3">
-        <a:scrgbClr r="0" g="0" b="0"/>
-      </a:fillRef>
-      <a:effectRef idx="2">
-        <a:scrgbClr r="0" g="0" b="0"/>
-      </a:effectRef>
-      <a:fontRef idx="minor">
-        <a:schemeClr val="lt1"/>
-      </a:fontRef>
-    </dgm:style>
-  </dgm:styleLbl>
-  <dgm:styleLbl name="node3">
-    <dgm:scene3d>
-      <a:camera prst="orthographicFront"/>
-      <a:lightRig rig="threePt" dir="t"/>
-    </dgm:scene3d>
-    <dgm:sp3d/>
-    <dgm:txPr/>
-    <dgm:style>
-      <a:lnRef idx="0">
-        <a:scrgbClr r="0" g="0" b="0"/>
-      </a:lnRef>
-      <a:fillRef idx="3">
-        <a:scrgbClr r="0" g="0" b="0"/>
-      </a:fillRef>
-      <a:effectRef idx="2">
-        <a:scrgbClr r="0" g="0" b="0"/>
-      </a:effectRef>
-      <a:fontRef idx="minor">
-        <a:schemeClr val="lt1"/>
-      </a:fontRef>
-    </dgm:style>
-  </dgm:styleLbl>
-  <dgm:styleLbl name="node4">
-    <dgm:scene3d>
-      <a:camera prst="orthographicFront"/>
-      <a:lightRig rig="threePt" dir="t"/>
-    </dgm:scene3d>
-    <dgm:sp3d/>
-    <dgm:txPr/>
-    <dgm:style>
-      <a:lnRef idx="0">
-        <a:scrgbClr r="0" g="0" b="0"/>
-      </a:lnRef>
-      <a:fillRef idx="3">
-        <a:scrgbClr r="0" g="0" b="0"/>
-      </a:fillRef>
-      <a:effectRef idx="2">
-        <a:scrgbClr r="0" g="0" b="0"/>
-      </a:effectRef>
-      <a:fontRef idx="minor">
-        <a:schemeClr val="lt1"/>
-      </a:fontRef>
-    </dgm:style>
-  </dgm:styleLbl>
-  <dgm:styleLbl name="fgImgPlace1">
-    <dgm:scene3d>
-      <a:camera prst="orthographicFront"/>
-      <a:lightRig rig="threePt" dir="t"/>
-    </dgm:scene3d>
-    <dgm:sp3d/>
-    <dgm:txPr/>
-    <dgm:style>
-      <a:lnRef idx="0">
-        <a:scrgbClr r="0" g="0" b="0"/>
-      </a:lnRef>
-      <a:fillRef idx="1">
-        <a:scrgbClr r="0" g="0" b="0"/>
-      </a:fillRef>
-      <a:effectRef idx="2">
-        <a:scrgbClr r="0" g="0" b="0"/>
-      </a:effectRef>
-      <a:fontRef idx="minor"/>
-    </dgm:style>
-  </dgm:styleLbl>
-  <dgm:styleLbl name="alignImgPlace1">
-    <dgm:scene3d>
-      <a:camera prst="orthographicFront"/>
-      <a:lightRig rig="threePt" dir="t"/>
-    </dgm:scene3d>
-    <dgm:sp3d/>
-    <dgm:txPr/>
-    <dgm:style>
-      <a:lnRef idx="0">
-        <a:scrgbClr r="0" g="0" b="0"/>
-      </a:lnRef>
-      <a:fillRef idx="1">
-        <a:scrgbClr r="0" g="0" b="0"/>
-      </a:fillRef>
-      <a:effectRef idx="2">
-        <a:scrgbClr r="0" g="0" b="0"/>
-      </a:effectRef>
-      <a:fontRef idx="minor"/>
-    </dgm:style>
-  </dgm:styleLbl>
-  <dgm:styleLbl name="bgImgPlace1">
-    <dgm:scene3d>
-      <a:camera prst="orthographicFront"/>
-      <a:lightRig rig="threePt" dir="t"/>
-    </dgm:scene3d>
-    <dgm:sp3d/>
-    <dgm:txPr/>
-    <dgm:style>
-      <a:lnRef idx="0">
-        <a:scrgbClr r="0" g="0" b="0"/>
-      </a:lnRef>
-      <a:fillRef idx="1">
-        <a:scrgbClr r="0" g="0" b="0"/>
-      </a:fillRef>
-      <a:effectRef idx="2">
-        <a:scrgbClr r="0" g="0" b="0"/>
-      </a:effectRef>
-      <a:fontRef idx="minor"/>
-    </dgm:style>
-  </dgm:styleLbl>
-  <dgm:styleLbl name="sibTrans2D1">
-    <dgm:scene3d>
-      <a:camera prst="orthographicFront"/>
-      <a:lightRig rig="threePt" dir="t"/>
-    </dgm:scene3d>
-    <dgm:sp3d/>
-    <dgm:txPr/>
-    <dgm:style>
-      <a:lnRef idx="0">
-        <a:scrgbClr r="0" g="0" b="0"/>
-      </a:lnRef>
-      <a:fillRef idx="3">
-        <a:scrgbClr r="0" g="0" b="0"/>
-      </a:fillRef>
-      <a:effectRef idx="2">
-        <a:scrgbClr r="0" g="0" b="0"/>
-      </a:effectRef>
-      <a:fontRef idx="minor">
-        <a:schemeClr val="lt1"/>
-      </a:fontRef>
-    </dgm:style>
-  </dgm:styleLbl>
-  <dgm:styleLbl name="fgSibTrans2D1">
-    <dgm:scene3d>
-      <a:camera prst="orthographicFront"/>
-      <a:lightRig rig="threePt" dir="t"/>
-    </dgm:scene3d>
-    <dgm:sp3d/>
-    <dgm:txPr/>
-    <dgm:style>
-      <a:lnRef idx="0">
-        <a:scrgbClr r="0" g="0" b="0"/>
-      </a:lnRef>
-      <a:fillRef idx="3">
-        <a:scrgbClr r="0" g="0" b="0"/>
-      </a:fillRef>
-      <a:effectRef idx="2">
-        <a:scrgbClr r="0" g="0" b="0"/>
-      </a:effectRef>
-      <a:fontRef idx="minor">
-        <a:schemeClr val="lt1"/>
-      </a:fontRef>
-    </dgm:style>
-  </dgm:styleLbl>
-  <dgm:styleLbl name="bgSibTrans2D1">
-    <dgm:scene3d>
-      <a:camera prst="orthographicFront"/>
-      <a:lightRig rig="threePt" dir="t"/>
-    </dgm:scene3d>
-    <dgm:sp3d/>
-    <dgm:txPr/>
-    <dgm:style>
-      <a:lnRef idx="0">
-        <a:scrgbClr r="0" g="0" b="0"/>
-      </a:lnRef>
-      <a:fillRef idx="3">
-        <a:scrgbClr r="0" g="0" b="0"/>
-      </a:fillRef>
-      <a:effectRef idx="2">
-        <a:scrgbClr r="0" g="0" b="0"/>
-      </a:effectRef>
-      <a:fontRef idx="minor">
-        <a:schemeClr val="lt1"/>
-      </a:fontRef>
-    </dgm:style>
-  </dgm:styleLbl>
-  <dgm:styleLbl name="sibTrans1D1">
-    <dgm:scene3d>
-      <a:camera prst="orthographicFront"/>
-      <a:lightRig rig="threePt" dir="t"/>
-    </dgm:scene3d>
-    <dgm:sp3d/>
-    <dgm:txPr/>
-    <dgm:style>
-      <a:lnRef idx="1">
-        <a:scrgbClr r="0" g="0" b="0"/>
-      </a:lnRef>
-      <a:fillRef idx="0">
-        <a:scrgbClr r="0" g="0" b="0"/>
-      </a:fillRef>
-      <a:effectRef idx="0">
-        <a:scrgbClr r="0" g="0" b="0"/>
-      </a:effectRef>
-      <a:fontRef idx="minor"/>
-    </dgm:style>
-  </dgm:styleLbl>
-  <dgm:styleLbl name="callout">
-    <dgm:scene3d>
-      <a:camera prst="orthographicFront"/>
-      <a:lightRig rig="threePt" dir="t"/>
-    </dgm:scene3d>
-    <dgm:sp3d/>
-    <dgm:txPr/>
-    <dgm:style>
-      <a:lnRef idx="2">
-        <a:scrgbClr r="0" g="0" b="0"/>
-      </a:lnRef>
-      <a:fillRef idx="1">
-        <a:scrgbClr r="0" g="0" b="0"/>
-      </a:fillRef>
-      <a:effectRef idx="1">
-        <a:scrgbClr r="0" g="0" b="0"/>
-      </a:effectRef>
-      <a:fontRef idx="minor"/>
-    </dgm:style>
-  </dgm:styleLbl>
-  <dgm:styleLbl name="asst0">
-    <dgm:scene3d>
-      <a:camera prst="orthographicFront"/>
-      <a:lightRig rig="threePt" dir="t"/>
-    </dgm:scene3d>
-    <dgm:sp3d/>
-    <dgm:txPr/>
-    <dgm:style>
-      <a:lnRef idx="0">
-        <a:scrgbClr r="0" g="0" b="0"/>
-      </a:lnRef>
-      <a:fillRef idx="3">
-        <a:scrgbClr r="0" g="0" b="0"/>
-      </a:fillRef>
-      <a:effectRef idx="2">
-        <a:scrgbClr r="0" g="0" b="0"/>
-      </a:effectRef>
-      <a:fontRef idx="minor">
-        <a:schemeClr val="lt1"/>
-      </a:fontRef>
-    </dgm:style>
-  </dgm:styleLbl>
-  <dgm:styleLbl name="asst1">
-    <dgm:scene3d>
-      <a:camera prst="orthographicFront"/>
-      <a:lightRig rig="threePt" dir="t"/>
-    </dgm:scene3d>
-    <dgm:sp3d/>
-    <dgm:txPr/>
-    <dgm:style>
-      <a:lnRef idx="0">
-        <a:scrgbClr r="0" g="0" b="0"/>
-      </a:lnRef>
-      <a:fillRef idx="3">
-        <a:scrgbClr r="0" g="0" b="0"/>
-      </a:fillRef>
-      <a:effectRef idx="2">
-        <a:scrgbClr r="0" g="0" b="0"/>
-      </a:effectRef>
-      <a:fontRef idx="minor">
-        <a:schemeClr val="lt1"/>
-      </a:fontRef>
-    </dgm:style>
-  </dgm:styleLbl>
-  <dgm:styleLbl name="asst2">
-    <dgm:scene3d>
-      <a:camera prst="orthographicFront"/>
-      <a:lightRig rig="threePt" dir="t"/>
-    </dgm:scene3d>
-    <dgm:sp3d/>
-    <dgm:txPr/>
-    <dgm:style>
-      <a:lnRef idx="0">
-        <a:scrgbClr r="0" g="0" b="0"/>
-      </a:lnRef>
-      <a:fillRef idx="3">
-        <a:scrgbClr r="0" g="0" b="0"/>
-      </a:fillRef>
-      <a:effectRef idx="2">
-        <a:scrgbClr r="0" g="0" b="0"/>
-      </a:effectRef>
-      <a:fontRef idx="minor">
-        <a:schemeClr val="lt1"/>
-      </a:fontRef>
-    </dgm:style>
-  </dgm:styleLbl>
-  <dgm:styleLbl name="asst3">
-    <dgm:scene3d>
-      <a:camera prst="orthographicFront"/>
-      <a:lightRig rig="threePt" dir="t"/>
-    </dgm:scene3d>
-    <dgm:sp3d/>
-    <dgm:txPr/>
-    <dgm:style>
-      <a:lnRef idx="0">
-        <a:scrgbClr r="0" g="0" b="0"/>
-      </a:lnRef>
-      <a:fillRef idx="3">
-        <a:scrgbClr r="0" g="0" b="0"/>
-      </a:fillRef>
-      <a:effectRef idx="2">
-        <a:scrgbClr r="0" g="0" b="0"/>
-      </a:effectRef>
-      <a:fontRef idx="minor">
-        <a:schemeClr val="lt1"/>
-      </a:fontRef>
-    </dgm:style>
-  </dgm:styleLbl>
-  <dgm:styleLbl name="asst4">
-    <dgm:scene3d>
-      <a:camera prst="orthographicFront"/>
-      <a:lightRig rig="threePt" dir="t"/>
-    </dgm:scene3d>
-    <dgm:sp3d/>
-    <dgm:txPr/>
-    <dgm:style>
-      <a:lnRef idx="0">
-        <a:scrgbClr r="0" g="0" b="0"/>
-      </a:lnRef>
-      <a:fillRef idx="3">
-        <a:scrgbClr r="0" g="0" b="0"/>
-      </a:fillRef>
-      <a:effectRef idx="2">
-        <a:scrgbClr r="0" g="0" b="0"/>
-      </a:effectRef>
-      <a:fontRef idx="minor">
-        <a:schemeClr val="lt1"/>
-      </a:fontRef>
-    </dgm:style>
-  </dgm:styleLbl>
-  <dgm:styleLbl name="parChTrans2D1">
-    <dgm:scene3d>
-      <a:camera prst="orthographicFront"/>
-      <a:lightRig rig="threePt" dir="t"/>
-    </dgm:scene3d>
-    <dgm:sp3d/>
-    <dgm:txPr/>
-    <dgm:style>
-      <a:lnRef idx="0">
-        <a:scrgbClr r="0" g="0" b="0"/>
-      </a:lnRef>
-      <a:fillRef idx="3">
-        <a:scrgbClr r="0" g="0" b="0"/>
-      </a:fillRef>
-      <a:effectRef idx="2">
-        <a:scrgbClr r="0" g="0" b="0"/>
-      </a:effectRef>
-      <a:fontRef idx="minor">
-        <a:schemeClr val="lt1"/>
-      </a:fontRef>
-    </dgm:style>
-  </dgm:styleLbl>
-  <dgm:styleLbl name="parChTrans2D2">
-    <dgm:scene3d>
-      <a:camera prst="orthographicFront"/>
-      <a:lightRig rig="threePt" dir="t"/>
-    </dgm:scene3d>
-    <dgm:sp3d/>
-    <dgm:txPr/>
-    <dgm:style>
-      <a:lnRef idx="0">
-        <a:scrgbClr r="0" g="0" b="0"/>
-      </a:lnRef>
-      <a:fillRef idx="3">
-        <a:scrgbClr r="0" g="0" b="0"/>
-      </a:fillRef>
-      <a:effectRef idx="2">
-        <a:scrgbClr r="0" g="0" b="0"/>
-      </a:effectRef>
-      <a:fontRef idx="minor">
-        <a:schemeClr val="lt1"/>
-      </a:fontRef>
-    </dgm:style>
-  </dgm:styleLbl>
-  <dgm:styleLbl name="parChTrans2D3">
-    <dgm:scene3d>
-      <a:camera prst="orthographicFront"/>
-      <a:lightRig rig="threePt" dir="t"/>
-    </dgm:scene3d>
-    <dgm:sp3d/>
-    <dgm:txPr/>
-    <dgm:style>
-      <a:lnRef idx="1">
-        <a:scrgbClr r="0" g="0" b="0"/>
-      </a:lnRef>
-      <a:fillRef idx="3">
-        <a:scrgbClr r="0" g="0" b="0"/>
-      </a:fillRef>
-      <a:effectRef idx="2">
-        <a:scrgbClr r="0" g="0" b="0"/>
-      </a:effectRef>
-      <a:fontRef idx="minor">
-        <a:schemeClr val="lt1"/>
-      </a:fontRef>
-    </dgm:style>
-  </dgm:styleLbl>
-  <dgm:styleLbl name="parChTrans2D4">
-    <dgm:scene3d>
-      <a:camera prst="orthographicFront"/>
-      <a:lightRig rig="threePt" dir="t"/>
-    </dgm:scene3d>
-    <dgm:sp3d/>
-    <dgm:txPr/>
-    <dgm:style>
-      <a:lnRef idx="1">
-        <a:scrgbClr r="0" g="0" b="0"/>
-      </a:lnRef>
-      <a:fillRef idx="3">
-        <a:scrgbClr r="0" g="0" b="0"/>
-      </a:fillRef>
-      <a:effectRef idx="2">
-        <a:scrgbClr r="0" g="0" b="0"/>
-      </a:effectRef>
-      <a:fontRef idx="minor">
-        <a:schemeClr val="lt1"/>
-      </a:fontRef>
-    </dgm:style>
-  </dgm:styleLbl>
-  <dgm:styleLbl name="parChTrans1D1">
-    <dgm:scene3d>
-      <a:camera prst="orthographicFront"/>
-      <a:lightRig rig="threePt" dir="t"/>
-    </dgm:scene3d>
-    <dgm:sp3d/>
-    <dgm:txPr/>
-    <dgm:style>
-      <a:lnRef idx="1">
-        <a:scrgbClr r="0" g="0" b="0"/>
-      </a:lnRef>
-      <a:fillRef idx="0">
-        <a:scrgbClr r="0" g="0" b="0"/>
-      </a:fillRef>
-      <a:effectRef idx="0">
-        <a:scrgbClr r="0" g="0" b="0"/>
-      </a:effectRef>
-      <a:fontRef idx="minor"/>
-    </dgm:style>
-  </dgm:styleLbl>
-  <dgm:styleLbl name="parChTrans1D2">
-    <dgm:scene3d>
-      <a:camera prst="orthographicFront"/>
-      <a:lightRig rig="threePt" dir="t"/>
-    </dgm:scene3d>
-    <dgm:sp3d/>
-    <dgm:txPr/>
-    <dgm:style>
-      <a:lnRef idx="1">
-        <a:scrgbClr r="0" g="0" b="0"/>
-      </a:lnRef>
-      <a:fillRef idx="0">
-        <a:scrgbClr r="0" g="0" b="0"/>
-      </a:fillRef>
-      <a:effectRef idx="0">
-        <a:scrgbClr r="0" g="0" b="0"/>
-      </a:effectRef>
-      <a:fontRef idx="minor"/>
-    </dgm:style>
-  </dgm:styleLbl>
-  <dgm:styleLbl name="parChTrans1D3">
-    <dgm:scene3d>
-      <a:camera prst="orthographicFront"/>
-      <a:lightRig rig="threePt" dir="t"/>
-    </dgm:scene3d>
-    <dgm:sp3d/>
-    <dgm:txPr/>
-    <dgm:style>
-      <a:lnRef idx="1">
-        <a:scrgbClr r="0" g="0" b="0"/>
-      </a:lnRef>
-      <a:fillRef idx="0">
-        <a:scrgbClr r="0" g="0" b="0"/>
-      </a:fillRef>
-      <a:effectRef idx="0">
-        <a:scrgbClr r="0" g="0" b="0"/>
-      </a:effectRef>
-      <a:fontRef idx="minor"/>
-    </dgm:style>
-  </dgm:styleLbl>
-  <dgm:styleLbl name="parChTrans1D4">
-    <dgm:scene3d>
-      <a:camera prst="orthographicFront"/>
-      <a:lightRig rig="threePt" dir="t"/>
-    </dgm:scene3d>
-    <dgm:sp3d/>
-    <dgm:txPr/>
-    <dgm:style>
-      <a:lnRef idx="1">
-        <a:scrgbClr r="0" g="0" b="0"/>
-      </a:lnRef>
-      <a:fillRef idx="0">
-        <a:scrgbClr r="0" g="0" b="0"/>
-      </a:fillRef>
-      <a:effectRef idx="0">
-        <a:scrgbClr r="0" g="0" b="0"/>
-      </a:effectRef>
-      <a:fontRef idx="minor"/>
-    </dgm:style>
-  </dgm:styleLbl>
-  <dgm:styleLbl name="fgAcc1">
-    <dgm:scene3d>
-      <a:camera prst="orthographicFront"/>
-      <a:lightRig rig="threePt" dir="t"/>
-    </dgm:scene3d>
-    <dgm:sp3d/>
-    <dgm:txPr/>
-    <dgm:style>
-      <a:lnRef idx="1">
-        <a:scrgbClr r="0" g="0" b="0"/>
-      </a:lnRef>
-      <a:fillRef idx="1">
-        <a:scrgbClr r="0" g="0" b="0"/>
-      </a:fillRef>
-      <a:effectRef idx="0">
-        <a:scrgbClr r="0" g="0" b="0"/>
-      </a:effectRef>
-      <a:fontRef idx="minor"/>
-    </dgm:style>
-  </dgm:styleLbl>
-  <dgm:styleLbl name="conFgAcc1">
-    <dgm:scene3d>
-      <a:camera prst="orthographicFront"/>
-      <a:lightRig rig="threePt" dir="t"/>
-    </dgm:scene3d>
-    <dgm:sp3d/>
-    <dgm:txPr/>
-    <dgm:style>
-      <a:lnRef idx="1">
-        <a:scrgbClr r="0" g="0" b="0"/>
-      </a:lnRef>
-      <a:fillRef idx="1">
-        <a:scrgbClr r="0" g="0" b="0"/>
-      </a:fillRef>
-      <a:effectRef idx="0">
-        <a:scrgbClr r="0" g="0" b="0"/>
-      </a:effectRef>
-      <a:fontRef idx="minor"/>
-    </dgm:style>
-  </dgm:styleLbl>
-  <dgm:styleLbl name="alignAcc1">
-    <dgm:scene3d>
-      <a:camera prst="orthographicFront"/>
-      <a:lightRig rig="threePt" dir="t"/>
-    </dgm:scene3d>
-    <dgm:sp3d/>
-    <dgm:txPr/>
-    <dgm:style>
-      <a:lnRef idx="1">
-        <a:scrgbClr r="0" g="0" b="0"/>
-      </a:lnRef>
-      <a:fillRef idx="1">
-        <a:scrgbClr r="0" g="0" b="0"/>
-      </a:fillRef>
-      <a:effectRef idx="0">
-        <a:scrgbClr r="0" g="0" b="0"/>
-      </a:effectRef>
-      <a:fontRef idx="minor"/>
-    </dgm:style>
-  </dgm:styleLbl>
-  <dgm:styleLbl name="trAlignAcc1">
-    <dgm:scene3d>
-      <a:camera prst="orthographicFront"/>
-      <a:lightRig rig="threePt" dir="t"/>
-    </dgm:scene3d>
-    <dgm:sp3d/>
-    <dgm:txPr/>
-    <dgm:style>
-      <a:lnRef idx="1">
-        <a:scrgbClr r="0" g="0" b="0"/>
-      </a:lnRef>
-      <a:fillRef idx="1">
-        <a:scrgbClr r="0" g="0" b="0"/>
-      </a:fillRef>
-      <a:effectRef idx="0">
-        <a:scrgbClr r="0" g="0" b="0"/>
-      </a:effectRef>
-      <a:fontRef idx="minor"/>
-    </dgm:style>
-  </dgm:styleLbl>
-  <dgm:styleLbl name="bgAcc1">
-    <dgm:scene3d>
-      <a:camera prst="orthographicFront"/>
-      <a:lightRig rig="threePt" dir="t"/>
-    </dgm:scene3d>
-    <dgm:sp3d/>
-    <dgm:txPr/>
-    <dgm:style>
-      <a:lnRef idx="1">
-        <a:scrgbClr r="0" g="0" b="0"/>
-      </a:lnRef>
-      <a:fillRef idx="1">
-        <a:scrgbClr r="0" g="0" b="0"/>
-      </a:fillRef>
-      <a:effectRef idx="0">
-        <a:scrgbClr r="0" g="0" b="0"/>
-      </a:effectRef>
-      <a:fontRef idx="minor"/>
-    </dgm:style>
-  </dgm:styleLbl>
-  <dgm:styleLbl name="solidFgAcc1">
-    <dgm:scene3d>
-      <a:camera prst="orthographicFront"/>
-      <a:lightRig rig="threePt" dir="t"/>
-    </dgm:scene3d>
-    <dgm:sp3d/>
-    <dgm:txPr/>
-    <dgm:style>
-      <a:lnRef idx="1">
-        <a:scrgbClr r="0" g="0" b="0"/>
-      </a:lnRef>
-      <a:fillRef idx="1">
-        <a:scrgbClr r="0" g="0" b="0"/>
-      </a:fillRef>
-      <a:effectRef idx="0">
-        <a:scrgbClr r="0" g="0" b="0"/>
-      </a:effectRef>
-      <a:fontRef idx="minor"/>
-    </dgm:style>
-  </dgm:styleLbl>
-  <dgm:styleLbl name="solidAlignAcc1">
-    <dgm:scene3d>
-      <a:camera prst="orthographicFront"/>
-      <a:lightRig rig="threePt" dir="t"/>
-    </dgm:scene3d>
-    <dgm:sp3d/>
-    <dgm:txPr/>
-    <dgm:style>
-      <a:lnRef idx="1">
-        <a:scrgbClr r="0" g="0" b="0"/>
-      </a:lnRef>
-      <a:fillRef idx="1">
-        <a:scrgbClr r="0" g="0" b="0"/>
-      </a:fillRef>
-      <a:effectRef idx="0">
-        <a:scrgbClr r="0" g="0" b="0"/>
-      </a:effectRef>
-      <a:fontRef idx="minor"/>
-    </dgm:style>
-  </dgm:styleLbl>
-  <dgm:styleLbl name="solidBgAcc1">
-    <dgm:scene3d>
-      <a:camera prst="orthographicFront"/>
-      <a:lightRig rig="threePt" dir="t"/>
-    </dgm:scene3d>
-    <dgm:sp3d/>
-    <dgm:txPr/>
-    <dgm:style>
-      <a:lnRef idx="1">
-        <a:scrgbClr r="0" g="0" b="0"/>
-      </a:lnRef>
-      <a:fillRef idx="1">
-        <a:scrgbClr r="0" g="0" b="0"/>
-      </a:fillRef>
-      <a:effectRef idx="0">
-        <a:scrgbClr r="0" g="0" b="0"/>
-      </a:effectRef>
-      <a:fontRef idx="minor"/>
-    </dgm:style>
-  </dgm:styleLbl>
-  <dgm:styleLbl name="fgAccFollowNode1">
-    <dgm:scene3d>
-      <a:camera prst="orthographicFront"/>
-      <a:lightRig rig="threePt" dir="t"/>
-    </dgm:scene3d>
-    <dgm:sp3d/>
-    <dgm:txPr/>
-    <dgm:style>
-      <a:lnRef idx="1">
-        <a:scrgbClr r="0" g="0" b="0"/>
-      </a:lnRef>
-      <a:fillRef idx="1">
-        <a:scrgbClr r="0" g="0" b="0"/>
-      </a:fillRef>
-      <a:effectRef idx="0">
-        <a:scrgbClr r="0" g="0" b="0"/>
-      </a:effectRef>
-      <a:fontRef idx="minor"/>
-    </dgm:style>
-  </dgm:styleLbl>
-  <dgm:styleLbl name="alignAccFollowNode1">
-    <dgm:scene3d>
-      <a:camera prst="orthographicFront"/>
-      <a:lightRig rig="threePt" dir="t"/>
-    </dgm:scene3d>
-    <dgm:sp3d/>
-    <dgm:txPr/>
-    <dgm:style>
-      <a:lnRef idx="1">
-        <a:scrgbClr r="0" g="0" b="0"/>
-      </a:lnRef>
-      <a:fillRef idx="1">
-        <a:scrgbClr r="0" g="0" b="0"/>
-      </a:fillRef>
-      <a:effectRef idx="0">
-        <a:scrgbClr r="0" g="0" b="0"/>
-      </a:effectRef>
-      <a:fontRef idx="minor"/>
-    </dgm:style>
-  </dgm:styleLbl>
-  <dgm:styleLbl name="bgAccFollowNode1">
-    <dgm:scene3d>
-      <a:camera prst="orthographicFront"/>
-      <a:lightRig rig="threePt" dir="t"/>
-    </dgm:scene3d>
-    <dgm:sp3d/>
-    <dgm:txPr/>
-    <dgm:style>
-      <a:lnRef idx="1">
-        <a:scrgbClr r="0" g="0" b="0"/>
-      </a:lnRef>
-      <a:fillRef idx="1">
-        <a:scrgbClr r="0" g="0" b="0"/>
-      </a:fillRef>
-      <a:effectRef idx="0">
-        <a:scrgbClr r="0" g="0" b="0"/>
-      </a:effectRef>
-      <a:fontRef idx="minor"/>
-    </dgm:style>
-  </dgm:styleLbl>
-  <dgm:styleLbl name="fgAcc0">
-    <dgm:scene3d>
-      <a:camera prst="orthographicFront"/>
-      <a:lightRig rig="threePt" dir="t"/>
-    </dgm:scene3d>
-    <dgm:sp3d/>
-    <dgm:txPr/>
-    <dgm:style>
-      <a:lnRef idx="1">
-        <a:scrgbClr r="0" g="0" b="0"/>
-      </a:lnRef>
-      <a:fillRef idx="1">
-        <a:scrgbClr r="0" g="0" b="0"/>
-      </a:fillRef>
-      <a:effectRef idx="0">
-        <a:scrgbClr r="0" g="0" b="0"/>
-      </a:effectRef>
-      <a:fontRef idx="minor"/>
-    </dgm:style>
-  </dgm:styleLbl>
-  <dgm:styleLbl name="fgAcc2">
-    <dgm:scene3d>
-      <a:camera prst="orthographicFront"/>
-      <a:lightRig rig="threePt" dir="t"/>
-    </dgm:scene3d>
-    <dgm:sp3d/>
-    <dgm:txPr/>
-    <dgm:style>
-      <a:lnRef idx="1">
-        <a:scrgbClr r="0" g="0" b="0"/>
-      </a:lnRef>
-      <a:fillRef idx="1">
-        <a:scrgbClr r="0" g="0" b="0"/>
-      </a:fillRef>
-      <a:effectRef idx="0">
-        <a:scrgbClr r="0" g="0" b="0"/>
-      </a:effectRef>
-      <a:fontRef idx="minor"/>
-    </dgm:style>
-  </dgm:styleLbl>
-  <dgm:styleLbl name="fgAcc3">
-    <dgm:scene3d>
-      <a:camera prst="orthographicFront"/>
-      <a:lightRig rig="threePt" dir="t"/>
-    </dgm:scene3d>
-    <dgm:sp3d/>
-    <dgm:txPr/>
-    <dgm:style>
-      <a:lnRef idx="1">
-        <a:scrgbClr r="0" g="0" b="0"/>
-      </a:lnRef>
-      <a:fillRef idx="1">
-        <a:scrgbClr r="0" g="0" b="0"/>
-      </a:fillRef>
-      <a:effectRef idx="0">
-        <a:scrgbClr r="0" g="0" b="0"/>
-      </a:effectRef>
-      <a:fontRef idx="minor"/>
-    </dgm:style>
-  </dgm:styleLbl>
-  <dgm:styleLbl name="fgAcc4">
-    <dgm:scene3d>
-      <a:camera prst="orthographicFront"/>
-      <a:lightRig rig="threePt" dir="t"/>
-    </dgm:scene3d>
-    <dgm:sp3d/>
-    <dgm:txPr/>
-    <dgm:style>
-      <a:lnRef idx="1">
-        <a:scrgbClr r="0" g="0" b="0"/>
-      </a:lnRef>
-      <a:fillRef idx="1">
-        <a:scrgbClr r="0" g="0" b="0"/>
-      </a:fillRef>
-      <a:effectRef idx="0">
-        <a:scrgbClr r="0" g="0" b="0"/>
-      </a:effectRef>
-      <a:fontRef idx="minor"/>
-    </dgm:style>
-  </dgm:styleLbl>
-  <dgm:styleLbl name="bgShp">
-    <dgm:scene3d>
-      <a:camera prst="orthographicFront"/>
-      <a:lightRig rig="threePt" dir="t"/>
-    </dgm:scene3d>
-    <dgm:sp3d/>
-    <dgm:txPr/>
-    <dgm:style>
-      <a:lnRef idx="0">
-        <a:scrgbClr r="0" g="0" b="0"/>
-      </a:lnRef>
-      <a:fillRef idx="1">
-        <a:scrgbClr r="0" g="0" b="0"/>
-      </a:fillRef>
-      <a:effectRef idx="2">
-        <a:scrgbClr r="0" g="0" b="0"/>
-      </a:effectRef>
-      <a:fontRef idx="minor"/>
-    </dgm:style>
-  </dgm:styleLbl>
-  <dgm:styleLbl name="dkBgShp">
-    <dgm:scene3d>
-      <a:camera prst="orthographicFront"/>
-      <a:lightRig rig="threePt" dir="t"/>
-    </dgm:scene3d>
-    <dgm:sp3d/>
-    <dgm:txPr/>
-    <dgm:style>
-      <a:lnRef idx="0">
-        <a:scrgbClr r="0" g="0" b="0"/>
-      </a:lnRef>
-      <a:fillRef idx="1">
-        <a:scrgbClr r="0" g="0" b="0"/>
-      </a:fillRef>
-      <a:effectRef idx="2">
-        <a:scrgbClr r="0" g="0" b="0"/>
-      </a:effectRef>
-      <a:fontRef idx="minor"/>
-    </dgm:style>
-  </dgm:styleLbl>
-  <dgm:styleLbl name="trBgShp">
-    <dgm:scene3d>
-      <a:camera prst="orthographicFront"/>
-      <a:lightRig rig="threePt" dir="t"/>
-    </dgm:scene3d>
-    <dgm:sp3d/>
-    <dgm:txPr/>
-    <dgm:style>
-      <a:lnRef idx="0">
-        <a:scrgbClr r="0" g="0" b="0"/>
-      </a:lnRef>
-      <a:fillRef idx="1">
-        <a:scrgbClr r="0" g="0" b="0"/>
-      </a:fillRef>
-      <a:effectRef idx="0">
-        <a:scrgbClr r="0" g="0" b="0"/>
-      </a:effectRef>
-      <a:fontRef idx="minor"/>
-    </dgm:style>
-  </dgm:styleLbl>
-  <dgm:styleLbl name="fgShp">
-    <dgm:scene3d>
-      <a:camera prst="orthographicFront"/>
-      <a:lightRig rig="threePt" dir="t"/>
-    </dgm:scene3d>
-    <dgm:sp3d/>
-    <dgm:txPr/>
-    <dgm:style>
-      <a:lnRef idx="0">
-        <a:scrgbClr r="0" g="0" b="0"/>
-      </a:lnRef>
-      <a:fillRef idx="3">
-        <a:scrgbClr r="0" g="0" b="0"/>
-      </a:fillRef>
-      <a:effectRef idx="2">
-        <a:scrgbClr r="0" g="0" b="0"/>
-      </a:effectRef>
-      <a:fontRef idx="minor"/>
-    </dgm:style>
-  </dgm:styleLbl>
-  <dgm:styleLbl name="revTx">
-    <dgm:scene3d>
-      <a:camera prst="orthographicFront"/>
-      <a:lightRig rig="threePt" dir="t"/>
-    </dgm:scene3d>
-    <dgm:sp3d/>
-    <dgm:txPr/>
-    <dgm:style>
-      <a:lnRef idx="0">
-        <a:scrgbClr r="0" g="0" b="0"/>
-      </a:lnRef>
-      <a:fillRef idx="0">
-        <a:scrgbClr r="0" g="0" b="0"/>
-      </a:fillRef>
-      <a:effectRef idx="0">
-        <a:scrgbClr r="0" g="0" b="0"/>
-      </a:effectRef>
-      <a:fontRef idx="minor"/>
-    </dgm:style>
-  </dgm:styleLbl>
-</dgm:styleDef>
-</file>
-
-<file path=ppt/diagrams/quickStyle2.xml><?xml version="1.0" encoding="utf-8"?>
 <dgm:styleDef xmlns:dgm="http://schemas.openxmlformats.org/drawingml/2006/diagram" xmlns:a="http://schemas.openxmlformats.org/drawingml/2006/main" uniqueId="urn:microsoft.com/office/officeart/2005/8/quickstyle/simple4">
   <dgm:title val=""/>
   <dgm:desc val=""/>
@@ -10194,7 +5728,7 @@
           <a:p>
             <a:fld id="{A76E7539-BFEF-E349-A497-068EDCDC3B49}" type="datetimeFigureOut">
               <a:rPr lang="en-US" smtClean="0"/>
-              <a:t>3/18/15</a:t>
+              <a:t>3/24/15</a:t>
             </a:fld>
             <a:endParaRPr lang="en-US"/>
           </a:p>
@@ -10364,7 +5898,7 @@
           <a:p>
             <a:fld id="{A76E7539-BFEF-E349-A497-068EDCDC3B49}" type="datetimeFigureOut">
               <a:rPr lang="en-US" smtClean="0"/>
-              <a:t>3/18/15</a:t>
+              <a:t>3/24/15</a:t>
             </a:fld>
             <a:endParaRPr lang="en-US"/>
           </a:p>
@@ -10544,7 +6078,7 @@
           <a:p>
             <a:fld id="{A76E7539-BFEF-E349-A497-068EDCDC3B49}" type="datetimeFigureOut">
               <a:rPr lang="en-US" smtClean="0"/>
-              <a:t>3/18/15</a:t>
+              <a:t>3/24/15</a:t>
             </a:fld>
             <a:endParaRPr lang="en-US"/>
           </a:p>
@@ -10714,7 +6248,7 @@
           <a:p>
             <a:fld id="{A76E7539-BFEF-E349-A497-068EDCDC3B49}" type="datetimeFigureOut">
               <a:rPr lang="en-US" smtClean="0"/>
-              <a:t>3/18/15</a:t>
+              <a:t>3/24/15</a:t>
             </a:fld>
             <a:endParaRPr lang="en-US"/>
           </a:p>
@@ -10971,7 +6505,7 @@
           <a:p>
             <a:fld id="{A76E7539-BFEF-E349-A497-068EDCDC3B49}" type="datetimeFigureOut">
               <a:rPr lang="en-US" smtClean="0"/>
-              <a:t>3/18/15</a:t>
+              <a:t>3/24/15</a:t>
             </a:fld>
             <a:endParaRPr lang="en-US"/>
           </a:p>
@@ -11259,7 +6793,7 @@
           <a:p>
             <a:fld id="{A76E7539-BFEF-E349-A497-068EDCDC3B49}" type="datetimeFigureOut">
               <a:rPr lang="en-US" smtClean="0"/>
-              <a:t>3/18/15</a:t>
+              <a:t>3/24/15</a:t>
             </a:fld>
             <a:endParaRPr lang="en-US"/>
           </a:p>
@@ -11681,7 +7215,7 @@
           <a:p>
             <a:fld id="{A76E7539-BFEF-E349-A497-068EDCDC3B49}" type="datetimeFigureOut">
               <a:rPr lang="en-US" smtClean="0"/>
-              <a:t>3/18/15</a:t>
+              <a:t>3/24/15</a:t>
             </a:fld>
             <a:endParaRPr lang="en-US"/>
           </a:p>
@@ -11799,7 +7333,7 @@
           <a:p>
             <a:fld id="{A76E7539-BFEF-E349-A497-068EDCDC3B49}" type="datetimeFigureOut">
               <a:rPr lang="en-US" smtClean="0"/>
-              <a:t>3/18/15</a:t>
+              <a:t>3/24/15</a:t>
             </a:fld>
             <a:endParaRPr lang="en-US"/>
           </a:p>
@@ -11894,7 +7428,7 @@
           <a:p>
             <a:fld id="{A76E7539-BFEF-E349-A497-068EDCDC3B49}" type="datetimeFigureOut">
               <a:rPr lang="en-US" smtClean="0"/>
-              <a:t>3/18/15</a:t>
+              <a:t>3/24/15</a:t>
             </a:fld>
             <a:endParaRPr lang="en-US"/>
           </a:p>
@@ -12171,7 +7705,7 @@
           <a:p>
             <a:fld id="{A76E7539-BFEF-E349-A497-068EDCDC3B49}" type="datetimeFigureOut">
               <a:rPr lang="en-US" smtClean="0"/>
-              <a:t>3/18/15</a:t>
+              <a:t>3/24/15</a:t>
             </a:fld>
             <a:endParaRPr lang="en-US"/>
           </a:p>
@@ -12424,7 +7958,7 @@
           <a:p>
             <a:fld id="{A76E7539-BFEF-E349-A497-068EDCDC3B49}" type="datetimeFigureOut">
               <a:rPr lang="en-US" smtClean="0"/>
-              <a:t>3/18/15</a:t>
+              <a:t>3/24/15</a:t>
             </a:fld>
             <a:endParaRPr lang="en-US"/>
           </a:p>
@@ -12637,7 +8171,7 @@
           <a:p>
             <a:fld id="{A76E7539-BFEF-E349-A497-068EDCDC3B49}" type="datetimeFigureOut">
               <a:rPr lang="en-US" smtClean="0"/>
-              <a:t>3/18/15</a:t>
+              <a:t>3/24/15</a:t>
             </a:fld>
             <a:endParaRPr lang="en-US"/>
           </a:p>
@@ -13036,15 +8570,7 @@
           <a:p>
             <a:r>
               <a:rPr lang="en-US" sz="2400" i="1" dirty="0" smtClean="0"/>
-              <a:t>Leaders in </a:t>
-            </a:r>
-            <a:r>
-              <a:rPr lang="en-US" sz="2400" i="1" dirty="0" smtClean="0"/>
-              <a:t>Environment </a:t>
-            </a:r>
-            <a:r>
-              <a:rPr lang="en-US" sz="2400" i="1" dirty="0" smtClean="0"/>
-              <a:t>Analysis and Definition of Strategy</a:t>
+              <a:t>Leaders in Environment Analysis and Definition of Strategy</a:t>
             </a:r>
             <a:endParaRPr lang="en-US" sz="2400" i="1" dirty="0"/>
           </a:p>
@@ -13084,6 +8610,103 @@
     <p:extLst>
       <p:ext uri="{BB962C8B-B14F-4D97-AF65-F5344CB8AC3E}">
         <p14:creationId xmlns:p14="http://schemas.microsoft.com/office/powerpoint/2010/main" val="3016378423"/>
+      </p:ext>
+    </p:extLst>
+  </p:cSld>
+  <p:clrMapOvr>
+    <a:masterClrMapping/>
+  </p:clrMapOvr>
+  <p:timing>
+    <p:tnLst>
+      <p:par>
+        <p:cTn xmlns:p14="http://schemas.microsoft.com/office/powerpoint/2010/main" id="1" dur="indefinite" restart="never" nodeType="tmRoot"/>
+      </p:par>
+    </p:tnLst>
+  </p:timing>
+</p:sld>
+</file>
+
+<file path=ppt/slides/slide10.xml><?xml version="1.0" encoding="utf-8"?>
+<p:sld xmlns:a="http://schemas.openxmlformats.org/drawingml/2006/main" xmlns:r="http://schemas.openxmlformats.org/officeDocument/2006/relationships" xmlns:p="http://schemas.openxmlformats.org/presentationml/2006/main">
+  <p:cSld>
+    <p:spTree>
+      <p:nvGrpSpPr>
+        <p:cNvPr id="1" name=""/>
+        <p:cNvGrpSpPr/>
+        <p:nvPr/>
+      </p:nvGrpSpPr>
+      <p:grpSpPr>
+        <a:xfrm>
+          <a:off x="0" y="0"/>
+          <a:ext cx="0" cy="0"/>
+          <a:chOff x="0" y="0"/>
+          <a:chExt cx="0" cy="0"/>
+        </a:xfrm>
+      </p:grpSpPr>
+      <p:sp>
+        <p:nvSpPr>
+          <p:cNvPr id="3" name="Subtitle 2"/>
+          <p:cNvSpPr>
+            <a:spLocks noGrp="1"/>
+          </p:cNvSpPr>
+          <p:nvPr>
+            <p:ph type="subTitle" idx="1"/>
+          </p:nvPr>
+        </p:nvSpPr>
+        <p:spPr>
+          <a:xfrm>
+            <a:off x="211652" y="4691824"/>
+            <a:ext cx="7936926" cy="946976"/>
+          </a:xfrm>
+        </p:spPr>
+        <p:txBody>
+          <a:bodyPr>
+            <a:normAutofit/>
+          </a:bodyPr>
+          <a:lstStyle/>
+          <a:p>
+            <a:r>
+              <a:rPr lang="en-US" sz="2400" i="1" dirty="0" smtClean="0"/>
+              <a:t>Leaders in Environment Analysis and Definition of Strategy</a:t>
+            </a:r>
+            <a:endParaRPr lang="en-US" sz="2400" i="1" dirty="0"/>
+          </a:p>
+        </p:txBody>
+      </p:sp>
+      <p:pic>
+        <p:nvPicPr>
+          <p:cNvPr id="4" name="Picture 3"/>
+          <p:cNvPicPr>
+            <a:picLocks noChangeAspect="1"/>
+          </p:cNvPicPr>
+          <p:nvPr/>
+        </p:nvPicPr>
+        <p:blipFill>
+          <a:blip r:embed="rId2">
+            <a:extLst>
+              <a:ext uri="{28A0092B-C50C-407E-A947-70E740481C1C}">
+                <a14:useLocalDpi xmlns:a14="http://schemas.microsoft.com/office/drawing/2010/main" val="0"/>
+              </a:ext>
+            </a:extLst>
+          </a:blip>
+          <a:stretch>
+            <a:fillRect/>
+          </a:stretch>
+        </p:blipFill>
+        <p:spPr>
+          <a:xfrm>
+            <a:off x="0" y="1588374"/>
+            <a:ext cx="8439598" cy="3103449"/>
+          </a:xfrm>
+          <a:prstGeom prst="rect">
+            <a:avLst/>
+          </a:prstGeom>
+        </p:spPr>
+      </p:pic>
+    </p:spTree>
+    <p:extLst>
+      <p:ext uri="{BB962C8B-B14F-4D97-AF65-F5344CB8AC3E}">
+        <p14:creationId xmlns:p14="http://schemas.microsoft.com/office/powerpoint/2010/main" val="3991774785"/>
       </p:ext>
     </p:extLst>
   </p:cSld>
@@ -13350,8 +8973,10 @@
       </p:grpSpPr>
       <p:pic>
         <p:nvPicPr>
-          <p:cNvPr id="4" name="Picture 3"/>
-          <p:cNvPicPr/>
+          <p:cNvPr id="3" name="Picture 2" descr="Screen shot 2015-03-24 at 6.58.08 PM.png"/>
+          <p:cNvPicPr>
+            <a:picLocks noChangeAspect="1"/>
+          </p:cNvPicPr>
           <p:nvPr/>
         </p:nvPicPr>
         <p:blipFill>
@@ -13362,25 +8987,82 @@
               </a:ext>
             </a:extLst>
           </a:blip>
-          <a:srcRect/>
           <a:stretch>
             <a:fillRect/>
           </a:stretch>
         </p:blipFill>
-        <p:spPr bwMode="auto">
+        <p:spPr>
           <a:xfrm>
-            <a:off x="952431" y="542653"/>
-            <a:ext cx="6958037" cy="5503367"/>
+            <a:off x="4830092" y="2449749"/>
+            <a:ext cx="4178320" cy="3538215"/>
           </a:xfrm>
           <a:prstGeom prst="rect">
             <a:avLst/>
           </a:prstGeom>
-          <a:noFill/>
-          <a:ln>
-            <a:noFill/>
-          </a:ln>
         </p:spPr>
       </p:pic>
+      <p:pic>
+        <p:nvPicPr>
+          <p:cNvPr id="6" name="Picture 5"/>
+          <p:cNvPicPr>
+            <a:picLocks noChangeAspect="1"/>
+          </p:cNvPicPr>
+          <p:nvPr/>
+        </p:nvPicPr>
+        <p:blipFill>
+          <a:blip r:embed="rId3"/>
+          <a:stretch>
+            <a:fillRect/>
+          </a:stretch>
+        </p:blipFill>
+        <p:spPr>
+          <a:xfrm>
+            <a:off x="0" y="279400"/>
+            <a:ext cx="5223515" cy="5171280"/>
+          </a:xfrm>
+          <a:prstGeom prst="rect">
+            <a:avLst/>
+          </a:prstGeom>
+        </p:spPr>
+      </p:pic>
+      <p:sp>
+        <p:nvSpPr>
+          <p:cNvPr id="7" name="Rectangle 6"/>
+          <p:cNvSpPr/>
+          <p:nvPr/>
+        </p:nvSpPr>
+        <p:spPr>
+          <a:xfrm>
+            <a:off x="0" y="6058647"/>
+            <a:ext cx="7702172" cy="515471"/>
+          </a:xfrm>
+          <a:prstGeom prst="rect">
+            <a:avLst/>
+          </a:prstGeom>
+        </p:spPr>
+        <p:style>
+          <a:lnRef idx="1">
+            <a:schemeClr val="accent3"/>
+          </a:lnRef>
+          <a:fillRef idx="3">
+            <a:schemeClr val="accent3"/>
+          </a:fillRef>
+          <a:effectRef idx="2">
+            <a:schemeClr val="accent3"/>
+          </a:effectRef>
+          <a:fontRef idx="minor">
+            <a:schemeClr val="lt1"/>
+          </a:fontRef>
+        </p:style>
+        <p:txBody>
+          <a:bodyPr rtlCol="0" anchor="ctr"/>
+          <a:lstStyle/>
+          <a:p>
+            <a:pPr algn="ctr"/>
+            <a:endParaRPr lang="en-US" dirty="0"/>
+          </a:p>
+        </p:txBody>
+      </p:sp>
       <p:sp>
         <p:nvSpPr>
           <p:cNvPr id="5" name="TextBox 4"/>
@@ -13389,8 +9071,8 @@
         </p:nvSpPr>
         <p:spPr>
           <a:xfrm>
-            <a:off x="1164082" y="6032790"/>
-            <a:ext cx="5304512" cy="369332"/>
+            <a:off x="63500" y="6228555"/>
+            <a:ext cx="5304512" cy="230832"/>
           </a:xfrm>
           <a:prstGeom prst="rect">
             <a:avLst/>
@@ -13404,19 +9086,42 @@
           <a:lstStyle/>
           <a:p>
             <a:r>
-              <a:rPr lang="en-US" sz="900" dirty="0" smtClean="0"/>
+              <a:rPr lang="en-US" sz="900" dirty="0" smtClean="0">
+                <a:solidFill>
+                  <a:schemeClr val="bg1"/>
+                </a:solidFill>
+              </a:rPr>
               <a:t>Source: </a:t>
             </a:r>
             <a:r>
               <a:rPr lang="en-US" sz="900" u="sng" dirty="0">
-                <a:hlinkClick r:id="rId3"/>
+                <a:solidFill>
+                  <a:schemeClr val="bg1"/>
+                </a:solidFill>
               </a:rPr>
-              <a:t>http://smarthomeenergy.co.uk/what-smart-home</a:t>
-            </a:r>
-            <a:endParaRPr lang="en-US" sz="900" b="1" dirty="0"/>
-          </a:p>
-          <a:p>
-            <a:endParaRPr lang="en-US" sz="900" dirty="0"/>
+              <a:t>http:/</a:t>
+            </a:r>
+            <a:r>
+              <a:rPr lang="en-US" sz="900" u="sng" dirty="0" smtClean="0">
+                <a:solidFill>
+                  <a:schemeClr val="bg1"/>
+                </a:solidFill>
+              </a:rPr>
+              <a:t>/www..</a:t>
+            </a:r>
+            <a:r>
+              <a:rPr lang="en-US" sz="900" u="sng" dirty="0" err="1" smtClean="0">
+                <a:solidFill>
+                  <a:schemeClr val="bg1"/>
+                </a:solidFill>
+              </a:rPr>
+              <a:t>clubcandoca.com.br</a:t>
+            </a:r>
+            <a:endParaRPr lang="en-US" sz="900" dirty="0">
+              <a:solidFill>
+                <a:schemeClr val="bg1"/>
+              </a:solidFill>
+            </a:endParaRPr>
           </a:p>
         </p:txBody>
       </p:sp>
@@ -13464,7 +9169,7 @@
           <p:nvPr>
             <p:extLst>
               <p:ext uri="{D42A27DB-BD31-4B8C-83A1-F6EECF244321}">
-                <p14:modId xmlns:p14="http://schemas.microsoft.com/office/powerpoint/2010/main" val="3886451712"/>
+                <p14:modId xmlns:p14="http://schemas.microsoft.com/office/powerpoint/2010/main" val="1289391460"/>
               </p:ext>
             </p:extLst>
           </p:nvPr>
@@ -13516,32 +9221,67 @@
           <a:chExt cx="0" cy="0"/>
         </a:xfrm>
       </p:grpSpPr>
-      <p:graphicFrame>
-        <p:nvGraphicFramePr>
-          <p:cNvPr id="6" name="Diagram 5"/>
-          <p:cNvGraphicFramePr/>
-          <p:nvPr>
-            <p:extLst>
-              <p:ext uri="{D42A27DB-BD31-4B8C-83A1-F6EECF244321}">
-                <p14:modId xmlns:p14="http://schemas.microsoft.com/office/powerpoint/2010/main" val="2575335922"/>
-              </p:ext>
-            </p:extLst>
-          </p:nvPr>
-        </p:nvGraphicFramePr>
-        <p:xfrm>
-          <a:off x="211652" y="1018694"/>
-          <a:ext cx="8558652" cy="4934717"/>
-        </p:xfrm>
-        <a:graphic>
-          <a:graphicData uri="http://schemas.openxmlformats.org/drawingml/2006/diagram">
-            <dgm:relIds xmlns:dgm="http://schemas.openxmlformats.org/drawingml/2006/diagram" xmlns:r="http://schemas.openxmlformats.org/officeDocument/2006/relationships" r:dm="rId2" r:lo="rId3" r:qs="rId4" r:cs="rId5"/>
-          </a:graphicData>
-        </a:graphic>
-      </p:graphicFrame>
+      <p:sp>
+        <p:nvSpPr>
+          <p:cNvPr id="4" name="Rectangle 3"/>
+          <p:cNvSpPr/>
+          <p:nvPr/>
+        </p:nvSpPr>
+        <p:spPr>
+          <a:xfrm>
+            <a:off x="1939771" y="2932609"/>
+            <a:ext cx="5264470" cy="830997"/>
+          </a:xfrm>
+          <a:prstGeom prst="rect">
+            <a:avLst/>
+          </a:prstGeom>
+        </p:spPr>
+        <p:txBody>
+          <a:bodyPr wrap="none">
+            <a:spAutoFit/>
+          </a:bodyPr>
+          <a:lstStyle/>
+          <a:p>
+            <a:pPr algn="ctr"/>
+            <a:r>
+              <a:rPr lang="en-US" sz="4800" i="1" dirty="0">
+                <a:solidFill>
+                  <a:schemeClr val="accent3">
+                    <a:lumMod val="60000"/>
+                    <a:lumOff val="40000"/>
+                  </a:schemeClr>
+                </a:solidFill>
+              </a:rPr>
+              <a:t>[</a:t>
+            </a:r>
+            <a:r>
+              <a:rPr lang="en-US" sz="4800" i="1" dirty="0" smtClean="0">
+                <a:solidFill>
+                  <a:srgbClr val="7F7F7F"/>
+                </a:solidFill>
+              </a:rPr>
+              <a:t>Our Project Model</a:t>
+            </a:r>
+            <a:r>
+              <a:rPr lang="en-US" sz="4800" i="1" dirty="0" smtClean="0">
+                <a:solidFill>
+                  <a:srgbClr val="C3D69B"/>
+                </a:solidFill>
+              </a:rPr>
+              <a:t>]</a:t>
+            </a:r>
+            <a:endParaRPr lang="en-US" sz="4800" i="1" dirty="0">
+              <a:solidFill>
+                <a:srgbClr val="C3D69B"/>
+              </a:solidFill>
+            </a:endParaRPr>
+          </a:p>
+        </p:txBody>
+      </p:sp>
     </p:spTree>
     <p:extLst>
       <p:ext uri="{BB962C8B-B14F-4D97-AF65-F5344CB8AC3E}">
-        <p14:creationId xmlns:p14="http://schemas.microsoft.com/office/powerpoint/2010/main" val="2937922895"/>
+        <p14:creationId xmlns:p14="http://schemas.microsoft.com/office/powerpoint/2010/main" val="1738666425"/>
       </p:ext>
     </p:extLst>
   </p:cSld>
@@ -13577,76 +9317,2336 @@
       </p:grpSpPr>
       <p:sp>
         <p:nvSpPr>
-          <p:cNvPr id="3" name="Subtitle 2"/>
-          <p:cNvSpPr>
-            <a:spLocks noGrp="1"/>
-          </p:cNvSpPr>
-          <p:nvPr>
-            <p:ph type="subTitle" idx="1"/>
-          </p:nvPr>
+          <p:cNvPr id="18" name="Rectangle 17"/>
+          <p:cNvSpPr/>
+          <p:nvPr/>
         </p:nvSpPr>
         <p:spPr>
           <a:xfrm>
-            <a:off x="211652" y="4691824"/>
-            <a:ext cx="7936926" cy="946976"/>
+            <a:off x="568813" y="1299735"/>
+            <a:ext cx="2381078" cy="4724005"/>
           </a:xfrm>
+          <a:prstGeom prst="rect">
+            <a:avLst/>
+          </a:prstGeom>
+          <a:solidFill>
+            <a:schemeClr val="bg1">
+              <a:lumMod val="95000"/>
+            </a:schemeClr>
+          </a:solidFill>
+          <a:ln>
+            <a:noFill/>
+          </a:ln>
+          <a:effectLst/>
+        </p:spPr>
+        <p:style>
+          <a:lnRef idx="1">
+            <a:schemeClr val="accent1"/>
+          </a:lnRef>
+          <a:fillRef idx="3">
+            <a:schemeClr val="accent1"/>
+          </a:fillRef>
+          <a:effectRef idx="2">
+            <a:schemeClr val="accent1"/>
+          </a:effectRef>
+          <a:fontRef idx="minor">
+            <a:schemeClr val="lt1"/>
+          </a:fontRef>
+        </p:style>
+        <p:txBody>
+          <a:bodyPr rtlCol="0" anchor="ctr"/>
+          <a:lstStyle/>
+          <a:p>
+            <a:pPr algn="ctr"/>
+            <a:endParaRPr lang="en-US"/>
+          </a:p>
+        </p:txBody>
+      </p:sp>
+      <p:sp>
+        <p:nvSpPr>
+          <p:cNvPr id="19" name="Rectangle 18"/>
+          <p:cNvSpPr/>
+          <p:nvPr/>
+        </p:nvSpPr>
+        <p:spPr>
+          <a:xfrm>
+            <a:off x="3479019" y="1299735"/>
+            <a:ext cx="2433991" cy="4724005"/>
+          </a:xfrm>
+          <a:prstGeom prst="rect">
+            <a:avLst/>
+          </a:prstGeom>
+          <a:solidFill>
+            <a:schemeClr val="bg1">
+              <a:lumMod val="95000"/>
+            </a:schemeClr>
+          </a:solidFill>
+          <a:ln>
+            <a:noFill/>
+          </a:ln>
+          <a:effectLst/>
+        </p:spPr>
+        <p:style>
+          <a:lnRef idx="1">
+            <a:schemeClr val="accent1"/>
+          </a:lnRef>
+          <a:fillRef idx="3">
+            <a:schemeClr val="accent1"/>
+          </a:fillRef>
+          <a:effectRef idx="2">
+            <a:schemeClr val="accent1"/>
+          </a:effectRef>
+          <a:fontRef idx="minor">
+            <a:schemeClr val="lt1"/>
+          </a:fontRef>
+        </p:style>
+        <p:txBody>
+          <a:bodyPr rtlCol="0" anchor="ctr"/>
+          <a:lstStyle/>
+          <a:p>
+            <a:pPr algn="ctr"/>
+            <a:endParaRPr lang="en-US"/>
+          </a:p>
+        </p:txBody>
+      </p:sp>
+      <p:sp>
+        <p:nvSpPr>
+          <p:cNvPr id="20" name="Rectangle 19"/>
+          <p:cNvSpPr/>
+          <p:nvPr/>
+        </p:nvSpPr>
+        <p:spPr>
+          <a:xfrm>
+            <a:off x="6518061" y="1299735"/>
+            <a:ext cx="2500131" cy="4724005"/>
+          </a:xfrm>
+          <a:prstGeom prst="rect">
+            <a:avLst/>
+          </a:prstGeom>
+          <a:solidFill>
+            <a:schemeClr val="bg1">
+              <a:lumMod val="95000"/>
+            </a:schemeClr>
+          </a:solidFill>
+          <a:ln>
+            <a:noFill/>
+          </a:ln>
+          <a:effectLst/>
+        </p:spPr>
+        <p:style>
+          <a:lnRef idx="1">
+            <a:schemeClr val="accent1"/>
+          </a:lnRef>
+          <a:fillRef idx="3">
+            <a:schemeClr val="accent1"/>
+          </a:fillRef>
+          <a:effectRef idx="2">
+            <a:schemeClr val="accent1"/>
+          </a:effectRef>
+          <a:fontRef idx="minor">
+            <a:schemeClr val="lt1"/>
+          </a:fontRef>
+        </p:style>
+        <p:txBody>
+          <a:bodyPr rtlCol="0" anchor="ctr"/>
+          <a:lstStyle/>
+          <a:p>
+            <a:pPr algn="ctr"/>
+            <a:endParaRPr lang="en-US"/>
+          </a:p>
+        </p:txBody>
+      </p:sp>
+      <p:sp>
+        <p:nvSpPr>
+          <p:cNvPr id="2" name="TextBox 1"/>
+          <p:cNvSpPr txBox="1"/>
+          <p:nvPr/>
+        </p:nvSpPr>
+        <p:spPr>
+          <a:xfrm>
+            <a:off x="555585" y="2262297"/>
+            <a:ext cx="1971003" cy="369332"/>
+          </a:xfrm>
+          <a:prstGeom prst="rect">
+            <a:avLst/>
+          </a:prstGeom>
+          <a:noFill/>
         </p:spPr>
         <p:txBody>
-          <a:bodyPr>
-            <a:normAutofit/>
+          <a:bodyPr wrap="square" rtlCol="0">
+            <a:spAutoFit/>
           </a:bodyPr>
           <a:lstStyle/>
           <a:p>
-            <a:r>
-              <a:rPr lang="en-US" sz="2400" i="1" dirty="0" smtClean="0"/>
-              <a:t>Leaders in </a:t>
-            </a:r>
-            <a:r>
-              <a:rPr lang="en-US" sz="2400" i="1" dirty="0" smtClean="0"/>
-              <a:t>Environment </a:t>
-            </a:r>
-            <a:r>
-              <a:rPr lang="en-US" sz="2400" i="1" dirty="0" smtClean="0"/>
-              <a:t>Analysis and Definition of Strategy</a:t>
-            </a:r>
-            <a:endParaRPr lang="en-US" sz="2400" i="1" dirty="0"/>
+            <a:endParaRPr lang="en-US" dirty="0"/>
           </a:p>
         </p:txBody>
       </p:sp>
-      <p:pic>
-        <p:nvPicPr>
-          <p:cNvPr id="4" name="Picture 3"/>
-          <p:cNvPicPr>
-            <a:picLocks noChangeAspect="1"/>
-          </p:cNvPicPr>
+      <p:sp>
+        <p:nvSpPr>
+          <p:cNvPr id="4" name="Rectangle 3"/>
+          <p:cNvSpPr/>
           <p:nvPr/>
-        </p:nvPicPr>
-        <p:blipFill>
-          <a:blip r:embed="rId2">
-            <a:extLst>
-              <a:ext uri="{28A0092B-C50C-407E-A947-70E740481C1C}">
-                <a14:useLocalDpi xmlns:a14="http://schemas.microsoft.com/office/drawing/2010/main" val="0"/>
-              </a:ext>
-            </a:extLst>
-          </a:blip>
-          <a:stretch>
-            <a:fillRect/>
-          </a:stretch>
-        </p:blipFill>
+        </p:nvSpPr>
         <p:spPr>
           <a:xfrm>
-            <a:off x="0" y="1588374"/>
-            <a:ext cx="8439598" cy="3103449"/>
+            <a:off x="555585" y="1745646"/>
+            <a:ext cx="1971003" cy="3908762"/>
           </a:xfrm>
           <a:prstGeom prst="rect">
             <a:avLst/>
           </a:prstGeom>
         </p:spPr>
-      </p:pic>
+        <p:txBody>
+          <a:bodyPr wrap="square">
+            <a:spAutoFit/>
+          </a:bodyPr>
+          <a:lstStyle/>
+          <a:p>
+            <a:pPr marL="285750" indent="-285750">
+              <a:buFont typeface="Arial"/>
+              <a:buChar char="•"/>
+            </a:pPr>
+            <a:r>
+              <a:rPr lang="fr-FR" sz="1600" dirty="0"/>
+              <a:t>The team</a:t>
+            </a:r>
+            <a:endParaRPr lang="en-US" sz="1600" dirty="0"/>
+          </a:p>
+          <a:p>
+            <a:pPr marL="285750" indent="-285750">
+              <a:buFont typeface="Arial"/>
+              <a:buChar char="•"/>
+            </a:pPr>
+            <a:endParaRPr lang="en-US" sz="1600" dirty="0"/>
+          </a:p>
+          <a:p>
+            <a:pPr marL="285750" indent="-285750">
+              <a:buFont typeface="Arial"/>
+              <a:buChar char="•"/>
+            </a:pPr>
+            <a:r>
+              <a:rPr lang="en-US" sz="1600" dirty="0"/>
+              <a:t>The support from the professor, the TA, and their contacts (technical assistance</a:t>
+            </a:r>
+          </a:p>
+          <a:p>
+            <a:pPr marL="285750" indent="-285750">
+              <a:buFont typeface="Arial"/>
+              <a:buChar char="•"/>
+            </a:pPr>
+            <a:endParaRPr lang="en-US" sz="1600" dirty="0"/>
+          </a:p>
+          <a:p>
+            <a:pPr marL="285750" indent="-285750">
+              <a:buFont typeface="Arial"/>
+              <a:buChar char="•"/>
+            </a:pPr>
+            <a:r>
+              <a:rPr lang="en-US" sz="1600" dirty="0"/>
+              <a:t>A one semester-long course</a:t>
+            </a:r>
+          </a:p>
+          <a:p>
+            <a:pPr marL="285750" indent="-285750">
+              <a:buFont typeface="Arial"/>
+              <a:buChar char="•"/>
+            </a:pPr>
+            <a:endParaRPr lang="en-US" sz="1600" dirty="0"/>
+          </a:p>
+          <a:p>
+            <a:pPr marL="285750" indent="-285750">
+              <a:buFont typeface="Arial"/>
+              <a:buChar char="•"/>
+            </a:pPr>
+            <a:r>
+              <a:rPr lang="en-US" sz="1600" dirty="0"/>
+              <a:t>Infrastructure of Tsinghua University</a:t>
+            </a:r>
+          </a:p>
+        </p:txBody>
+      </p:sp>
+      <p:sp>
+        <p:nvSpPr>
+          <p:cNvPr id="5" name="Rectangle 4"/>
+          <p:cNvSpPr/>
+          <p:nvPr/>
+        </p:nvSpPr>
+        <p:spPr>
+          <a:xfrm>
+            <a:off x="6504833" y="1745646"/>
+            <a:ext cx="2513359" cy="4278094"/>
+          </a:xfrm>
+          <a:prstGeom prst="rect">
+            <a:avLst/>
+          </a:prstGeom>
+        </p:spPr>
+        <p:txBody>
+          <a:bodyPr wrap="square">
+            <a:spAutoFit/>
+          </a:bodyPr>
+          <a:lstStyle/>
+          <a:p>
+            <a:pPr marL="285750" indent="-285750">
+              <a:buFont typeface="Arial"/>
+              <a:buChar char="•"/>
+            </a:pPr>
+            <a:r>
+              <a:rPr lang="en-US" sz="1600" dirty="0"/>
+              <a:t>P</a:t>
+            </a:r>
+            <a:r>
+              <a:rPr lang="en-US" sz="1600" dirty="0" smtClean="0"/>
+              <a:t>rovide </a:t>
+            </a:r>
+            <a:r>
+              <a:rPr lang="en-US" sz="1600" dirty="0"/>
+              <a:t>an open-sourced Industrial Analysis </a:t>
+            </a:r>
+            <a:r>
+              <a:rPr lang="en-US" sz="1600" dirty="0" smtClean="0"/>
+              <a:t>Report.</a:t>
+            </a:r>
+          </a:p>
+          <a:p>
+            <a:pPr marL="742950" lvl="1" indent="-285750">
+              <a:buFont typeface="Arial"/>
+              <a:buChar char="•"/>
+            </a:pPr>
+            <a:r>
+              <a:rPr lang="en-US" sz="1600" dirty="0" smtClean="0"/>
+              <a:t>Market</a:t>
+            </a:r>
+          </a:p>
+          <a:p>
+            <a:pPr marL="742950" lvl="1" indent="-285750">
+              <a:buFont typeface="Arial"/>
+              <a:buChar char="•"/>
+            </a:pPr>
+            <a:r>
+              <a:rPr lang="en-US" sz="1600" dirty="0" smtClean="0"/>
+              <a:t>Research</a:t>
+            </a:r>
+          </a:p>
+          <a:p>
+            <a:pPr marL="742950" lvl="1" indent="-285750">
+              <a:buFont typeface="Arial"/>
+              <a:buChar char="•"/>
+            </a:pPr>
+            <a:r>
+              <a:rPr lang="en-US" sz="1600" dirty="0" smtClean="0"/>
+              <a:t>Investment</a:t>
+            </a:r>
+            <a:endParaRPr lang="en-US" sz="1600" dirty="0"/>
+          </a:p>
+          <a:p>
+            <a:pPr marL="742950" lvl="1" indent="-285750">
+              <a:buFont typeface="Arial"/>
+              <a:buChar char="•"/>
+            </a:pPr>
+            <a:r>
+              <a:rPr lang="en-US" sz="1600" dirty="0"/>
+              <a:t>M</a:t>
+            </a:r>
+            <a:r>
+              <a:rPr lang="en-US" sz="1600" dirty="0" smtClean="0"/>
+              <a:t>anufacturing</a:t>
+            </a:r>
+          </a:p>
+          <a:p>
+            <a:pPr marL="742950" lvl="1" indent="-285750">
+              <a:buFont typeface="Arial"/>
+              <a:buChar char="•"/>
+            </a:pPr>
+            <a:r>
+              <a:rPr lang="en-US" sz="1600" dirty="0" smtClean="0"/>
+              <a:t>Suppliers</a:t>
+            </a:r>
+          </a:p>
+          <a:p>
+            <a:pPr marL="742950" lvl="1" indent="-285750">
+              <a:buFont typeface="Arial"/>
+              <a:buChar char="•"/>
+            </a:pPr>
+            <a:r>
+              <a:rPr lang="en-US" sz="1600" dirty="0" smtClean="0"/>
+              <a:t>Stakeholder</a:t>
+            </a:r>
+          </a:p>
+          <a:p>
+            <a:pPr marL="742950" lvl="1" indent="-285750">
+              <a:buFont typeface="Arial"/>
+              <a:buChar char="•"/>
+            </a:pPr>
+            <a:r>
+              <a:rPr lang="en-US" sz="1600" dirty="0" smtClean="0"/>
+              <a:t>Infrastructure </a:t>
+            </a:r>
+          </a:p>
+          <a:p>
+            <a:pPr marL="742950" lvl="1" indent="-285750">
+              <a:buFont typeface="Arial"/>
+              <a:buChar char="•"/>
+            </a:pPr>
+            <a:r>
+              <a:rPr lang="en-US" sz="1600" dirty="0" smtClean="0"/>
+              <a:t>Law </a:t>
+            </a:r>
+          </a:p>
+          <a:p>
+            <a:pPr marL="742950" lvl="1" indent="-285750">
+              <a:buFont typeface="Arial"/>
+              <a:buChar char="•"/>
+            </a:pPr>
+            <a:r>
+              <a:rPr lang="en-US" sz="1600" dirty="0" smtClean="0"/>
+              <a:t>Public policy</a:t>
+            </a:r>
+          </a:p>
+          <a:p>
+            <a:pPr marL="742950" lvl="1" indent="-285750">
+              <a:buFont typeface="Arial"/>
+              <a:buChar char="•"/>
+            </a:pPr>
+            <a:r>
+              <a:rPr lang="en-US" sz="1600" dirty="0" smtClean="0"/>
+              <a:t>Current challenges</a:t>
+            </a:r>
+          </a:p>
+          <a:p>
+            <a:pPr marL="742950" lvl="1" indent="-285750">
+              <a:buFont typeface="Arial"/>
+              <a:buChar char="•"/>
+            </a:pPr>
+            <a:r>
+              <a:rPr lang="en-US" sz="1600" dirty="0" smtClean="0"/>
+              <a:t>Society acceptance</a:t>
+            </a:r>
+            <a:endParaRPr lang="en-US" sz="1600" dirty="0"/>
+          </a:p>
+          <a:p>
+            <a:pPr marL="285750" indent="-285750">
+              <a:buFont typeface="Arial"/>
+              <a:buChar char="•"/>
+            </a:pPr>
+            <a:r>
+              <a:rPr lang="en-US" sz="1600" dirty="0"/>
+              <a:t>Deliver a recorded presentation of the project</a:t>
+            </a:r>
+          </a:p>
+        </p:txBody>
+      </p:sp>
+      <p:sp>
+        <p:nvSpPr>
+          <p:cNvPr id="7" name="Rounded Rectangle 6"/>
+          <p:cNvSpPr/>
+          <p:nvPr/>
+        </p:nvSpPr>
+        <p:spPr>
+          <a:xfrm>
+            <a:off x="555585" y="515962"/>
+            <a:ext cx="2090057" cy="1190683"/>
+          </a:xfrm>
+          <a:prstGeom prst="roundRect">
+            <a:avLst/>
+          </a:prstGeom>
+        </p:spPr>
+        <p:style>
+          <a:lnRef idx="1">
+            <a:schemeClr val="accent3"/>
+          </a:lnRef>
+          <a:fillRef idx="3">
+            <a:schemeClr val="accent3"/>
+          </a:fillRef>
+          <a:effectRef idx="2">
+            <a:schemeClr val="accent3"/>
+          </a:effectRef>
+          <a:fontRef idx="minor">
+            <a:schemeClr val="lt1"/>
+          </a:fontRef>
+        </p:style>
+        <p:txBody>
+          <a:bodyPr rtlCol="0" anchor="ctr"/>
+          <a:lstStyle/>
+          <a:p>
+            <a:pPr algn="ctr"/>
+            <a:endParaRPr lang="en-US"/>
+          </a:p>
+        </p:txBody>
+      </p:sp>
+      <p:sp>
+        <p:nvSpPr>
+          <p:cNvPr id="8" name="Rounded Rectangle 7"/>
+          <p:cNvSpPr/>
+          <p:nvPr/>
+        </p:nvSpPr>
+        <p:spPr>
+          <a:xfrm>
+            <a:off x="3479019" y="515962"/>
+            <a:ext cx="2090057" cy="1190683"/>
+          </a:xfrm>
+          <a:prstGeom prst="roundRect">
+            <a:avLst/>
+          </a:prstGeom>
+        </p:spPr>
+        <p:style>
+          <a:lnRef idx="1">
+            <a:schemeClr val="accent3"/>
+          </a:lnRef>
+          <a:fillRef idx="3">
+            <a:schemeClr val="accent3"/>
+          </a:fillRef>
+          <a:effectRef idx="2">
+            <a:schemeClr val="accent3"/>
+          </a:effectRef>
+          <a:fontRef idx="minor">
+            <a:schemeClr val="lt1"/>
+          </a:fontRef>
+        </p:style>
+        <p:txBody>
+          <a:bodyPr rtlCol="0" anchor="ctr"/>
+          <a:lstStyle/>
+          <a:p>
+            <a:pPr algn="ctr"/>
+            <a:endParaRPr lang="en-US"/>
+          </a:p>
+        </p:txBody>
+      </p:sp>
+      <p:sp>
+        <p:nvSpPr>
+          <p:cNvPr id="9" name="Rounded Rectangle 8"/>
+          <p:cNvSpPr/>
+          <p:nvPr/>
+        </p:nvSpPr>
+        <p:spPr>
+          <a:xfrm>
+            <a:off x="6508279" y="515962"/>
+            <a:ext cx="2090057" cy="1190683"/>
+          </a:xfrm>
+          <a:prstGeom prst="roundRect">
+            <a:avLst/>
+          </a:prstGeom>
+        </p:spPr>
+        <p:style>
+          <a:lnRef idx="1">
+            <a:schemeClr val="accent3"/>
+          </a:lnRef>
+          <a:fillRef idx="3">
+            <a:schemeClr val="accent3"/>
+          </a:fillRef>
+          <a:effectRef idx="2">
+            <a:schemeClr val="accent3"/>
+          </a:effectRef>
+          <a:fontRef idx="minor">
+            <a:schemeClr val="lt1"/>
+          </a:fontRef>
+        </p:style>
+        <p:txBody>
+          <a:bodyPr rtlCol="0" anchor="ctr"/>
+          <a:lstStyle/>
+          <a:p>
+            <a:pPr algn="ctr"/>
+            <a:endParaRPr lang="en-US"/>
+          </a:p>
+        </p:txBody>
+      </p:sp>
+      <p:sp>
+        <p:nvSpPr>
+          <p:cNvPr id="10" name="TextBox 9"/>
+          <p:cNvSpPr txBox="1"/>
+          <p:nvPr/>
+        </p:nvSpPr>
+        <p:spPr>
+          <a:xfrm>
+            <a:off x="661410" y="714409"/>
+            <a:ext cx="1759352" cy="707886"/>
+          </a:xfrm>
+          <a:prstGeom prst="rect">
+            <a:avLst/>
+          </a:prstGeom>
+          <a:noFill/>
+        </p:spPr>
+        <p:txBody>
+          <a:bodyPr wrap="square" rtlCol="0">
+            <a:spAutoFit/>
+            <a:scene3d>
+              <a:camera prst="orthographicFront"/>
+              <a:lightRig rig="soft" dir="t">
+                <a:rot lat="0" lon="0" rev="10800000"/>
+              </a:lightRig>
+            </a:scene3d>
+            <a:sp3d>
+              <a:bevelT w="27940" h="12700"/>
+              <a:contourClr>
+                <a:srgbClr val="DDDDDD"/>
+              </a:contourClr>
+            </a:sp3d>
+          </a:bodyPr>
+          <a:lstStyle/>
+          <a:p>
+            <a:pPr algn="ctr"/>
+            <a:r>
+              <a:rPr lang="en-US" sz="4000" b="1" spc="150" dirty="0" smtClean="0">
+                <a:ln w="11430"/>
+                <a:solidFill>
+                  <a:srgbClr val="7F7F7F"/>
+                </a:solidFill>
+                <a:effectLst>
+                  <a:outerShdw blurRad="25400" algn="tl" rotWithShape="0">
+                    <a:srgbClr val="000000">
+                      <a:alpha val="43000"/>
+                    </a:srgbClr>
+                  </a:outerShdw>
+                </a:effectLst>
+              </a:rPr>
+              <a:t>Input</a:t>
+            </a:r>
+            <a:endParaRPr lang="en-US" sz="4000" b="1" spc="150" dirty="0">
+              <a:ln w="11430"/>
+              <a:solidFill>
+                <a:srgbClr val="7F7F7F"/>
+              </a:solidFill>
+              <a:effectLst>
+                <a:outerShdw blurRad="25400" algn="tl" rotWithShape="0">
+                  <a:srgbClr val="000000">
+                    <a:alpha val="43000"/>
+                  </a:srgbClr>
+                </a:outerShdw>
+              </a:effectLst>
+            </a:endParaRPr>
+          </a:p>
+        </p:txBody>
+      </p:sp>
+      <p:sp>
+        <p:nvSpPr>
+          <p:cNvPr id="11" name="TextBox 10"/>
+          <p:cNvSpPr txBox="1"/>
+          <p:nvPr/>
+        </p:nvSpPr>
+        <p:spPr>
+          <a:xfrm>
+            <a:off x="6706702" y="740869"/>
+            <a:ext cx="1759352" cy="646331"/>
+          </a:xfrm>
+          <a:prstGeom prst="rect">
+            <a:avLst/>
+          </a:prstGeom>
+          <a:noFill/>
+        </p:spPr>
+        <p:txBody>
+          <a:bodyPr wrap="square" rtlCol="0">
+            <a:spAutoFit/>
+            <a:scene3d>
+              <a:camera prst="orthographicFront"/>
+              <a:lightRig rig="soft" dir="t">
+                <a:rot lat="0" lon="0" rev="10800000"/>
+              </a:lightRig>
+            </a:scene3d>
+            <a:sp3d>
+              <a:bevelT w="27940" h="12700"/>
+              <a:contourClr>
+                <a:srgbClr val="DDDDDD"/>
+              </a:contourClr>
+            </a:sp3d>
+          </a:bodyPr>
+          <a:lstStyle/>
+          <a:p>
+            <a:pPr algn="ctr"/>
+            <a:r>
+              <a:rPr lang="en-US" sz="3600" b="1" spc="150" dirty="0" smtClean="0">
+                <a:ln w="11430"/>
+                <a:solidFill>
+                  <a:srgbClr val="7F7F7F"/>
+                </a:solidFill>
+                <a:effectLst>
+                  <a:outerShdw blurRad="25400" algn="tl" rotWithShape="0">
+                    <a:srgbClr val="000000">
+                      <a:alpha val="43000"/>
+                    </a:srgbClr>
+                  </a:outerShdw>
+                </a:effectLst>
+              </a:rPr>
+              <a:t>Output</a:t>
+            </a:r>
+            <a:endParaRPr lang="en-US" sz="3600" b="1" spc="150" dirty="0">
+              <a:ln w="11430"/>
+              <a:solidFill>
+                <a:srgbClr val="7F7F7F"/>
+              </a:solidFill>
+              <a:effectLst>
+                <a:outerShdw blurRad="25400" algn="tl" rotWithShape="0">
+                  <a:srgbClr val="000000">
+                    <a:alpha val="43000"/>
+                  </a:srgbClr>
+                </a:outerShdw>
+              </a:effectLst>
+            </a:endParaRPr>
+          </a:p>
+        </p:txBody>
+      </p:sp>
+      <p:sp>
+        <p:nvSpPr>
+          <p:cNvPr id="12" name="TextBox 11"/>
+          <p:cNvSpPr txBox="1"/>
+          <p:nvPr/>
+        </p:nvSpPr>
+        <p:spPr>
+          <a:xfrm>
+            <a:off x="3650985" y="899625"/>
+            <a:ext cx="1759352" cy="400110"/>
+          </a:xfrm>
+          <a:prstGeom prst="rect">
+            <a:avLst/>
+          </a:prstGeom>
+          <a:noFill/>
+        </p:spPr>
+        <p:txBody>
+          <a:bodyPr wrap="square" rtlCol="0">
+            <a:spAutoFit/>
+            <a:scene3d>
+              <a:camera prst="orthographicFront"/>
+              <a:lightRig rig="soft" dir="t">
+                <a:rot lat="0" lon="0" rev="10800000"/>
+              </a:lightRig>
+            </a:scene3d>
+            <a:sp3d>
+              <a:bevelT w="27940" h="12700"/>
+              <a:contourClr>
+                <a:srgbClr val="DDDDDD"/>
+              </a:contourClr>
+            </a:sp3d>
+          </a:bodyPr>
+          <a:lstStyle/>
+          <a:p>
+            <a:pPr algn="ctr"/>
+            <a:r>
+              <a:rPr lang="en-US" sz="2000" b="1" spc="150" dirty="0" smtClean="0">
+                <a:ln w="11430"/>
+                <a:solidFill>
+                  <a:srgbClr val="7F7F7F"/>
+                </a:solidFill>
+                <a:effectLst>
+                  <a:outerShdw blurRad="25400" algn="tl" rotWithShape="0">
+                    <a:srgbClr val="000000">
+                      <a:alpha val="43000"/>
+                    </a:srgbClr>
+                  </a:outerShdw>
+                </a:effectLst>
+              </a:rPr>
+              <a:t>Participants</a:t>
+            </a:r>
+            <a:endParaRPr lang="en-US" sz="2000" b="1" spc="150" dirty="0">
+              <a:ln w="11430"/>
+              <a:solidFill>
+                <a:srgbClr val="7F7F7F"/>
+              </a:solidFill>
+              <a:effectLst>
+                <a:outerShdw blurRad="25400" algn="tl" rotWithShape="0">
+                  <a:srgbClr val="000000">
+                    <a:alpha val="43000"/>
+                  </a:srgbClr>
+                </a:outerShdw>
+              </a:effectLst>
+            </a:endParaRPr>
+          </a:p>
+        </p:txBody>
+      </p:sp>
+      <p:sp>
+        <p:nvSpPr>
+          <p:cNvPr id="13" name="Plus 12"/>
+          <p:cNvSpPr/>
+          <p:nvPr/>
+        </p:nvSpPr>
+        <p:spPr>
+          <a:xfrm>
+            <a:off x="2579500" y="668196"/>
+            <a:ext cx="971998" cy="959420"/>
+          </a:xfrm>
+          <a:prstGeom prst="mathPlus">
+            <a:avLst/>
+          </a:prstGeom>
+          <a:ln>
+            <a:noFill/>
+          </a:ln>
+        </p:spPr>
+        <p:style>
+          <a:lnRef idx="1">
+            <a:schemeClr val="dk1"/>
+          </a:lnRef>
+          <a:fillRef idx="2">
+            <a:schemeClr val="dk1"/>
+          </a:fillRef>
+          <a:effectRef idx="1">
+            <a:schemeClr val="dk1"/>
+          </a:effectRef>
+          <a:fontRef idx="minor">
+            <a:schemeClr val="dk1"/>
+          </a:fontRef>
+        </p:style>
+        <p:txBody>
+          <a:bodyPr rtlCol="0" anchor="ctr"/>
+          <a:lstStyle/>
+          <a:p>
+            <a:pPr algn="ctr"/>
+            <a:endParaRPr lang="en-US"/>
+          </a:p>
+        </p:txBody>
+      </p:sp>
+      <p:sp>
+        <p:nvSpPr>
+          <p:cNvPr id="14" name="Equal 13"/>
+          <p:cNvSpPr/>
+          <p:nvPr/>
+        </p:nvSpPr>
+        <p:spPr>
+          <a:xfrm>
+            <a:off x="5546063" y="668196"/>
+            <a:ext cx="971998" cy="959420"/>
+          </a:xfrm>
+          <a:prstGeom prst="mathEqual">
+            <a:avLst/>
+          </a:prstGeom>
+          <a:ln>
+            <a:noFill/>
+          </a:ln>
+        </p:spPr>
+        <p:style>
+          <a:lnRef idx="1">
+            <a:schemeClr val="dk1"/>
+          </a:lnRef>
+          <a:fillRef idx="2">
+            <a:schemeClr val="dk1"/>
+          </a:fillRef>
+          <a:effectRef idx="1">
+            <a:schemeClr val="dk1"/>
+          </a:effectRef>
+          <a:fontRef idx="minor">
+            <a:schemeClr val="dk1"/>
+          </a:fontRef>
+        </p:style>
+        <p:txBody>
+          <a:bodyPr rtlCol="0" anchor="ctr"/>
+          <a:lstStyle/>
+          <a:p>
+            <a:pPr algn="ctr"/>
+            <a:endParaRPr lang="en-US"/>
+          </a:p>
+        </p:txBody>
+      </p:sp>
+      <p:sp>
+        <p:nvSpPr>
+          <p:cNvPr id="17" name="Rectangle 16"/>
+          <p:cNvSpPr/>
+          <p:nvPr/>
+        </p:nvSpPr>
+        <p:spPr>
+          <a:xfrm>
+            <a:off x="3479019" y="1745647"/>
+            <a:ext cx="2090058" cy="2554545"/>
+          </a:xfrm>
+          <a:prstGeom prst="rect">
+            <a:avLst/>
+          </a:prstGeom>
+        </p:spPr>
+        <p:txBody>
+          <a:bodyPr wrap="square">
+            <a:spAutoFit/>
+          </a:bodyPr>
+          <a:lstStyle/>
+          <a:p>
+            <a:pPr marL="285750" indent="-285750">
+              <a:buFont typeface="Arial"/>
+              <a:buChar char="•"/>
+            </a:pPr>
+            <a:r>
+              <a:rPr lang="en-US" sz="1600" dirty="0"/>
+              <a:t>Professor</a:t>
+            </a:r>
+          </a:p>
+          <a:p>
+            <a:endParaRPr lang="en-US" sz="1600" dirty="0"/>
+          </a:p>
+          <a:p>
+            <a:pPr marL="285750" indent="-285750">
+              <a:buFont typeface="Arial"/>
+              <a:buChar char="•"/>
+            </a:pPr>
+            <a:r>
+              <a:rPr lang="en-US" sz="1600" dirty="0"/>
+              <a:t>Companies in the field of electric chargers, oil suppliers, electricity,  </a:t>
+            </a:r>
+            <a:r>
+              <a:rPr lang="en-US" sz="1600" dirty="0" smtClean="0"/>
+              <a:t>individuals</a:t>
+            </a:r>
+          </a:p>
+          <a:p>
+            <a:r>
+              <a:rPr lang="en-US" sz="1600" dirty="0"/>
+              <a:t> </a:t>
+            </a:r>
+          </a:p>
+          <a:p>
+            <a:pPr marL="285750" indent="-285750">
+              <a:buFont typeface="Arial"/>
+              <a:buChar char="•"/>
+            </a:pPr>
+            <a:r>
+              <a:rPr lang="en-US" sz="1600" dirty="0" smtClean="0"/>
+              <a:t>Our team </a:t>
+            </a:r>
+            <a:endParaRPr lang="en-US" sz="1600" dirty="0"/>
+          </a:p>
+        </p:txBody>
+      </p:sp>
     </p:spTree>
     <p:extLst>
       <p:ext uri="{BB962C8B-B14F-4D97-AF65-F5344CB8AC3E}">
-        <p14:creationId xmlns:p14="http://schemas.microsoft.com/office/powerpoint/2010/main" val="3991774785"/>
+        <p14:creationId xmlns:p14="http://schemas.microsoft.com/office/powerpoint/2010/main" val="2937922895"/>
+      </p:ext>
+    </p:extLst>
+  </p:cSld>
+  <p:clrMapOvr>
+    <a:masterClrMapping/>
+  </p:clrMapOvr>
+  <p:timing>
+    <p:tnLst>
+      <p:par>
+        <p:cTn xmlns:p14="http://schemas.microsoft.com/office/powerpoint/2010/main" id="1" dur="indefinite" restart="never" nodeType="tmRoot"/>
+      </p:par>
+    </p:tnLst>
+  </p:timing>
+</p:sld>
+</file>
+
+<file path=ppt/slides/slide7.xml><?xml version="1.0" encoding="utf-8"?>
+<p:sld xmlns:a="http://schemas.openxmlformats.org/drawingml/2006/main" xmlns:r="http://schemas.openxmlformats.org/officeDocument/2006/relationships" xmlns:p="http://schemas.openxmlformats.org/presentationml/2006/main">
+  <p:cSld>
+    <p:spTree>
+      <p:nvGrpSpPr>
+        <p:cNvPr id="1" name=""/>
+        <p:cNvGrpSpPr/>
+        <p:nvPr/>
+      </p:nvGrpSpPr>
+      <p:grpSpPr>
+        <a:xfrm>
+          <a:off x="0" y="0"/>
+          <a:ext cx="0" cy="0"/>
+          <a:chOff x="0" y="0"/>
+          <a:chExt cx="0" cy="0"/>
+        </a:xfrm>
+      </p:grpSpPr>
+      <p:sp>
+        <p:nvSpPr>
+          <p:cNvPr id="29" name="Notched Right Arrow 28"/>
+          <p:cNvSpPr/>
+          <p:nvPr/>
+        </p:nvSpPr>
+        <p:spPr>
+          <a:xfrm>
+            <a:off x="2645642" y="754099"/>
+            <a:ext cx="3862636" cy="688300"/>
+          </a:xfrm>
+          <a:prstGeom prst="notchedRightArrow">
+            <a:avLst/>
+          </a:prstGeom>
+          <a:ln>
+            <a:noFill/>
+          </a:ln>
+        </p:spPr>
+        <p:style>
+          <a:lnRef idx="1">
+            <a:schemeClr val="dk1"/>
+          </a:lnRef>
+          <a:fillRef idx="2">
+            <a:schemeClr val="dk1"/>
+          </a:fillRef>
+          <a:effectRef idx="1">
+            <a:schemeClr val="dk1"/>
+          </a:effectRef>
+          <a:fontRef idx="minor">
+            <a:schemeClr val="dk1"/>
+          </a:fontRef>
+        </p:style>
+        <p:txBody>
+          <a:bodyPr rtlCol="0" anchor="ctr"/>
+          <a:lstStyle/>
+          <a:p>
+            <a:pPr algn="ctr"/>
+            <a:endParaRPr lang="en-US"/>
+          </a:p>
+        </p:txBody>
+      </p:sp>
+      <p:sp>
+        <p:nvSpPr>
+          <p:cNvPr id="4" name="Rectangle 3"/>
+          <p:cNvSpPr/>
+          <p:nvPr/>
+        </p:nvSpPr>
+        <p:spPr>
+          <a:xfrm>
+            <a:off x="568813" y="1299735"/>
+            <a:ext cx="2381078" cy="4724005"/>
+          </a:xfrm>
+          <a:prstGeom prst="rect">
+            <a:avLst/>
+          </a:prstGeom>
+          <a:solidFill>
+            <a:schemeClr val="bg1">
+              <a:lumMod val="95000"/>
+            </a:schemeClr>
+          </a:solidFill>
+          <a:ln>
+            <a:noFill/>
+          </a:ln>
+          <a:effectLst/>
+        </p:spPr>
+        <p:style>
+          <a:lnRef idx="1">
+            <a:schemeClr val="accent1"/>
+          </a:lnRef>
+          <a:fillRef idx="3">
+            <a:schemeClr val="accent1"/>
+          </a:fillRef>
+          <a:effectRef idx="2">
+            <a:schemeClr val="accent1"/>
+          </a:effectRef>
+          <a:fontRef idx="minor">
+            <a:schemeClr val="lt1"/>
+          </a:fontRef>
+        </p:style>
+        <p:txBody>
+          <a:bodyPr rtlCol="0" anchor="ctr"/>
+          <a:lstStyle/>
+          <a:p>
+            <a:pPr algn="ctr"/>
+            <a:endParaRPr lang="en-US"/>
+          </a:p>
+        </p:txBody>
+      </p:sp>
+      <p:sp>
+        <p:nvSpPr>
+          <p:cNvPr id="5" name="Rectangle 4"/>
+          <p:cNvSpPr/>
+          <p:nvPr/>
+        </p:nvSpPr>
+        <p:spPr>
+          <a:xfrm>
+            <a:off x="3479019" y="1299735"/>
+            <a:ext cx="2433991" cy="4724005"/>
+          </a:xfrm>
+          <a:prstGeom prst="rect">
+            <a:avLst/>
+          </a:prstGeom>
+          <a:solidFill>
+            <a:schemeClr val="bg1">
+              <a:lumMod val="95000"/>
+            </a:schemeClr>
+          </a:solidFill>
+          <a:ln>
+            <a:noFill/>
+          </a:ln>
+          <a:effectLst/>
+        </p:spPr>
+        <p:style>
+          <a:lnRef idx="1">
+            <a:schemeClr val="accent1"/>
+          </a:lnRef>
+          <a:fillRef idx="3">
+            <a:schemeClr val="accent1"/>
+          </a:fillRef>
+          <a:effectRef idx="2">
+            <a:schemeClr val="accent1"/>
+          </a:effectRef>
+          <a:fontRef idx="minor">
+            <a:schemeClr val="lt1"/>
+          </a:fontRef>
+        </p:style>
+        <p:txBody>
+          <a:bodyPr rtlCol="0" anchor="ctr"/>
+          <a:lstStyle/>
+          <a:p>
+            <a:pPr algn="ctr"/>
+            <a:endParaRPr lang="en-US"/>
+          </a:p>
+        </p:txBody>
+      </p:sp>
+      <p:sp>
+        <p:nvSpPr>
+          <p:cNvPr id="6" name="Rectangle 5"/>
+          <p:cNvSpPr/>
+          <p:nvPr/>
+        </p:nvSpPr>
+        <p:spPr>
+          <a:xfrm>
+            <a:off x="6518061" y="1299735"/>
+            <a:ext cx="2500131" cy="4724005"/>
+          </a:xfrm>
+          <a:prstGeom prst="rect">
+            <a:avLst/>
+          </a:prstGeom>
+          <a:solidFill>
+            <a:schemeClr val="bg1">
+              <a:lumMod val="95000"/>
+            </a:schemeClr>
+          </a:solidFill>
+          <a:ln>
+            <a:noFill/>
+          </a:ln>
+          <a:effectLst/>
+        </p:spPr>
+        <p:style>
+          <a:lnRef idx="1">
+            <a:schemeClr val="accent1"/>
+          </a:lnRef>
+          <a:fillRef idx="3">
+            <a:schemeClr val="accent1"/>
+          </a:fillRef>
+          <a:effectRef idx="2">
+            <a:schemeClr val="accent1"/>
+          </a:effectRef>
+          <a:fontRef idx="minor">
+            <a:schemeClr val="lt1"/>
+          </a:fontRef>
+        </p:style>
+        <p:txBody>
+          <a:bodyPr rtlCol="0" anchor="ctr"/>
+          <a:lstStyle/>
+          <a:p>
+            <a:pPr algn="ctr"/>
+            <a:endParaRPr lang="en-US"/>
+          </a:p>
+        </p:txBody>
+      </p:sp>
+      <p:sp>
+        <p:nvSpPr>
+          <p:cNvPr id="7" name="Rounded Rectangle 6"/>
+          <p:cNvSpPr/>
+          <p:nvPr/>
+        </p:nvSpPr>
+        <p:spPr>
+          <a:xfrm>
+            <a:off x="555585" y="515962"/>
+            <a:ext cx="2090057" cy="1190683"/>
+          </a:xfrm>
+          <a:prstGeom prst="roundRect">
+            <a:avLst/>
+          </a:prstGeom>
+        </p:spPr>
+        <p:style>
+          <a:lnRef idx="1">
+            <a:schemeClr val="accent3"/>
+          </a:lnRef>
+          <a:fillRef idx="3">
+            <a:schemeClr val="accent3"/>
+          </a:fillRef>
+          <a:effectRef idx="2">
+            <a:schemeClr val="accent3"/>
+          </a:effectRef>
+          <a:fontRef idx="minor">
+            <a:schemeClr val="lt1"/>
+          </a:fontRef>
+        </p:style>
+        <p:txBody>
+          <a:bodyPr rtlCol="0" anchor="ctr"/>
+          <a:lstStyle/>
+          <a:p>
+            <a:pPr algn="ctr"/>
+            <a:endParaRPr lang="en-US"/>
+          </a:p>
+        </p:txBody>
+      </p:sp>
+      <p:sp>
+        <p:nvSpPr>
+          <p:cNvPr id="8" name="Rounded Rectangle 7"/>
+          <p:cNvSpPr/>
+          <p:nvPr/>
+        </p:nvSpPr>
+        <p:spPr>
+          <a:xfrm>
+            <a:off x="3479019" y="515962"/>
+            <a:ext cx="2090057" cy="1190683"/>
+          </a:xfrm>
+          <a:prstGeom prst="roundRect">
+            <a:avLst/>
+          </a:prstGeom>
+        </p:spPr>
+        <p:style>
+          <a:lnRef idx="1">
+            <a:schemeClr val="accent3"/>
+          </a:lnRef>
+          <a:fillRef idx="3">
+            <a:schemeClr val="accent3"/>
+          </a:fillRef>
+          <a:effectRef idx="2">
+            <a:schemeClr val="accent3"/>
+          </a:effectRef>
+          <a:fontRef idx="minor">
+            <a:schemeClr val="lt1"/>
+          </a:fontRef>
+        </p:style>
+        <p:txBody>
+          <a:bodyPr rtlCol="0" anchor="ctr"/>
+          <a:lstStyle/>
+          <a:p>
+            <a:pPr algn="ctr"/>
+            <a:endParaRPr lang="en-US"/>
+          </a:p>
+        </p:txBody>
+      </p:sp>
+      <p:sp>
+        <p:nvSpPr>
+          <p:cNvPr id="9" name="Rounded Rectangle 8"/>
+          <p:cNvSpPr/>
+          <p:nvPr/>
+        </p:nvSpPr>
+        <p:spPr>
+          <a:xfrm>
+            <a:off x="6508279" y="515962"/>
+            <a:ext cx="2090057" cy="1190683"/>
+          </a:xfrm>
+          <a:prstGeom prst="roundRect">
+            <a:avLst/>
+          </a:prstGeom>
+        </p:spPr>
+        <p:style>
+          <a:lnRef idx="1">
+            <a:schemeClr val="accent3"/>
+          </a:lnRef>
+          <a:fillRef idx="3">
+            <a:schemeClr val="accent3"/>
+          </a:fillRef>
+          <a:effectRef idx="2">
+            <a:schemeClr val="accent3"/>
+          </a:effectRef>
+          <a:fontRef idx="minor">
+            <a:schemeClr val="lt1"/>
+          </a:fontRef>
+        </p:style>
+        <p:txBody>
+          <a:bodyPr rtlCol="0" anchor="ctr"/>
+          <a:lstStyle/>
+          <a:p>
+            <a:pPr algn="ctr"/>
+            <a:endParaRPr lang="en-US"/>
+          </a:p>
+        </p:txBody>
+      </p:sp>
+      <p:sp>
+        <p:nvSpPr>
+          <p:cNvPr id="10" name="TextBox 9"/>
+          <p:cNvSpPr txBox="1"/>
+          <p:nvPr/>
+        </p:nvSpPr>
+        <p:spPr>
+          <a:xfrm>
+            <a:off x="727550" y="641736"/>
+            <a:ext cx="1759352" cy="954107"/>
+          </a:xfrm>
+          <a:prstGeom prst="rect">
+            <a:avLst/>
+          </a:prstGeom>
+          <a:noFill/>
+        </p:spPr>
+        <p:txBody>
+          <a:bodyPr wrap="square" rtlCol="0">
+            <a:spAutoFit/>
+            <a:scene3d>
+              <a:camera prst="orthographicFront"/>
+              <a:lightRig rig="soft" dir="t">
+                <a:rot lat="0" lon="0" rev="10800000"/>
+              </a:lightRig>
+            </a:scene3d>
+            <a:sp3d>
+              <a:bevelT w="27940" h="12700"/>
+              <a:contourClr>
+                <a:srgbClr val="DDDDDD"/>
+              </a:contourClr>
+            </a:sp3d>
+          </a:bodyPr>
+          <a:lstStyle/>
+          <a:p>
+            <a:pPr algn="ctr"/>
+            <a:r>
+              <a:rPr lang="en-US" sz="2800" b="1" spc="150" dirty="0" smtClean="0">
+                <a:ln w="11430"/>
+                <a:solidFill>
+                  <a:srgbClr val="7F7F7F"/>
+                </a:solidFill>
+                <a:effectLst>
+                  <a:outerShdw blurRad="25400" algn="tl" rotWithShape="0">
+                    <a:srgbClr val="000000">
+                      <a:alpha val="43000"/>
+                    </a:srgbClr>
+                  </a:outerShdw>
+                </a:effectLst>
+              </a:rPr>
+              <a:t>Short-term</a:t>
+            </a:r>
+            <a:endParaRPr lang="en-US" sz="2800" b="1" spc="150" dirty="0">
+              <a:ln w="11430"/>
+              <a:solidFill>
+                <a:srgbClr val="7F7F7F"/>
+              </a:solidFill>
+              <a:effectLst>
+                <a:outerShdw blurRad="25400" algn="tl" rotWithShape="0">
+                  <a:srgbClr val="000000">
+                    <a:alpha val="43000"/>
+                  </a:srgbClr>
+                </a:outerShdw>
+              </a:effectLst>
+            </a:endParaRPr>
+          </a:p>
+        </p:txBody>
+      </p:sp>
+      <p:sp>
+        <p:nvSpPr>
+          <p:cNvPr id="11" name="TextBox 10"/>
+          <p:cNvSpPr txBox="1"/>
+          <p:nvPr/>
+        </p:nvSpPr>
+        <p:spPr>
+          <a:xfrm>
+            <a:off x="6706702" y="628506"/>
+            <a:ext cx="1759352" cy="954107"/>
+          </a:xfrm>
+          <a:prstGeom prst="rect">
+            <a:avLst/>
+          </a:prstGeom>
+          <a:noFill/>
+        </p:spPr>
+        <p:txBody>
+          <a:bodyPr wrap="square" rtlCol="0">
+            <a:spAutoFit/>
+            <a:scene3d>
+              <a:camera prst="orthographicFront"/>
+              <a:lightRig rig="soft" dir="t">
+                <a:rot lat="0" lon="0" rev="10800000"/>
+              </a:lightRig>
+            </a:scene3d>
+            <a:sp3d>
+              <a:bevelT w="27940" h="12700"/>
+              <a:contourClr>
+                <a:srgbClr val="DDDDDD"/>
+              </a:contourClr>
+            </a:sp3d>
+          </a:bodyPr>
+          <a:lstStyle/>
+          <a:p>
+            <a:pPr algn="ctr"/>
+            <a:r>
+              <a:rPr lang="en-US" sz="2800" b="1" spc="150" dirty="0" smtClean="0">
+                <a:ln w="11430"/>
+                <a:solidFill>
+                  <a:srgbClr val="7F7F7F"/>
+                </a:solidFill>
+                <a:effectLst>
+                  <a:outerShdw blurRad="25400" algn="tl" rotWithShape="0">
+                    <a:srgbClr val="000000">
+                      <a:alpha val="43000"/>
+                    </a:srgbClr>
+                  </a:outerShdw>
+                </a:effectLst>
+              </a:rPr>
+              <a:t>Long-term</a:t>
+            </a:r>
+            <a:endParaRPr lang="en-US" sz="2800" b="1" spc="150" dirty="0">
+              <a:ln w="11430"/>
+              <a:solidFill>
+                <a:srgbClr val="7F7F7F"/>
+              </a:solidFill>
+              <a:effectLst>
+                <a:outerShdw blurRad="25400" algn="tl" rotWithShape="0">
+                  <a:srgbClr val="000000">
+                    <a:alpha val="43000"/>
+                  </a:srgbClr>
+                </a:outerShdw>
+              </a:effectLst>
+            </a:endParaRPr>
+          </a:p>
+        </p:txBody>
+      </p:sp>
+      <p:sp>
+        <p:nvSpPr>
+          <p:cNvPr id="12" name="TextBox 11"/>
+          <p:cNvSpPr txBox="1"/>
+          <p:nvPr/>
+        </p:nvSpPr>
+        <p:spPr>
+          <a:xfrm>
+            <a:off x="3650985" y="641736"/>
+            <a:ext cx="1759352" cy="954107"/>
+          </a:xfrm>
+          <a:prstGeom prst="rect">
+            <a:avLst/>
+          </a:prstGeom>
+          <a:noFill/>
+        </p:spPr>
+        <p:txBody>
+          <a:bodyPr wrap="square" rtlCol="0">
+            <a:spAutoFit/>
+            <a:scene3d>
+              <a:camera prst="orthographicFront"/>
+              <a:lightRig rig="soft" dir="t">
+                <a:rot lat="0" lon="0" rev="10800000"/>
+              </a:lightRig>
+            </a:scene3d>
+            <a:sp3d>
+              <a:bevelT w="27940" h="12700"/>
+              <a:contourClr>
+                <a:srgbClr val="DDDDDD"/>
+              </a:contourClr>
+            </a:sp3d>
+          </a:bodyPr>
+          <a:lstStyle/>
+          <a:p>
+            <a:pPr algn="ctr"/>
+            <a:r>
+              <a:rPr lang="en-US" sz="2800" b="1" spc="150" dirty="0" smtClean="0">
+                <a:ln w="11430"/>
+                <a:solidFill>
+                  <a:srgbClr val="7F7F7F"/>
+                </a:solidFill>
+                <a:effectLst>
+                  <a:outerShdw blurRad="25400" algn="tl" rotWithShape="0">
+                    <a:srgbClr val="000000">
+                      <a:alpha val="43000"/>
+                    </a:srgbClr>
+                  </a:outerShdw>
+                </a:effectLst>
+              </a:rPr>
+              <a:t>Medium-</a:t>
+            </a:r>
+          </a:p>
+          <a:p>
+            <a:pPr algn="ctr"/>
+            <a:r>
+              <a:rPr lang="en-US" sz="2800" b="1" spc="150" dirty="0" smtClean="0">
+                <a:ln w="11430"/>
+                <a:solidFill>
+                  <a:srgbClr val="7F7F7F"/>
+                </a:solidFill>
+                <a:effectLst>
+                  <a:outerShdw blurRad="25400" algn="tl" rotWithShape="0">
+                    <a:srgbClr val="000000">
+                      <a:alpha val="43000"/>
+                    </a:srgbClr>
+                  </a:outerShdw>
+                </a:effectLst>
+              </a:rPr>
+              <a:t>term</a:t>
+            </a:r>
+            <a:endParaRPr lang="en-US" sz="2800" b="1" spc="150" dirty="0">
+              <a:ln w="11430"/>
+              <a:solidFill>
+                <a:srgbClr val="7F7F7F"/>
+              </a:solidFill>
+              <a:effectLst>
+                <a:outerShdw blurRad="25400" algn="tl" rotWithShape="0">
+                  <a:srgbClr val="000000">
+                    <a:alpha val="43000"/>
+                  </a:srgbClr>
+                </a:outerShdw>
+              </a:effectLst>
+            </a:endParaRPr>
+          </a:p>
+        </p:txBody>
+      </p:sp>
+      <p:sp>
+        <p:nvSpPr>
+          <p:cNvPr id="26" name="Rectangle 25"/>
+          <p:cNvSpPr/>
+          <p:nvPr/>
+        </p:nvSpPr>
+        <p:spPr>
+          <a:xfrm>
+            <a:off x="568813" y="1745646"/>
+            <a:ext cx="2076829" cy="4031873"/>
+          </a:xfrm>
+          <a:prstGeom prst="rect">
+            <a:avLst/>
+          </a:prstGeom>
+        </p:spPr>
+        <p:txBody>
+          <a:bodyPr wrap="square">
+            <a:spAutoFit/>
+          </a:bodyPr>
+          <a:lstStyle/>
+          <a:p>
+            <a:pPr marL="285750" indent="-285750">
+              <a:buFont typeface="Arial"/>
+              <a:buChar char="•"/>
+            </a:pPr>
+            <a:r>
+              <a:rPr lang="en-US" sz="1600" dirty="0"/>
+              <a:t>We as a team know better each other</a:t>
+            </a:r>
+          </a:p>
+          <a:p>
+            <a:endParaRPr lang="en-US" sz="1600" dirty="0"/>
+          </a:p>
+          <a:p>
+            <a:pPr marL="285750" indent="-285750">
+              <a:buFont typeface="Arial"/>
+              <a:buChar char="•"/>
+            </a:pPr>
+            <a:r>
+              <a:rPr lang="en-US" sz="1600" dirty="0"/>
+              <a:t>Improved knowledge about the management of a project and its different tools</a:t>
+            </a:r>
+          </a:p>
+          <a:p>
+            <a:endParaRPr lang="en-US" sz="1600" dirty="0"/>
+          </a:p>
+          <a:p>
+            <a:pPr marL="285750" indent="-285750">
+              <a:buFont typeface="Arial"/>
+              <a:buChar char="•"/>
+            </a:pPr>
+            <a:r>
+              <a:rPr lang="en-US" sz="1600" dirty="0"/>
+              <a:t>A good mark  for the course</a:t>
+            </a:r>
+          </a:p>
+          <a:p>
+            <a:endParaRPr lang="en-US" sz="1600" dirty="0"/>
+          </a:p>
+          <a:p>
+            <a:pPr marL="285750" indent="-285750">
+              <a:buFont typeface="Arial"/>
+              <a:buChar char="•"/>
+            </a:pPr>
+            <a:r>
+              <a:rPr lang="en-US" sz="1600" dirty="0"/>
+              <a:t>Get inspired by this market for our career</a:t>
+            </a:r>
+          </a:p>
+        </p:txBody>
+      </p:sp>
+      <p:sp>
+        <p:nvSpPr>
+          <p:cNvPr id="27" name="Rectangle 26"/>
+          <p:cNvSpPr/>
+          <p:nvPr/>
+        </p:nvSpPr>
+        <p:spPr>
+          <a:xfrm>
+            <a:off x="3479018" y="1746335"/>
+            <a:ext cx="2090057" cy="3539430"/>
+          </a:xfrm>
+          <a:prstGeom prst="rect">
+            <a:avLst/>
+          </a:prstGeom>
+        </p:spPr>
+        <p:txBody>
+          <a:bodyPr wrap="square">
+            <a:spAutoFit/>
+          </a:bodyPr>
+          <a:lstStyle/>
+          <a:p>
+            <a:pPr marL="285750" indent="-285750">
+              <a:buFont typeface="Arial"/>
+              <a:buChar char="•"/>
+            </a:pPr>
+            <a:r>
+              <a:rPr lang="en-US" sz="1600" dirty="0"/>
+              <a:t>Companies develop better strategies and decisions about this </a:t>
+            </a:r>
+            <a:r>
+              <a:rPr lang="en-US" sz="1600" dirty="0" smtClean="0"/>
+              <a:t>market</a:t>
+            </a:r>
+          </a:p>
+          <a:p>
+            <a:endParaRPr lang="en-US" sz="1600" dirty="0"/>
+          </a:p>
+          <a:p>
+            <a:pPr marL="285750" indent="-285750">
+              <a:buFont typeface="Arial"/>
+              <a:buChar char="•"/>
+            </a:pPr>
+            <a:r>
+              <a:rPr lang="en-US" sz="1600" dirty="0"/>
+              <a:t>Help new innovative companies enter the market</a:t>
+            </a:r>
+          </a:p>
+          <a:p>
+            <a:endParaRPr lang="en-US" sz="1600" dirty="0"/>
+          </a:p>
+          <a:p>
+            <a:pPr marL="285750" indent="-285750">
+              <a:buFont typeface="Arial"/>
+              <a:buChar char="•"/>
+            </a:pPr>
+            <a:r>
+              <a:rPr lang="en-US" sz="1600" dirty="0"/>
+              <a:t>Implementation of the acquired skills in internship, job and other projects</a:t>
+            </a:r>
+          </a:p>
+        </p:txBody>
+      </p:sp>
+      <p:sp>
+        <p:nvSpPr>
+          <p:cNvPr id="28" name="TextBox 27"/>
+          <p:cNvSpPr txBox="1"/>
+          <p:nvPr/>
+        </p:nvSpPr>
+        <p:spPr>
+          <a:xfrm>
+            <a:off x="6518061" y="1745646"/>
+            <a:ext cx="2080275" cy="4031873"/>
+          </a:xfrm>
+          <a:prstGeom prst="rect">
+            <a:avLst/>
+          </a:prstGeom>
+          <a:noFill/>
+        </p:spPr>
+        <p:txBody>
+          <a:bodyPr wrap="square" rtlCol="0">
+            <a:spAutoFit/>
+          </a:bodyPr>
+          <a:lstStyle/>
+          <a:p>
+            <a:pPr marL="285750" indent="-285750">
+              <a:buFont typeface="Arial"/>
+              <a:buChar char="•"/>
+            </a:pPr>
+            <a:r>
+              <a:rPr lang="en-US" sz="1600" dirty="0" smtClean="0"/>
+              <a:t>Increased </a:t>
+            </a:r>
+            <a:r>
+              <a:rPr lang="en-US" sz="1600" dirty="0"/>
+              <a:t>feasibility, reliability of electric cars</a:t>
+            </a:r>
+          </a:p>
+          <a:p>
+            <a:endParaRPr lang="en-US" sz="1600" dirty="0"/>
+          </a:p>
+          <a:p>
+            <a:pPr marL="285750" indent="-285750">
+              <a:buFont typeface="Arial"/>
+              <a:buChar char="•"/>
+            </a:pPr>
+            <a:r>
+              <a:rPr lang="en-US" sz="1600" dirty="0"/>
+              <a:t>Increased development of the electric car market and charging stations market</a:t>
+            </a:r>
+          </a:p>
+          <a:p>
+            <a:r>
+              <a:rPr lang="en-US" sz="1600" dirty="0"/>
+              <a:t> </a:t>
+            </a:r>
+          </a:p>
+          <a:p>
+            <a:pPr marL="285750" indent="-285750">
+              <a:buFont typeface="Arial"/>
+              <a:buChar char="•"/>
+            </a:pPr>
+            <a:r>
+              <a:rPr lang="en-US" sz="1600" dirty="0"/>
+              <a:t>Better environment due to the decrease of emissions</a:t>
+            </a:r>
+            <a:r>
+              <a:rPr lang="en-US" sz="1600" dirty="0"/>
+              <a:t> </a:t>
+            </a:r>
+          </a:p>
+        </p:txBody>
+      </p:sp>
+    </p:spTree>
+    <p:extLst>
+      <p:ext uri="{BB962C8B-B14F-4D97-AF65-F5344CB8AC3E}">
+        <p14:creationId xmlns:p14="http://schemas.microsoft.com/office/powerpoint/2010/main" val="1526223910"/>
+      </p:ext>
+    </p:extLst>
+  </p:cSld>
+  <p:clrMapOvr>
+    <a:masterClrMapping/>
+  </p:clrMapOvr>
+  <p:timing>
+    <p:tnLst>
+      <p:par>
+        <p:cTn xmlns:p14="http://schemas.microsoft.com/office/powerpoint/2010/main" id="1" dur="indefinite" restart="never" nodeType="tmRoot"/>
+      </p:par>
+    </p:tnLst>
+  </p:timing>
+</p:sld>
+</file>
+
+<file path=ppt/slides/slide8.xml><?xml version="1.0" encoding="utf-8"?>
+<p:sld xmlns:a="http://schemas.openxmlformats.org/drawingml/2006/main" xmlns:r="http://schemas.openxmlformats.org/officeDocument/2006/relationships" xmlns:p="http://schemas.openxmlformats.org/presentationml/2006/main">
+  <p:cSld>
+    <p:spTree>
+      <p:nvGrpSpPr>
+        <p:cNvPr id="1" name=""/>
+        <p:cNvGrpSpPr/>
+        <p:nvPr/>
+      </p:nvGrpSpPr>
+      <p:grpSpPr>
+        <a:xfrm>
+          <a:off x="0" y="0"/>
+          <a:ext cx="0" cy="0"/>
+          <a:chOff x="0" y="0"/>
+          <a:chExt cx="0" cy="0"/>
+        </a:xfrm>
+      </p:grpSpPr>
+      <p:sp>
+        <p:nvSpPr>
+          <p:cNvPr id="4" name="Rectangle 3"/>
+          <p:cNvSpPr/>
+          <p:nvPr/>
+        </p:nvSpPr>
+        <p:spPr>
+          <a:xfrm>
+            <a:off x="1373066" y="2932609"/>
+            <a:ext cx="6397892" cy="830997"/>
+          </a:xfrm>
+          <a:prstGeom prst="rect">
+            <a:avLst/>
+          </a:prstGeom>
+        </p:spPr>
+        <p:txBody>
+          <a:bodyPr wrap="none">
+            <a:spAutoFit/>
+          </a:bodyPr>
+          <a:lstStyle/>
+          <a:p>
+            <a:pPr algn="ctr"/>
+            <a:r>
+              <a:rPr lang="en-US" sz="4800" i="1" dirty="0" smtClean="0">
+                <a:solidFill>
+                  <a:schemeClr val="accent3">
+                    <a:lumMod val="60000"/>
+                    <a:lumOff val="40000"/>
+                  </a:schemeClr>
+                </a:solidFill>
+              </a:rPr>
+              <a:t>[</a:t>
+            </a:r>
+            <a:r>
+              <a:rPr lang="en-US" sz="4800" i="1" dirty="0" smtClean="0">
+                <a:solidFill>
+                  <a:srgbClr val="7F7F7F"/>
+                </a:solidFill>
+              </a:rPr>
+              <a:t>Based on the following</a:t>
+            </a:r>
+            <a:r>
+              <a:rPr lang="en-US" sz="4800" i="1" dirty="0" smtClean="0">
+                <a:solidFill>
+                  <a:srgbClr val="C3D69B"/>
+                </a:solidFill>
+              </a:rPr>
+              <a:t>]</a:t>
+            </a:r>
+            <a:endParaRPr lang="en-US" sz="4800" i="1" dirty="0">
+              <a:solidFill>
+                <a:srgbClr val="C3D69B"/>
+              </a:solidFill>
+            </a:endParaRPr>
+          </a:p>
+        </p:txBody>
+      </p:sp>
+    </p:spTree>
+    <p:extLst>
+      <p:ext uri="{BB962C8B-B14F-4D97-AF65-F5344CB8AC3E}">
+        <p14:creationId xmlns:p14="http://schemas.microsoft.com/office/powerpoint/2010/main" val="3657240048"/>
+      </p:ext>
+    </p:extLst>
+  </p:cSld>
+  <p:clrMapOvr>
+    <a:masterClrMapping/>
+  </p:clrMapOvr>
+</p:sld>
+</file>
+
+<file path=ppt/slides/slide9.xml><?xml version="1.0" encoding="utf-8"?>
+<p:sld xmlns:a="http://schemas.openxmlformats.org/drawingml/2006/main" xmlns:r="http://schemas.openxmlformats.org/officeDocument/2006/relationships" xmlns:p="http://schemas.openxmlformats.org/presentationml/2006/main">
+  <p:cSld>
+    <p:spTree>
+      <p:nvGrpSpPr>
+        <p:cNvPr id="1" name=""/>
+        <p:cNvGrpSpPr/>
+        <p:nvPr/>
+      </p:nvGrpSpPr>
+      <p:grpSpPr>
+        <a:xfrm>
+          <a:off x="0" y="0"/>
+          <a:ext cx="0" cy="0"/>
+          <a:chOff x="0" y="0"/>
+          <a:chExt cx="0" cy="0"/>
+        </a:xfrm>
+      </p:grpSpPr>
+      <p:sp>
+        <p:nvSpPr>
+          <p:cNvPr id="13" name="Rectangle 12"/>
+          <p:cNvSpPr/>
+          <p:nvPr/>
+        </p:nvSpPr>
+        <p:spPr>
+          <a:xfrm>
+            <a:off x="1124397" y="1967930"/>
+            <a:ext cx="3407497" cy="3934828"/>
+          </a:xfrm>
+          <a:prstGeom prst="rect">
+            <a:avLst/>
+          </a:prstGeom>
+          <a:solidFill>
+            <a:schemeClr val="bg1">
+              <a:lumMod val="95000"/>
+            </a:schemeClr>
+          </a:solidFill>
+          <a:ln>
+            <a:noFill/>
+          </a:ln>
+          <a:effectLst/>
+        </p:spPr>
+        <p:style>
+          <a:lnRef idx="1">
+            <a:schemeClr val="accent1"/>
+          </a:lnRef>
+          <a:fillRef idx="3">
+            <a:schemeClr val="accent1"/>
+          </a:fillRef>
+          <a:effectRef idx="2">
+            <a:schemeClr val="accent1"/>
+          </a:effectRef>
+          <a:fontRef idx="minor">
+            <a:schemeClr val="lt1"/>
+          </a:fontRef>
+        </p:style>
+        <p:txBody>
+          <a:bodyPr rtlCol="0" anchor="ctr"/>
+          <a:lstStyle/>
+          <a:p>
+            <a:pPr algn="ctr"/>
+            <a:endParaRPr lang="en-US"/>
+          </a:p>
+        </p:txBody>
+      </p:sp>
+      <p:sp>
+        <p:nvSpPr>
+          <p:cNvPr id="14" name="Rectangle 13"/>
+          <p:cNvSpPr/>
+          <p:nvPr/>
+        </p:nvSpPr>
+        <p:spPr>
+          <a:xfrm>
+            <a:off x="4625474" y="1933902"/>
+            <a:ext cx="3430506" cy="3968856"/>
+          </a:xfrm>
+          <a:prstGeom prst="rect">
+            <a:avLst/>
+          </a:prstGeom>
+          <a:solidFill>
+            <a:schemeClr val="bg1">
+              <a:lumMod val="95000"/>
+            </a:schemeClr>
+          </a:solidFill>
+          <a:ln>
+            <a:noFill/>
+          </a:ln>
+          <a:effectLst/>
+        </p:spPr>
+        <p:style>
+          <a:lnRef idx="1">
+            <a:schemeClr val="accent1"/>
+          </a:lnRef>
+          <a:fillRef idx="3">
+            <a:schemeClr val="accent1"/>
+          </a:fillRef>
+          <a:effectRef idx="2">
+            <a:schemeClr val="accent1"/>
+          </a:effectRef>
+          <a:fontRef idx="minor">
+            <a:schemeClr val="lt1"/>
+          </a:fontRef>
+        </p:style>
+        <p:txBody>
+          <a:bodyPr rtlCol="0" anchor="ctr"/>
+          <a:lstStyle/>
+          <a:p>
+            <a:pPr algn="ctr"/>
+            <a:endParaRPr lang="en-US"/>
+          </a:p>
+        </p:txBody>
+      </p:sp>
+      <p:sp>
+        <p:nvSpPr>
+          <p:cNvPr id="18" name="Minus 17"/>
+          <p:cNvSpPr/>
+          <p:nvPr/>
+        </p:nvSpPr>
+        <p:spPr>
+          <a:xfrm>
+            <a:off x="-1858215" y="628317"/>
+            <a:ext cx="12713367" cy="1577474"/>
+          </a:xfrm>
+          <a:prstGeom prst="mathMinus">
+            <a:avLst/>
+          </a:prstGeom>
+          <a:ln>
+            <a:noFill/>
+          </a:ln>
+        </p:spPr>
+        <p:style>
+          <a:lnRef idx="1">
+            <a:schemeClr val="dk1"/>
+          </a:lnRef>
+          <a:fillRef idx="2">
+            <a:schemeClr val="dk1"/>
+          </a:fillRef>
+          <a:effectRef idx="1">
+            <a:schemeClr val="dk1"/>
+          </a:effectRef>
+          <a:fontRef idx="minor">
+            <a:schemeClr val="dk1"/>
+          </a:fontRef>
+        </p:style>
+        <p:txBody>
+          <a:bodyPr rtlCol="0" anchor="ctr"/>
+          <a:lstStyle/>
+          <a:p>
+            <a:pPr algn="ctr"/>
+            <a:endParaRPr lang="en-US"/>
+          </a:p>
+        </p:txBody>
+      </p:sp>
+      <p:sp>
+        <p:nvSpPr>
+          <p:cNvPr id="9" name="Rounded Rectangle 8"/>
+          <p:cNvSpPr/>
+          <p:nvPr/>
+        </p:nvSpPr>
+        <p:spPr>
+          <a:xfrm>
+            <a:off x="1124398" y="823426"/>
+            <a:ext cx="3407497" cy="1190683"/>
+          </a:xfrm>
+          <a:prstGeom prst="roundRect">
+            <a:avLst/>
+          </a:prstGeom>
+        </p:spPr>
+        <p:style>
+          <a:lnRef idx="1">
+            <a:schemeClr val="accent3"/>
+          </a:lnRef>
+          <a:fillRef idx="3">
+            <a:schemeClr val="accent3"/>
+          </a:fillRef>
+          <a:effectRef idx="2">
+            <a:schemeClr val="accent3"/>
+          </a:effectRef>
+          <a:fontRef idx="minor">
+            <a:schemeClr val="lt1"/>
+          </a:fontRef>
+        </p:style>
+        <p:txBody>
+          <a:bodyPr rtlCol="0" anchor="ctr"/>
+          <a:lstStyle/>
+          <a:p>
+            <a:pPr algn="ctr"/>
+            <a:endParaRPr lang="en-US"/>
+          </a:p>
+        </p:txBody>
+      </p:sp>
+      <p:sp>
+        <p:nvSpPr>
+          <p:cNvPr id="10" name="Rounded Rectangle 9"/>
+          <p:cNvSpPr/>
+          <p:nvPr/>
+        </p:nvSpPr>
+        <p:spPr>
+          <a:xfrm>
+            <a:off x="4625474" y="823426"/>
+            <a:ext cx="3430506" cy="1190683"/>
+          </a:xfrm>
+          <a:prstGeom prst="roundRect">
+            <a:avLst/>
+          </a:prstGeom>
+        </p:spPr>
+        <p:style>
+          <a:lnRef idx="1">
+            <a:schemeClr val="accent3"/>
+          </a:lnRef>
+          <a:fillRef idx="3">
+            <a:schemeClr val="accent3"/>
+          </a:fillRef>
+          <a:effectRef idx="2">
+            <a:schemeClr val="accent3"/>
+          </a:effectRef>
+          <a:fontRef idx="minor">
+            <a:schemeClr val="lt1"/>
+          </a:fontRef>
+        </p:style>
+        <p:txBody>
+          <a:bodyPr rtlCol="0" anchor="ctr"/>
+          <a:lstStyle/>
+          <a:p>
+            <a:pPr algn="ctr"/>
+            <a:endParaRPr lang="en-US"/>
+          </a:p>
+        </p:txBody>
+      </p:sp>
+      <p:sp>
+        <p:nvSpPr>
+          <p:cNvPr id="11" name="TextBox 10"/>
+          <p:cNvSpPr txBox="1"/>
+          <p:nvPr/>
+        </p:nvSpPr>
+        <p:spPr>
+          <a:xfrm>
+            <a:off x="1552143" y="1144180"/>
+            <a:ext cx="2538594" cy="523220"/>
+          </a:xfrm>
+          <a:prstGeom prst="rect">
+            <a:avLst/>
+          </a:prstGeom>
+          <a:noFill/>
+        </p:spPr>
+        <p:txBody>
+          <a:bodyPr wrap="square" rtlCol="0">
+            <a:spAutoFit/>
+            <a:scene3d>
+              <a:camera prst="orthographicFront"/>
+              <a:lightRig rig="soft" dir="t">
+                <a:rot lat="0" lon="0" rev="10800000"/>
+              </a:lightRig>
+            </a:scene3d>
+            <a:sp3d>
+              <a:bevelT w="27940" h="12700"/>
+              <a:contourClr>
+                <a:srgbClr val="DDDDDD"/>
+              </a:contourClr>
+            </a:sp3d>
+          </a:bodyPr>
+          <a:lstStyle/>
+          <a:p>
+            <a:pPr algn="ctr"/>
+            <a:r>
+              <a:rPr lang="en-US" sz="2800" b="1" spc="150" dirty="0" smtClean="0">
+                <a:ln w="11430"/>
+                <a:solidFill>
+                  <a:srgbClr val="7F7F7F"/>
+                </a:solidFill>
+                <a:effectLst>
+                  <a:outerShdw blurRad="25400" algn="tl" rotWithShape="0">
+                    <a:srgbClr val="000000">
+                      <a:alpha val="43000"/>
+                    </a:srgbClr>
+                  </a:outerShdw>
+                </a:effectLst>
+              </a:rPr>
+              <a:t>Assumptions</a:t>
+            </a:r>
+            <a:endParaRPr lang="en-US" sz="2800" b="1" spc="150" dirty="0">
+              <a:ln w="11430"/>
+              <a:solidFill>
+                <a:srgbClr val="7F7F7F"/>
+              </a:solidFill>
+              <a:effectLst>
+                <a:outerShdw blurRad="25400" algn="tl" rotWithShape="0">
+                  <a:srgbClr val="000000">
+                    <a:alpha val="43000"/>
+                  </a:srgbClr>
+                </a:outerShdw>
+              </a:effectLst>
+            </a:endParaRPr>
+          </a:p>
+        </p:txBody>
+      </p:sp>
+      <p:sp>
+        <p:nvSpPr>
+          <p:cNvPr id="12" name="TextBox 11"/>
+          <p:cNvSpPr txBox="1"/>
+          <p:nvPr/>
+        </p:nvSpPr>
+        <p:spPr>
+          <a:xfrm>
+            <a:off x="4959684" y="979794"/>
+            <a:ext cx="2780632" cy="954107"/>
+          </a:xfrm>
+          <a:prstGeom prst="rect">
+            <a:avLst/>
+          </a:prstGeom>
+          <a:noFill/>
+        </p:spPr>
+        <p:txBody>
+          <a:bodyPr wrap="square" rtlCol="0">
+            <a:spAutoFit/>
+            <a:scene3d>
+              <a:camera prst="orthographicFront"/>
+              <a:lightRig rig="soft" dir="t">
+                <a:rot lat="0" lon="0" rev="10800000"/>
+              </a:lightRig>
+            </a:scene3d>
+            <a:sp3d>
+              <a:bevelT w="27940" h="12700"/>
+              <a:contourClr>
+                <a:srgbClr val="DDDDDD"/>
+              </a:contourClr>
+            </a:sp3d>
+          </a:bodyPr>
+          <a:lstStyle/>
+          <a:p>
+            <a:pPr algn="ctr"/>
+            <a:r>
+              <a:rPr lang="en-US" sz="2800" b="1" spc="150" dirty="0" smtClean="0">
+                <a:ln w="11430"/>
+                <a:solidFill>
+                  <a:srgbClr val="7F7F7F"/>
+                </a:solidFill>
+                <a:effectLst>
+                  <a:outerShdw blurRad="25400" algn="tl" rotWithShape="0">
+                    <a:srgbClr val="000000">
+                      <a:alpha val="43000"/>
+                    </a:srgbClr>
+                  </a:outerShdw>
+                </a:effectLst>
+              </a:rPr>
+              <a:t>External Factors</a:t>
+            </a:r>
+            <a:endParaRPr lang="en-US" sz="2800" b="1" spc="150" dirty="0">
+              <a:ln w="11430"/>
+              <a:solidFill>
+                <a:srgbClr val="7F7F7F"/>
+              </a:solidFill>
+              <a:effectLst>
+                <a:outerShdw blurRad="25400" algn="tl" rotWithShape="0">
+                  <a:srgbClr val="000000">
+                    <a:alpha val="43000"/>
+                  </a:srgbClr>
+                </a:outerShdw>
+              </a:effectLst>
+            </a:endParaRPr>
+          </a:p>
+        </p:txBody>
+      </p:sp>
+      <p:sp>
+        <p:nvSpPr>
+          <p:cNvPr id="15" name="Rectangle 14"/>
+          <p:cNvSpPr/>
+          <p:nvPr/>
+        </p:nvSpPr>
+        <p:spPr>
+          <a:xfrm>
+            <a:off x="1124398" y="2122537"/>
+            <a:ext cx="2966339" cy="3046988"/>
+          </a:xfrm>
+          <a:prstGeom prst="rect">
+            <a:avLst/>
+          </a:prstGeom>
+        </p:spPr>
+        <p:txBody>
+          <a:bodyPr wrap="square">
+            <a:spAutoFit/>
+          </a:bodyPr>
+          <a:lstStyle/>
+          <a:p>
+            <a:pPr marL="285750" indent="-285750" fontAlgn="t">
+              <a:buFont typeface="Arial"/>
+              <a:buChar char="•"/>
+            </a:pPr>
+            <a:r>
+              <a:rPr lang="en-US" sz="1600" dirty="0" smtClean="0"/>
+              <a:t>We </a:t>
+            </a:r>
+            <a:r>
+              <a:rPr lang="en-US" sz="1600" dirty="0"/>
+              <a:t>can work correctly together </a:t>
+            </a:r>
+          </a:p>
+          <a:p>
+            <a:pPr marL="285750" indent="-285750" fontAlgn="t">
+              <a:buFont typeface="Arial"/>
+              <a:buChar char="•"/>
+            </a:pPr>
+            <a:r>
+              <a:rPr lang="en-US" sz="1600" dirty="0"/>
+              <a:t>We can be interested in the subject for the semester</a:t>
+            </a:r>
+          </a:p>
+          <a:p>
+            <a:pPr marL="285750" indent="-285750" fontAlgn="t">
+              <a:buFont typeface="Arial"/>
+              <a:buChar char="•"/>
+            </a:pPr>
+            <a:r>
+              <a:rPr lang="en-US" sz="1600" dirty="0"/>
+              <a:t>The resources are adequate and available</a:t>
+            </a:r>
+          </a:p>
+          <a:p>
+            <a:pPr marL="285750" indent="-285750" fontAlgn="t">
+              <a:buFont typeface="Arial"/>
+              <a:buChar char="•"/>
+            </a:pPr>
+            <a:r>
+              <a:rPr lang="en-US" sz="1600" dirty="0"/>
+              <a:t>The companies know about the existence of this industrial analysis report</a:t>
+            </a:r>
+          </a:p>
+          <a:p>
+            <a:pPr marL="285750" indent="-285750" fontAlgn="t">
+              <a:buFont typeface="Arial"/>
+              <a:buChar char="•"/>
+            </a:pPr>
+            <a:r>
+              <a:rPr lang="en-US" sz="1600" dirty="0"/>
+              <a:t>This industrial analysis report is relevant and useful for companies </a:t>
+            </a:r>
+          </a:p>
+        </p:txBody>
+      </p:sp>
+      <p:sp>
+        <p:nvSpPr>
+          <p:cNvPr id="16" name="Rectangle 15"/>
+          <p:cNvSpPr/>
+          <p:nvPr/>
+        </p:nvSpPr>
+        <p:spPr>
+          <a:xfrm>
+            <a:off x="4625474" y="2134422"/>
+            <a:ext cx="2981158" cy="2308324"/>
+          </a:xfrm>
+          <a:prstGeom prst="rect">
+            <a:avLst/>
+          </a:prstGeom>
+        </p:spPr>
+        <p:txBody>
+          <a:bodyPr wrap="square">
+            <a:spAutoFit/>
+          </a:bodyPr>
+          <a:lstStyle/>
+          <a:p>
+            <a:pPr marL="285750" indent="-285750" fontAlgn="t">
+              <a:buFont typeface="Arial"/>
+              <a:buChar char="•"/>
+            </a:pPr>
+            <a:r>
+              <a:rPr lang="en-US" sz="1600" dirty="0" smtClean="0">
+                <a:solidFill>
+                  <a:srgbClr val="000000"/>
+                </a:solidFill>
+              </a:rPr>
+              <a:t>The </a:t>
+            </a:r>
+            <a:r>
+              <a:rPr lang="en-US" sz="1600" dirty="0">
+                <a:solidFill>
+                  <a:srgbClr val="000000"/>
+                </a:solidFill>
+              </a:rPr>
+              <a:t>developments of technology in the vehicle market and their relevance, f.e.</a:t>
+            </a:r>
+            <a:r>
+              <a:rPr lang="en-US" sz="1600" dirty="0" smtClean="0">
+                <a:solidFill>
+                  <a:srgbClr val="000000"/>
+                </a:solidFill>
+              </a:rPr>
+              <a:t>:</a:t>
+            </a:r>
+          </a:p>
+          <a:p>
+            <a:pPr fontAlgn="t"/>
+            <a:endParaRPr lang="en-US" sz="1600" dirty="0">
+              <a:latin typeface="Arial"/>
+            </a:endParaRPr>
+          </a:p>
+          <a:p>
+            <a:pPr marL="285750" indent="-285750" fontAlgn="t">
+              <a:buFont typeface="Arial"/>
+              <a:buChar char="•"/>
+            </a:pPr>
+            <a:r>
+              <a:rPr lang="en-US" sz="1600" dirty="0">
+                <a:solidFill>
+                  <a:srgbClr val="000000"/>
+                </a:solidFill>
+              </a:rPr>
+              <a:t>Hybrid technology</a:t>
+            </a:r>
+            <a:endParaRPr lang="en-US" sz="1600" dirty="0">
+              <a:latin typeface="Arial"/>
+            </a:endParaRPr>
+          </a:p>
+          <a:p>
+            <a:pPr marL="285750" indent="-285750" fontAlgn="t">
+              <a:buFont typeface="Arial"/>
+              <a:buChar char="•"/>
+            </a:pPr>
+            <a:r>
+              <a:rPr lang="en-US" sz="1600" dirty="0">
+                <a:solidFill>
+                  <a:srgbClr val="000000"/>
+                </a:solidFill>
+              </a:rPr>
+              <a:t>Electric technology </a:t>
+            </a:r>
+            <a:endParaRPr lang="en-US" sz="1600" dirty="0">
+              <a:latin typeface="Arial"/>
+            </a:endParaRPr>
+          </a:p>
+          <a:p>
+            <a:pPr marL="285750" indent="-285750" fontAlgn="t">
+              <a:buFont typeface="Arial"/>
+              <a:buChar char="•"/>
+            </a:pPr>
+            <a:r>
+              <a:rPr lang="en-US" sz="1600" dirty="0">
+                <a:solidFill>
+                  <a:srgbClr val="000000"/>
+                </a:solidFill>
+              </a:rPr>
+              <a:t>N</a:t>
+            </a:r>
+            <a:r>
+              <a:rPr lang="en-US" sz="1600" baseline="-25000" dirty="0">
+                <a:solidFill>
+                  <a:srgbClr val="000000"/>
+                </a:solidFill>
+              </a:rPr>
+              <a:t>2</a:t>
+            </a:r>
+            <a:r>
+              <a:rPr lang="en-US" sz="1600" dirty="0">
+                <a:solidFill>
+                  <a:srgbClr val="000000"/>
+                </a:solidFill>
+              </a:rPr>
+              <a:t> technology</a:t>
+            </a:r>
+            <a:endParaRPr lang="en-US" sz="1600" dirty="0">
+              <a:latin typeface="Arial"/>
+            </a:endParaRPr>
+          </a:p>
+          <a:p>
+            <a:pPr marL="285750" indent="-285750" fontAlgn="t">
+              <a:buFont typeface="Arial"/>
+              <a:buChar char="•"/>
+            </a:pPr>
+            <a:r>
+              <a:rPr lang="en-US" sz="1600" dirty="0">
+                <a:solidFill>
+                  <a:srgbClr val="000000"/>
+                </a:solidFill>
+              </a:rPr>
+              <a:t>Other technologies </a:t>
+            </a:r>
+            <a:endParaRPr lang="en-US" sz="1600" b="0" i="0" u="none" strike="noStrike" dirty="0">
+              <a:effectLst/>
+              <a:latin typeface="Arial"/>
+            </a:endParaRPr>
+          </a:p>
+        </p:txBody>
+      </p:sp>
+    </p:spTree>
+    <p:extLst>
+      <p:ext uri="{BB962C8B-B14F-4D97-AF65-F5344CB8AC3E}">
+        <p14:creationId xmlns:p14="http://schemas.microsoft.com/office/powerpoint/2010/main" val="1198978091"/>
       </p:ext>
     </p:extLst>
   </p:cSld>
